--- a/trunk/Presentazione/Atsilo2/Luigi/Luigi_PresentazioneFinale.pptx
+++ b/trunk/Presentazione/Atsilo2/Luigi/Luigi_PresentazioneFinale.pptx
@@ -5,13 +5,15 @@
     <p:sldMasterId id="2147483684" r:id="rId1"/>
   </p:sldMasterIdLst>
   <p:notesMasterIdLst>
-    <p:notesMasterId r:id="rId6"/>
+    <p:notesMasterId r:id="rId8"/>
   </p:notesMasterIdLst>
   <p:sldIdLst>
     <p:sldId id="256" r:id="rId2"/>
     <p:sldId id="258" r:id="rId3"/>
     <p:sldId id="259" r:id="rId4"/>
     <p:sldId id="260" r:id="rId5"/>
+    <p:sldId id="261" r:id="rId6"/>
+    <p:sldId id="262" r:id="rId7"/>
   </p:sldIdLst>
   <p:sldSz cx="9144000" cy="6858000" type="screen4x3"/>
   <p:notesSz cx="6858000" cy="9144000"/>
@@ -195,7 +197,7 @@
           <a:p>
             <a:fld id="{38D78F4D-402C-46E0-A4BB-DF91EA86B14C}" type="datetimeFigureOut">
               <a:rPr lang="it-IT" smtClean="0"/>
-              <a:t>28/12/2012</a:t>
+              <a:t>29/12/2012</a:t>
             </a:fld>
             <a:endParaRPr lang="it-IT"/>
           </a:p>
@@ -628,7 +630,7 @@
           <a:p>
             <a:fld id="{63CABBC0-75E4-43BB-A6A6-84C2A96BDB82}" type="datetimeFigureOut">
               <a:rPr lang="it-IT" smtClean="0"/>
-              <a:t>28/12/2012</a:t>
+              <a:t>29/12/2012</a:t>
             </a:fld>
             <a:endParaRPr lang="it-IT"/>
           </a:p>
@@ -808,7 +810,7 @@
           <a:p>
             <a:fld id="{63CABBC0-75E4-43BB-A6A6-84C2A96BDB82}" type="datetimeFigureOut">
               <a:rPr lang="it-IT" smtClean="0"/>
-              <a:t>28/12/2012</a:t>
+              <a:t>29/12/2012</a:t>
             </a:fld>
             <a:endParaRPr lang="it-IT"/>
           </a:p>
@@ -998,7 +1000,7 @@
           <a:p>
             <a:fld id="{63CABBC0-75E4-43BB-A6A6-84C2A96BDB82}" type="datetimeFigureOut">
               <a:rPr lang="it-IT" smtClean="0"/>
-              <a:t>28/12/2012</a:t>
+              <a:t>29/12/2012</a:t>
             </a:fld>
             <a:endParaRPr lang="it-IT"/>
           </a:p>
@@ -1178,7 +1180,7 @@
           <a:p>
             <a:fld id="{63CABBC0-75E4-43BB-A6A6-84C2A96BDB82}" type="datetimeFigureOut">
               <a:rPr lang="it-IT" smtClean="0"/>
-              <a:t>28/12/2012</a:t>
+              <a:t>29/12/2012</a:t>
             </a:fld>
             <a:endParaRPr lang="it-IT"/>
           </a:p>
@@ -1419,7 +1421,7 @@
           <a:p>
             <a:fld id="{63CABBC0-75E4-43BB-A6A6-84C2A96BDB82}" type="datetimeFigureOut">
               <a:rPr lang="it-IT" smtClean="0"/>
-              <a:t>28/12/2012</a:t>
+              <a:t>29/12/2012</a:t>
             </a:fld>
             <a:endParaRPr lang="it-IT"/>
           </a:p>
@@ -1698,7 +1700,7 @@
           <a:p>
             <a:fld id="{63CABBC0-75E4-43BB-A6A6-84C2A96BDB82}" type="datetimeFigureOut">
               <a:rPr lang="it-IT" smtClean="0"/>
-              <a:t>28/12/2012</a:t>
+              <a:t>29/12/2012</a:t>
             </a:fld>
             <a:endParaRPr lang="it-IT"/>
           </a:p>
@@ -2087,7 +2089,7 @@
           <a:p>
             <a:fld id="{63CABBC0-75E4-43BB-A6A6-84C2A96BDB82}" type="datetimeFigureOut">
               <a:rPr lang="it-IT" smtClean="0"/>
-              <a:t>28/12/2012</a:t>
+              <a:t>29/12/2012</a:t>
             </a:fld>
             <a:endParaRPr lang="it-IT"/>
           </a:p>
@@ -2244,7 +2246,7 @@
           <a:p>
             <a:fld id="{63CABBC0-75E4-43BB-A6A6-84C2A96BDB82}" type="datetimeFigureOut">
               <a:rPr lang="it-IT" smtClean="0"/>
-              <a:t>28/12/2012</a:t>
+              <a:t>29/12/2012</a:t>
             </a:fld>
             <a:endParaRPr lang="it-IT"/>
           </a:p>
@@ -2341,7 +2343,7 @@
           <a:p>
             <a:fld id="{63CABBC0-75E4-43BB-A6A6-84C2A96BDB82}" type="datetimeFigureOut">
               <a:rPr lang="it-IT" smtClean="0"/>
-              <a:t>28/12/2012</a:t>
+              <a:t>29/12/2012</a:t>
             </a:fld>
             <a:endParaRPr lang="it-IT"/>
           </a:p>
@@ -2609,7 +2611,7 @@
           <a:p>
             <a:fld id="{63CABBC0-75E4-43BB-A6A6-84C2A96BDB82}" type="datetimeFigureOut">
               <a:rPr lang="it-IT" smtClean="0"/>
-              <a:t>28/12/2012</a:t>
+              <a:t>29/12/2012</a:t>
             </a:fld>
             <a:endParaRPr lang="it-IT"/>
           </a:p>
@@ -2904,7 +2906,7 @@
           <a:p>
             <a:fld id="{63CABBC0-75E4-43BB-A6A6-84C2A96BDB82}" type="datetimeFigureOut">
               <a:rPr lang="it-IT" smtClean="0"/>
-              <a:t>28/12/2012</a:t>
+              <a:t>29/12/2012</a:t>
             </a:fld>
             <a:endParaRPr lang="it-IT"/>
           </a:p>
@@ -3682,7 +3684,7 @@
           <a:p>
             <a:fld id="{63CABBC0-75E4-43BB-A6A6-84C2A96BDB82}" type="datetimeFigureOut">
               <a:rPr lang="it-IT" smtClean="0"/>
-              <a:t>28/12/2012</a:t>
+              <a:t>29/12/2012</a:t>
             </a:fld>
             <a:endParaRPr lang="it-IT"/>
           </a:p>
@@ -5366,9 +5368,6 @@
               </a:rPr>
               <a:t>Mappare associazioni in collezioni e riferimenti</a:t>
             </a:r>
-            <a:endParaRPr lang="it-IT" sz="3200" b="1" dirty="0" smtClean="0">
-              <a:latin typeface="+mj-lt"/>
-            </a:endParaRPr>
           </a:p>
           <a:p>
             <a:pPr algn="ctr"/>
@@ -5485,6 +5484,195 @@
     <p:extLst>
       <p:ext uri="{BB962C8B-B14F-4D97-AF65-F5344CB8AC3E}">
         <p14:creationId xmlns:p14="http://schemas.microsoft.com/office/powerpoint/2010/main" val="2479304105"/>
+      </p:ext>
+    </p:extLst>
+  </p:cSld>
+  <p:clrMapOvr>
+    <a:masterClrMapping/>
+  </p:clrMapOvr>
+</p:sld>
+</file>
+
+<file path=ppt/slides/slide5.xml><?xml version="1.0" encoding="utf-8"?>
+<p:sld xmlns:a="http://schemas.openxmlformats.org/drawingml/2006/main" xmlns:r="http://schemas.openxmlformats.org/officeDocument/2006/relationships" xmlns:p="http://schemas.openxmlformats.org/presentationml/2006/main">
+  <p:cSld>
+    <p:spTree>
+      <p:nvGrpSpPr>
+        <p:cNvPr id="1" name=""/>
+        <p:cNvGrpSpPr/>
+        <p:nvPr/>
+      </p:nvGrpSpPr>
+      <p:grpSpPr>
+        <a:xfrm>
+          <a:off x="0" y="0"/>
+          <a:ext cx="0" cy="0"/>
+          <a:chOff x="0" y="0"/>
+          <a:chExt cx="0" cy="0"/>
+        </a:xfrm>
+      </p:grpSpPr>
+      <p:sp>
+        <p:nvSpPr>
+          <p:cNvPr id="2" name="CasellaDiTesto 1"/>
+          <p:cNvSpPr txBox="1"/>
+          <p:nvPr/>
+        </p:nvSpPr>
+        <p:spPr>
+          <a:xfrm>
+            <a:off x="232560" y="476672"/>
+            <a:ext cx="8709292" cy="861774"/>
+          </a:xfrm>
+          <a:prstGeom prst="rect">
+            <a:avLst/>
+          </a:prstGeom>
+          <a:noFill/>
+        </p:spPr>
+        <p:txBody>
+          <a:bodyPr wrap="square" rtlCol="0">
+            <a:spAutoFit/>
+          </a:bodyPr>
+          <a:lstStyle/>
+          <a:p>
+            <a:pPr algn="ctr"/>
+            <a:r>
+              <a:rPr lang="it-IT" sz="3200" b="1" dirty="0" smtClean="0">
+                <a:latin typeface="+mj-lt"/>
+              </a:rPr>
+              <a:t>Ereditarietà </a:t>
+            </a:r>
+            <a:endParaRPr lang="it-IT" sz="3200" b="1" dirty="0" smtClean="0">
+              <a:latin typeface="+mj-lt"/>
+            </a:endParaRPr>
+          </a:p>
+          <a:p>
+            <a:pPr algn="ctr"/>
+            <a:endParaRPr lang="it-IT" dirty="0">
+              <a:latin typeface="+mj-lt"/>
+            </a:endParaRPr>
+          </a:p>
+        </p:txBody>
+      </p:sp>
+      <p:sp>
+        <p:nvSpPr>
+          <p:cNvPr id="3" name="CasellaDiTesto 2"/>
+          <p:cNvSpPr txBox="1"/>
+          <p:nvPr/>
+        </p:nvSpPr>
+        <p:spPr>
+          <a:xfrm>
+            <a:off x="323528" y="1196752"/>
+            <a:ext cx="8424936" cy="3046988"/>
+          </a:xfrm>
+          <a:prstGeom prst="rect">
+            <a:avLst/>
+          </a:prstGeom>
+          <a:noFill/>
+        </p:spPr>
+        <p:txBody>
+          <a:bodyPr wrap="square" rtlCol="0">
+            <a:spAutoFit/>
+          </a:bodyPr>
+          <a:lstStyle/>
+          <a:p>
+            <a:endParaRPr lang="it-IT" sz="2400" dirty="0" smtClean="0"/>
+          </a:p>
+          <a:p>
+            <a:endParaRPr lang="it-IT" sz="2400" dirty="0" smtClean="0"/>
+          </a:p>
+          <a:p>
+            <a:r>
+              <a:rPr lang="it-IT" sz="2400" dirty="0" smtClean="0"/>
+              <a:t>Per gestire l’ereditarietà abbiamo usato un </a:t>
+            </a:r>
+            <a:r>
+              <a:rPr lang="it-IT" sz="2400" dirty="0" err="1" smtClean="0"/>
+              <a:t>mapping</a:t>
+            </a:r>
+            <a:r>
+              <a:rPr lang="it-IT" sz="2400" dirty="0" smtClean="0"/>
+              <a:t> verticale. Abbiamo creato delle superclassi che posseggono attributi e metodi generici, ereditati da sottoclassi specifiche. </a:t>
+            </a:r>
+          </a:p>
+          <a:p>
+            <a:r>
+              <a:rPr lang="it-IT" sz="2400" dirty="0" smtClean="0"/>
+              <a:t>Un esempio concreto lo si vede con la classe utente(superclasse) la quale viene estesa da numerose classi. (genitore, </a:t>
+            </a:r>
+            <a:r>
+              <a:rPr lang="it-IT" sz="2400" dirty="0" err="1" smtClean="0"/>
+              <a:t>psicopedagogo</a:t>
+            </a:r>
+            <a:r>
+              <a:rPr lang="it-IT" sz="2400" dirty="0" smtClean="0"/>
+              <a:t>, tirocinante……).</a:t>
+            </a:r>
+            <a:endParaRPr lang="it-IT" sz="2400" dirty="0"/>
+          </a:p>
+        </p:txBody>
+      </p:sp>
+    </p:spTree>
+    <p:extLst>
+      <p:ext uri="{BB962C8B-B14F-4D97-AF65-F5344CB8AC3E}">
+        <p14:creationId xmlns:p14="http://schemas.microsoft.com/office/powerpoint/2010/main" val="1080303246"/>
+      </p:ext>
+    </p:extLst>
+  </p:cSld>
+  <p:clrMapOvr>
+    <a:masterClrMapping/>
+  </p:clrMapOvr>
+</p:sld>
+</file>
+
+<file path=ppt/slides/slide6.xml><?xml version="1.0" encoding="utf-8"?>
+<p:sld xmlns:a="http://schemas.openxmlformats.org/drawingml/2006/main" xmlns:r="http://schemas.openxmlformats.org/officeDocument/2006/relationships" xmlns:p="http://schemas.openxmlformats.org/presentationml/2006/main">
+  <p:cSld>
+    <p:spTree>
+      <p:nvGrpSpPr>
+        <p:cNvPr id="1" name=""/>
+        <p:cNvGrpSpPr/>
+        <p:nvPr/>
+      </p:nvGrpSpPr>
+      <p:grpSpPr>
+        <a:xfrm>
+          <a:off x="0" y="0"/>
+          <a:ext cx="0" cy="0"/>
+          <a:chOff x="0" y="0"/>
+          <a:chExt cx="0" cy="0"/>
+        </a:xfrm>
+      </p:grpSpPr>
+      <p:pic>
+        <p:nvPicPr>
+          <p:cNvPr id="3" name="Immagine 2"/>
+          <p:cNvPicPr>
+            <a:picLocks noChangeAspect="1"/>
+          </p:cNvPicPr>
+          <p:nvPr/>
+        </p:nvPicPr>
+        <p:blipFill>
+          <a:blip r:embed="rId2">
+            <a:extLst>
+              <a:ext uri="{28A0092B-C50C-407E-A947-70E740481C1C}">
+                <a14:useLocalDpi xmlns:a14="http://schemas.microsoft.com/office/drawing/2010/main" val="0"/>
+              </a:ext>
+            </a:extLst>
+          </a:blip>
+          <a:stretch>
+            <a:fillRect/>
+          </a:stretch>
+        </p:blipFill>
+        <p:spPr>
+          <a:xfrm>
+            <a:off x="0" y="0"/>
+            <a:ext cx="9143999" cy="6858000"/>
+          </a:xfrm>
+          <a:prstGeom prst="rect">
+            <a:avLst/>
+          </a:prstGeom>
+        </p:spPr>
+      </p:pic>
+    </p:spTree>
+    <p:extLst>
+      <p:ext uri="{BB962C8B-B14F-4D97-AF65-F5344CB8AC3E}">
+        <p14:creationId xmlns:p14="http://schemas.microsoft.com/office/powerpoint/2010/main" val="551819198"/>
       </p:ext>
     </p:extLst>
   </p:cSld>

--- a/trunk/Presentazione/Atsilo2/Luigi/Luigi_PresentazioneFinale.pptx
+++ b/trunk/Presentazione/Atsilo2/Luigi/Luigi_PresentazioneFinale.pptx
@@ -115,6 +115,63 @@
 </p:presentation>
 </file>
 
+<file path=ppt/commentAuthors.xml><?xml version="1.0" encoding="utf-8"?>
+<p:cmAuthorLst xmlns:a="http://schemas.openxmlformats.org/drawingml/2006/main" xmlns:r="http://schemas.openxmlformats.org/officeDocument/2006/relationships" xmlns:p="http://schemas.openxmlformats.org/presentationml/2006/main">
+  <p:cmAuthor id="0" name="Giulio" initials="GF" lastIdx="6" clrIdx="0"/>
+</p:cmAuthorLst>
+</file>
+
+<file path=ppt/comments/comment1.xml><?xml version="1.0" encoding="utf-8"?>
+<p:cmLst xmlns:a="http://schemas.openxmlformats.org/drawingml/2006/main" xmlns:r="http://schemas.openxmlformats.org/officeDocument/2006/relationships" xmlns:p="http://schemas.openxmlformats.org/presentationml/2006/main">
+  <p:cm authorId="0" dt="2012-12-30T14:51:20.928" idx="1">
+    <p:pos x="1963" y="1355"/>
+    <p:text>engineering con 2 e</p:text>
+  </p:cm>
+  <p:cm authorId="0" dt="2012-12-30T14:52:12.551" idx="2">
+    <p:pos x="5127" y="1582"/>
+    <p:text>Il db lo avete iniziato a fare dal SDD</p:text>
+  </p:cm>
+</p:cmLst>
+</file>
+
+<file path=ppt/comments/comment2.xml><?xml version="1.0" encoding="utf-8"?>
+<p:cmLst xmlns:a="http://schemas.openxmlformats.org/drawingml/2006/main" xmlns:r="http://schemas.openxmlformats.org/officeDocument/2006/relationships" xmlns:p="http://schemas.openxmlformats.org/presentationml/2006/main">
+  <p:cm authorId="0" dt="2012-12-30T14:53:02.823" idx="3">
+    <p:pos x="10" y="10"/>
+    <p:text>E' interessante, ma non so se altri lo dicono già. Controlla le bozze degli altri.</p:text>
+  </p:cm>
+</p:cmLst>
+</file>
+
+<file path=ppt/comments/comment3.xml><?xml version="1.0" encoding="utf-8"?>
+<p:cmLst xmlns:a="http://schemas.openxmlformats.org/drawingml/2006/main" xmlns:r="http://schemas.openxmlformats.org/officeDocument/2006/relationships" xmlns:p="http://schemas.openxmlformats.org/presentationml/2006/main">
+  <p:cm authorId="0" dt="2012-12-30T14:55:09.304" idx="4">
+    <p:pos x="10" y="10"/>
+    <p:text>Cerca di essere più schematico. Se vuoi dire qualcosa, ma non lo vuoi mettere sulla slide, lo puoi scrivere sotto, nell'area delle note, che compaiono solo a te in fase di presentazione.
+Devi trattare anche le associazioni 1-n
+Per tutti i tipi di mapping, fai anche qualche esempio, con ER astratto, ER di basso livello, e UML dell'implementazione.</p:text>
+  </p:cm>
+</p:cmLst>
+</file>
+
+<file path=ppt/comments/comment4.xml><?xml version="1.0" encoding="utf-8"?>
+<p:cmLst xmlns:a="http://schemas.openxmlformats.org/drawingml/2006/main" xmlns:r="http://schemas.openxmlformats.org/officeDocument/2006/relationships" xmlns:p="http://schemas.openxmlformats.org/presentationml/2006/main">
+  <p:cm authorId="0" dt="2012-12-30T14:56:19.819" idx="5">
+    <p:pos x="10" y="10"/>
+    <p:text>Anche qui, per l'esempio, basati su diagrammi a vari livelli (qui puoi partire addirittura dalla gerarchia iniziale degli attori, e far vedere tutta l'evoluzione).</p:text>
+  </p:cm>
+</p:cmLst>
+</file>
+
+<file path=ppt/comments/comment5.xml><?xml version="1.0" encoding="utf-8"?>
+<p:cmLst xmlns:a="http://schemas.openxmlformats.org/drawingml/2006/main" xmlns:r="http://schemas.openxmlformats.org/officeDocument/2006/relationships" xmlns:p="http://schemas.openxmlformats.org/presentationml/2006/main">
+  <p:cm authorId="0" dt="2012-12-30T15:07:25.502" idx="6">
+    <p:pos x="10" y="10"/>
+    <p:text>Ti conviene mettere meno classi, ma più zoomate. Eventualmente, se i primi di Gennaio venite all'università, potrei portare il proiettore, così iniziamo a provare se è leggibile.</p:text>
+  </p:cm>
+</p:cmLst>
+</file>
+
 <file path=ppt/notesMasters/notesMaster1.xml><?xml version="1.0" encoding="utf-8"?>
 <p:notesMaster xmlns:a="http://schemas.openxmlformats.org/drawingml/2006/main" xmlns:r="http://schemas.openxmlformats.org/officeDocument/2006/relationships" xmlns:p="http://schemas.openxmlformats.org/presentationml/2006/main">
   <p:cSld>
@@ -197,7 +254,8 @@
           <a:p>
             <a:fld id="{38D78F4D-402C-46E0-A4BB-DF91EA86B14C}" type="datetimeFigureOut">
               <a:rPr lang="it-IT" smtClean="0"/>
-              <a:t>29/12/2012</a:t>
+              <a:pPr/>
+              <a:t>30/12/2012</a:t>
             </a:fld>
             <a:endParaRPr lang="it-IT"/>
           </a:p>
@@ -356,6 +414,7 @@
           <a:p>
             <a:fld id="{D70604CA-7593-4640-8FA1-5523937B8510}" type="slidenum">
               <a:rPr lang="it-IT" smtClean="0"/>
+              <a:pPr/>
               <a:t>‹N›</a:t>
             </a:fld>
             <a:endParaRPr lang="it-IT"/>
@@ -365,7 +424,7 @@
     </p:spTree>
     <p:extLst>
       <p:ext uri="{BB962C8B-B14F-4D97-AF65-F5344CB8AC3E}">
-        <p14:creationId xmlns:p14="http://schemas.microsoft.com/office/powerpoint/2010/main" val="2126419590"/>
+        <p14:creationId xmlns:p14="http://schemas.microsoft.com/office/powerpoint/2010/main" xmlns="" val="2126419590"/>
       </p:ext>
     </p:extLst>
   </p:cSld>
@@ -630,7 +689,8 @@
           <a:p>
             <a:fld id="{63CABBC0-75E4-43BB-A6A6-84C2A96BDB82}" type="datetimeFigureOut">
               <a:rPr lang="it-IT" smtClean="0"/>
-              <a:t>29/12/2012</a:t>
+              <a:pPr/>
+              <a:t>30/12/2012</a:t>
             </a:fld>
             <a:endParaRPr lang="it-IT"/>
           </a:p>
@@ -672,6 +732,7 @@
           <a:p>
             <a:fld id="{F89AEA99-3E91-4C58-9AD4-045DB5619AC3}" type="slidenum">
               <a:rPr lang="it-IT" smtClean="0"/>
+              <a:pPr/>
               <a:t>‹N›</a:t>
             </a:fld>
             <a:endParaRPr lang="it-IT"/>
@@ -810,7 +871,8 @@
           <a:p>
             <a:fld id="{63CABBC0-75E4-43BB-A6A6-84C2A96BDB82}" type="datetimeFigureOut">
               <a:rPr lang="it-IT" smtClean="0"/>
-              <a:t>29/12/2012</a:t>
+              <a:pPr/>
+              <a:t>30/12/2012</a:t>
             </a:fld>
             <a:endParaRPr lang="it-IT"/>
           </a:p>
@@ -852,6 +914,7 @@
           <a:p>
             <a:fld id="{F89AEA99-3E91-4C58-9AD4-045DB5619AC3}" type="slidenum">
               <a:rPr lang="it-IT" smtClean="0"/>
+              <a:pPr/>
               <a:t>‹N›</a:t>
             </a:fld>
             <a:endParaRPr lang="it-IT"/>
@@ -1000,7 +1063,8 @@
           <a:p>
             <a:fld id="{63CABBC0-75E4-43BB-A6A6-84C2A96BDB82}" type="datetimeFigureOut">
               <a:rPr lang="it-IT" smtClean="0"/>
-              <a:t>29/12/2012</a:t>
+              <a:pPr/>
+              <a:t>30/12/2012</a:t>
             </a:fld>
             <a:endParaRPr lang="it-IT"/>
           </a:p>
@@ -1042,6 +1106,7 @@
           <a:p>
             <a:fld id="{F89AEA99-3E91-4C58-9AD4-045DB5619AC3}" type="slidenum">
               <a:rPr lang="it-IT" smtClean="0"/>
+              <a:pPr/>
               <a:t>‹N›</a:t>
             </a:fld>
             <a:endParaRPr lang="it-IT"/>
@@ -1180,7 +1245,8 @@
           <a:p>
             <a:fld id="{63CABBC0-75E4-43BB-A6A6-84C2A96BDB82}" type="datetimeFigureOut">
               <a:rPr lang="it-IT" smtClean="0"/>
-              <a:t>29/12/2012</a:t>
+              <a:pPr/>
+              <a:t>30/12/2012</a:t>
             </a:fld>
             <a:endParaRPr lang="it-IT"/>
           </a:p>
@@ -1222,6 +1288,7 @@
           <a:p>
             <a:fld id="{F89AEA99-3E91-4C58-9AD4-045DB5619AC3}" type="slidenum">
               <a:rPr lang="it-IT" smtClean="0"/>
+              <a:pPr/>
               <a:t>‹N›</a:t>
             </a:fld>
             <a:endParaRPr lang="it-IT"/>
@@ -1421,7 +1488,8 @@
           <a:p>
             <a:fld id="{63CABBC0-75E4-43BB-A6A6-84C2A96BDB82}" type="datetimeFigureOut">
               <a:rPr lang="it-IT" smtClean="0"/>
-              <a:t>29/12/2012</a:t>
+              <a:pPr/>
+              <a:t>30/12/2012</a:t>
             </a:fld>
             <a:endParaRPr lang="it-IT"/>
           </a:p>
@@ -1463,6 +1531,7 @@
           <a:p>
             <a:fld id="{F89AEA99-3E91-4C58-9AD4-045DB5619AC3}" type="slidenum">
               <a:rPr lang="it-IT" smtClean="0"/>
+              <a:pPr/>
               <a:t>‹N›</a:t>
             </a:fld>
             <a:endParaRPr lang="it-IT"/>
@@ -1700,7 +1769,8 @@
           <a:p>
             <a:fld id="{63CABBC0-75E4-43BB-A6A6-84C2A96BDB82}" type="datetimeFigureOut">
               <a:rPr lang="it-IT" smtClean="0"/>
-              <a:t>29/12/2012</a:t>
+              <a:pPr/>
+              <a:t>30/12/2012</a:t>
             </a:fld>
             <a:endParaRPr lang="it-IT"/>
           </a:p>
@@ -1742,6 +1812,7 @@
           <a:p>
             <a:fld id="{F89AEA99-3E91-4C58-9AD4-045DB5619AC3}" type="slidenum">
               <a:rPr lang="it-IT" smtClean="0"/>
+              <a:pPr/>
               <a:t>‹N›</a:t>
             </a:fld>
             <a:endParaRPr lang="it-IT"/>
@@ -2089,7 +2160,8 @@
           <a:p>
             <a:fld id="{63CABBC0-75E4-43BB-A6A6-84C2A96BDB82}" type="datetimeFigureOut">
               <a:rPr lang="it-IT" smtClean="0"/>
-              <a:t>29/12/2012</a:t>
+              <a:pPr/>
+              <a:t>30/12/2012</a:t>
             </a:fld>
             <a:endParaRPr lang="it-IT"/>
           </a:p>
@@ -2131,6 +2203,7 @@
           <a:p>
             <a:fld id="{F89AEA99-3E91-4C58-9AD4-045DB5619AC3}" type="slidenum">
               <a:rPr lang="it-IT" smtClean="0"/>
+              <a:pPr/>
               <a:t>‹N›</a:t>
             </a:fld>
             <a:endParaRPr lang="it-IT"/>
@@ -2246,7 +2319,8 @@
           <a:p>
             <a:fld id="{63CABBC0-75E4-43BB-A6A6-84C2A96BDB82}" type="datetimeFigureOut">
               <a:rPr lang="it-IT" smtClean="0"/>
-              <a:t>29/12/2012</a:t>
+              <a:pPr/>
+              <a:t>30/12/2012</a:t>
             </a:fld>
             <a:endParaRPr lang="it-IT"/>
           </a:p>
@@ -2288,6 +2362,7 @@
           <a:p>
             <a:fld id="{F89AEA99-3E91-4C58-9AD4-045DB5619AC3}" type="slidenum">
               <a:rPr lang="it-IT" smtClean="0"/>
+              <a:pPr/>
               <a:t>‹N›</a:t>
             </a:fld>
             <a:endParaRPr lang="it-IT"/>
@@ -2343,7 +2418,8 @@
           <a:p>
             <a:fld id="{63CABBC0-75E4-43BB-A6A6-84C2A96BDB82}" type="datetimeFigureOut">
               <a:rPr lang="it-IT" smtClean="0"/>
-              <a:t>29/12/2012</a:t>
+              <a:pPr/>
+              <a:t>30/12/2012</a:t>
             </a:fld>
             <a:endParaRPr lang="it-IT"/>
           </a:p>
@@ -2385,6 +2461,7 @@
           <a:p>
             <a:fld id="{F89AEA99-3E91-4C58-9AD4-045DB5619AC3}" type="slidenum">
               <a:rPr lang="it-IT" smtClean="0"/>
+              <a:pPr/>
               <a:t>‹N›</a:t>
             </a:fld>
             <a:endParaRPr lang="it-IT"/>
@@ -2611,7 +2688,8 @@
           <a:p>
             <a:fld id="{63CABBC0-75E4-43BB-A6A6-84C2A96BDB82}" type="datetimeFigureOut">
               <a:rPr lang="it-IT" smtClean="0"/>
-              <a:t>29/12/2012</a:t>
+              <a:pPr/>
+              <a:t>30/12/2012</a:t>
             </a:fld>
             <a:endParaRPr lang="it-IT"/>
           </a:p>
@@ -2653,6 +2731,7 @@
           <a:p>
             <a:fld id="{F89AEA99-3E91-4C58-9AD4-045DB5619AC3}" type="slidenum">
               <a:rPr lang="it-IT" smtClean="0"/>
+              <a:pPr/>
               <a:t>‹N›</a:t>
             </a:fld>
             <a:endParaRPr lang="it-IT"/>
@@ -2906,7 +2985,8 @@
           <a:p>
             <a:fld id="{63CABBC0-75E4-43BB-A6A6-84C2A96BDB82}" type="datetimeFigureOut">
               <a:rPr lang="it-IT" smtClean="0"/>
-              <a:t>29/12/2012</a:t>
+              <a:pPr/>
+              <a:t>30/12/2012</a:t>
             </a:fld>
             <a:endParaRPr lang="it-IT"/>
           </a:p>
@@ -2953,6 +3033,7 @@
           <a:p>
             <a:fld id="{F89AEA99-3E91-4C58-9AD4-045DB5619AC3}" type="slidenum">
               <a:rPr lang="it-IT" smtClean="0"/>
+              <a:pPr/>
               <a:t>‹N›</a:t>
             </a:fld>
             <a:endParaRPr lang="it-IT"/>
@@ -3684,7 +3765,8 @@
           <a:p>
             <a:fld id="{63CABBC0-75E4-43BB-A6A6-84C2A96BDB82}" type="datetimeFigureOut">
               <a:rPr lang="it-IT" smtClean="0"/>
-              <a:t>29/12/2012</a:t>
+              <a:pPr/>
+              <a:t>30/12/2012</a:t>
             </a:fld>
             <a:endParaRPr lang="it-IT"/>
           </a:p>
@@ -3762,6 +3844,7 @@
           <a:p>
             <a:fld id="{F89AEA99-3E91-4C58-9AD4-045DB5619AC3}" type="slidenum">
               <a:rPr lang="it-IT" smtClean="0"/>
+              <a:pPr/>
               <a:t>‹N›</a:t>
             </a:fld>
             <a:endParaRPr lang="it-IT"/>
@@ -4366,14 +4449,14 @@
           <p:nvPr>
             <p:extLst>
               <p:ext uri="{D42A27DB-BD31-4B8C-83A1-F6EECF244321}">
-                <p14:modId xmlns:p14="http://schemas.microsoft.com/office/powerpoint/2010/main" val="3478576524"/>
+                <p14:modId xmlns:p14="http://schemas.microsoft.com/office/powerpoint/2010/main" xmlns="" val="3478576524"/>
               </p:ext>
             </p:extLst>
           </p:nvPr>
         </p:nvGraphicFramePr>
         <p:xfrm>
-          <a:off x="29313" y="5042215"/>
-          <a:ext cx="2051720" cy="1981200"/>
+          <a:off x="179512" y="5517232"/>
+          <a:ext cx="2051720" cy="1188720"/>
         </p:xfrm>
         <a:graphic>
           <a:graphicData uri="http://schemas.openxmlformats.org/drawingml/2006/table">
@@ -4436,7 +4519,13 @@
                         <a:rPr lang="it-IT" sz="1400" dirty="0" smtClean="0">
                           <a:effectLst/>
                         </a:rPr>
-                        <a:t>..</a:t>
+                        <a:t>Luigi </a:t>
+                      </a:r>
+                      <a:r>
+                        <a:rPr lang="it-IT" sz="1400" dirty="0" err="1" smtClean="0">
+                          <a:effectLst/>
+                        </a:rPr>
+                        <a:t>Lomasto</a:t>
                       </a:r>
                       <a:endParaRPr lang="it-IT" sz="1400" dirty="0">
                         <a:effectLst/>
@@ -4461,57 +4550,7 @@
                         <a:rPr lang="it-IT" sz="1400" dirty="0" smtClean="0">
                           <a:effectLst/>
                         </a:rPr>
-                        <a:t>..</a:t>
-                      </a:r>
-                      <a:endParaRPr lang="it-IT" sz="1400" dirty="0">
-                        <a:effectLst/>
-                      </a:endParaRPr>
-                    </a:p>
-                  </a:txBody>
-                  <a:tcPr marL="38100" marR="38100" marT="38100" marB="38100"/>
-                </a:tc>
-              </a:tr>
-              <a:tr h="0">
-                <a:tc>
-                  <a:txBody>
-                    <a:bodyPr/>
-                    <a:lstStyle/>
-                    <a:p>
-                      <a:pPr algn="ctr" rtl="0">
-                        <a:lnSpc>
-                          <a:spcPct val="150000"/>
-                        </a:lnSpc>
-                      </a:pPr>
-                      <a:r>
-                        <a:rPr lang="it-IT" sz="1400" dirty="0" smtClean="0">
-                          <a:effectLst/>
-                        </a:rPr>
-                        <a:t>..</a:t>
-                      </a:r>
-                      <a:endParaRPr lang="it-IT" sz="1400" dirty="0">
-                        <a:effectLst/>
-                      </a:endParaRPr>
-                    </a:p>
-                  </a:txBody>
-                  <a:tcPr marL="38100" marR="38100" marT="38100" marB="38100"/>
-                </a:tc>
-              </a:tr>
-              <a:tr h="0">
-                <a:tc>
-                  <a:txBody>
-                    <a:bodyPr/>
-                    <a:lstStyle/>
-                    <a:p>
-                      <a:pPr algn="ctr" rtl="0">
-                        <a:lnSpc>
-                          <a:spcPct val="150000"/>
-                        </a:lnSpc>
-                      </a:pPr>
-                      <a:r>
-                        <a:rPr lang="it-IT" sz="1400" dirty="0" smtClean="0">
-                          <a:effectLst/>
-                        </a:rPr>
-                        <a:t>..</a:t>
+                        <a:t>&lt;matricola qui&gt;</a:t>
                       </a:r>
                       <a:endParaRPr lang="it-IT" sz="1400" dirty="0">
                         <a:effectLst/>
@@ -4534,13 +4573,13 @@
           <p:nvPr>
             <p:extLst>
               <p:ext uri="{D42A27DB-BD31-4B8C-83A1-F6EECF244321}">
-                <p14:modId xmlns:p14="http://schemas.microsoft.com/office/powerpoint/2010/main" val="3696521689"/>
+                <p14:modId xmlns:p14="http://schemas.microsoft.com/office/powerpoint/2010/main" xmlns="" val="3696521689"/>
               </p:ext>
             </p:extLst>
           </p:nvPr>
         </p:nvGraphicFramePr>
         <p:xfrm>
-          <a:off x="7092280" y="6060793"/>
+          <a:off x="6948264" y="5877272"/>
           <a:ext cx="2051720" cy="792480"/>
         </p:xfrm>
         <a:graphic>
@@ -4621,10 +4660,10 @@
           <p:nvPr/>
         </p:nvPicPr>
         <p:blipFill>
-          <a:blip r:embed="rId2">
+          <a:blip r:embed="rId2" cstate="print">
             <a:extLst>
               <a:ext uri="{28A0092B-C50C-407E-A947-70E740481C1C}">
-                <a14:useLocalDpi xmlns:a14="http://schemas.microsoft.com/office/drawing/2010/main" val="0"/>
+                <a14:useLocalDpi xmlns:a14="http://schemas.microsoft.com/office/drawing/2010/main" xmlns="" val="0"/>
               </a:ext>
             </a:extLst>
           </a:blip>
@@ -4644,7 +4683,7 @@
           <a:noFill/>
           <a:extLst>
             <a:ext uri="{909E8E84-426E-40DD-AFC4-6F175D3DCCD1}">
-              <a14:hiddenFill xmlns:a14="http://schemas.microsoft.com/office/drawing/2010/main">
+              <a14:hiddenFill xmlns:a14="http://schemas.microsoft.com/office/drawing/2010/main" xmlns="">
                 <a:solidFill>
                   <a:srgbClr val="FFFFFF"/>
                 </a:solidFill>
@@ -4656,7 +4695,7 @@
     </p:spTree>
     <p:extLst>
       <p:ext uri="{BB962C8B-B14F-4D97-AF65-F5344CB8AC3E}">
-        <p14:creationId xmlns:p14="http://schemas.microsoft.com/office/powerpoint/2010/main" val="4165334171"/>
+        <p14:creationId xmlns:p14="http://schemas.microsoft.com/office/powerpoint/2010/main" xmlns="" val="4165334171"/>
       </p:ext>
     </p:extLst>
   </p:cSld>
@@ -5090,10 +5129,10 @@
           <p:nvPr/>
         </p:nvPicPr>
         <p:blipFill>
-          <a:blip r:embed="rId2">
+          <a:blip r:embed="rId2" cstate="print">
             <a:extLst>
               <a:ext uri="{28A0092B-C50C-407E-A947-70E740481C1C}">
-                <a14:useLocalDpi xmlns:a14="http://schemas.microsoft.com/office/drawing/2010/main" val="0"/>
+                <a14:useLocalDpi xmlns:a14="http://schemas.microsoft.com/office/drawing/2010/main" xmlns="" val="0"/>
               </a:ext>
             </a:extLst>
           </a:blip>
@@ -5114,18 +5153,18 @@
     </p:spTree>
     <p:extLst>
       <p:ext uri="{BB962C8B-B14F-4D97-AF65-F5344CB8AC3E}">
-        <p14:creationId xmlns:p14="http://schemas.microsoft.com/office/powerpoint/2010/main" val="155874689"/>
+        <p14:creationId xmlns:p14="http://schemas.microsoft.com/office/powerpoint/2010/main" xmlns="" val="155874689"/>
       </p:ext>
     </p:extLst>
   </p:cSld>
   <p:clrMapOvr>
     <a:masterClrMapping/>
   </p:clrMapOvr>
-  <mc:AlternateContent xmlns:mc="http://schemas.openxmlformats.org/markup-compatibility/2006" xmlns:p14="http://schemas.microsoft.com/office/powerpoint/2010/main">
-    <mc:Choice Requires="p14">
+  <mc:AlternateContent xmlns:mc="http://schemas.openxmlformats.org/markup-compatibility/2006">
+    <mc:Choice xmlns:p14="http://schemas.microsoft.com/office/powerpoint/2010/main" xmlns="" Requires="p14">
       <p:transition spd="slow" p14:dur="2000"/>
     </mc:Choice>
-    <mc:Fallback xmlns="">
+    <mc:Fallback>
       <p:transition spd="slow"/>
     </mc:Fallback>
   </mc:AlternateContent>
@@ -5312,7 +5351,7 @@
     </p:spTree>
     <p:extLst>
       <p:ext uri="{BB962C8B-B14F-4D97-AF65-F5344CB8AC3E}">
-        <p14:creationId xmlns:p14="http://schemas.microsoft.com/office/powerpoint/2010/main" val="335055555"/>
+        <p14:creationId xmlns:p14="http://schemas.microsoft.com/office/powerpoint/2010/main" xmlns="" val="335055555"/>
       </p:ext>
     </p:extLst>
   </p:cSld>
@@ -5483,7 +5522,7 @@
     </p:spTree>
     <p:extLst>
       <p:ext uri="{BB962C8B-B14F-4D97-AF65-F5344CB8AC3E}">
-        <p14:creationId xmlns:p14="http://schemas.microsoft.com/office/powerpoint/2010/main" val="2479304105"/>
+        <p14:creationId xmlns:p14="http://schemas.microsoft.com/office/powerpoint/2010/main" xmlns="" val="2479304105"/>
       </p:ext>
     </p:extLst>
   </p:cSld>
@@ -5539,9 +5578,6 @@
               </a:rPr>
               <a:t>Ereditarietà </a:t>
             </a:r>
-            <a:endParaRPr lang="it-IT" sz="3200" b="1" dirty="0" smtClean="0">
-              <a:latin typeface="+mj-lt"/>
-            </a:endParaRPr>
           </a:p>
           <a:p>
             <a:pPr algn="ctr"/>
@@ -5612,7 +5648,7 @@
     </p:spTree>
     <p:extLst>
       <p:ext uri="{BB962C8B-B14F-4D97-AF65-F5344CB8AC3E}">
-        <p14:creationId xmlns:p14="http://schemas.microsoft.com/office/powerpoint/2010/main" val="1080303246"/>
+        <p14:creationId xmlns:p14="http://schemas.microsoft.com/office/powerpoint/2010/main" xmlns="" val="1080303246"/>
       </p:ext>
     </p:extLst>
   </p:cSld>
@@ -5648,10 +5684,10 @@
           <p:nvPr/>
         </p:nvPicPr>
         <p:blipFill>
-          <a:blip r:embed="rId2">
+          <a:blip r:embed="rId2" cstate="print">
             <a:extLst>
               <a:ext uri="{28A0092B-C50C-407E-A947-70E740481C1C}">
-                <a14:useLocalDpi xmlns:a14="http://schemas.microsoft.com/office/drawing/2010/main" val="0"/>
+                <a14:useLocalDpi xmlns:a14="http://schemas.microsoft.com/office/drawing/2010/main" xmlns="" val="0"/>
               </a:ext>
             </a:extLst>
           </a:blip>
@@ -5672,7 +5708,7 @@
     </p:spTree>
     <p:extLst>
       <p:ext uri="{BB962C8B-B14F-4D97-AF65-F5344CB8AC3E}">
-        <p14:creationId xmlns:p14="http://schemas.microsoft.com/office/powerpoint/2010/main" val="551819198"/>
+        <p14:creationId xmlns:p14="http://schemas.microsoft.com/office/powerpoint/2010/main" xmlns="" val="551819198"/>
       </p:ext>
     </p:extLst>
   </p:cSld>

--- a/trunk/Presentazione/Atsilo2/Luigi/Luigi_PresentazioneFinale.pptx
+++ b/trunk/Presentazione/Atsilo2/Luigi/Luigi_PresentazioneFinale.pptx
@@ -5,15 +5,18 @@
     <p:sldMasterId id="2147483684" r:id="rId1"/>
   </p:sldMasterIdLst>
   <p:notesMasterIdLst>
-    <p:notesMasterId r:id="rId8"/>
+    <p:notesMasterId r:id="rId11"/>
   </p:notesMasterIdLst>
   <p:sldIdLst>
     <p:sldId id="256" r:id="rId2"/>
     <p:sldId id="258" r:id="rId3"/>
     <p:sldId id="259" r:id="rId4"/>
     <p:sldId id="260" r:id="rId5"/>
-    <p:sldId id="261" r:id="rId6"/>
-    <p:sldId id="262" r:id="rId7"/>
+    <p:sldId id="263" r:id="rId6"/>
+    <p:sldId id="261" r:id="rId7"/>
+    <p:sldId id="262" r:id="rId8"/>
+    <p:sldId id="264" r:id="rId9"/>
+    <p:sldId id="265" r:id="rId10"/>
   </p:sldIdLst>
   <p:sldSz cx="9144000" cy="6858000" type="screen4x3"/>
   <p:notesSz cx="6858000" cy="9144000"/>
@@ -255,7 +258,7 @@
             <a:fld id="{38D78F4D-402C-46E0-A4BB-DF91EA86B14C}" type="datetimeFigureOut">
               <a:rPr lang="it-IT" smtClean="0"/>
               <a:pPr/>
-              <a:t>30/12/2012</a:t>
+              <a:t>02/01/2013</a:t>
             </a:fld>
             <a:endParaRPr lang="it-IT"/>
           </a:p>
@@ -424,7 +427,7 @@
     </p:spTree>
     <p:extLst>
       <p:ext uri="{BB962C8B-B14F-4D97-AF65-F5344CB8AC3E}">
-        <p14:creationId xmlns:p14="http://schemas.microsoft.com/office/powerpoint/2010/main" xmlns="" val="2126419590"/>
+        <p14:creationId xmlns:p14="http://schemas.microsoft.com/office/powerpoint/2010/main" val="2126419590"/>
       </p:ext>
     </p:extLst>
   </p:cSld>
@@ -690,7 +693,7 @@
             <a:fld id="{63CABBC0-75E4-43BB-A6A6-84C2A96BDB82}" type="datetimeFigureOut">
               <a:rPr lang="it-IT" smtClean="0"/>
               <a:pPr/>
-              <a:t>30/12/2012</a:t>
+              <a:t>02/01/2013</a:t>
             </a:fld>
             <a:endParaRPr lang="it-IT"/>
           </a:p>
@@ -872,7 +875,7 @@
             <a:fld id="{63CABBC0-75E4-43BB-A6A6-84C2A96BDB82}" type="datetimeFigureOut">
               <a:rPr lang="it-IT" smtClean="0"/>
               <a:pPr/>
-              <a:t>30/12/2012</a:t>
+              <a:t>02/01/2013</a:t>
             </a:fld>
             <a:endParaRPr lang="it-IT"/>
           </a:p>
@@ -1064,7 +1067,7 @@
             <a:fld id="{63CABBC0-75E4-43BB-A6A6-84C2A96BDB82}" type="datetimeFigureOut">
               <a:rPr lang="it-IT" smtClean="0"/>
               <a:pPr/>
-              <a:t>30/12/2012</a:t>
+              <a:t>02/01/2013</a:t>
             </a:fld>
             <a:endParaRPr lang="it-IT"/>
           </a:p>
@@ -1246,7 +1249,7 @@
             <a:fld id="{63CABBC0-75E4-43BB-A6A6-84C2A96BDB82}" type="datetimeFigureOut">
               <a:rPr lang="it-IT" smtClean="0"/>
               <a:pPr/>
-              <a:t>30/12/2012</a:t>
+              <a:t>02/01/2013</a:t>
             </a:fld>
             <a:endParaRPr lang="it-IT"/>
           </a:p>
@@ -1489,7 +1492,7 @@
             <a:fld id="{63CABBC0-75E4-43BB-A6A6-84C2A96BDB82}" type="datetimeFigureOut">
               <a:rPr lang="it-IT" smtClean="0"/>
               <a:pPr/>
-              <a:t>30/12/2012</a:t>
+              <a:t>02/01/2013</a:t>
             </a:fld>
             <a:endParaRPr lang="it-IT"/>
           </a:p>
@@ -1770,7 +1773,7 @@
             <a:fld id="{63CABBC0-75E4-43BB-A6A6-84C2A96BDB82}" type="datetimeFigureOut">
               <a:rPr lang="it-IT" smtClean="0"/>
               <a:pPr/>
-              <a:t>30/12/2012</a:t>
+              <a:t>02/01/2013</a:t>
             </a:fld>
             <a:endParaRPr lang="it-IT"/>
           </a:p>
@@ -2161,7 +2164,7 @@
             <a:fld id="{63CABBC0-75E4-43BB-A6A6-84C2A96BDB82}" type="datetimeFigureOut">
               <a:rPr lang="it-IT" smtClean="0"/>
               <a:pPr/>
-              <a:t>30/12/2012</a:t>
+              <a:t>02/01/2013</a:t>
             </a:fld>
             <a:endParaRPr lang="it-IT"/>
           </a:p>
@@ -2320,7 +2323,7 @@
             <a:fld id="{63CABBC0-75E4-43BB-A6A6-84C2A96BDB82}" type="datetimeFigureOut">
               <a:rPr lang="it-IT" smtClean="0"/>
               <a:pPr/>
-              <a:t>30/12/2012</a:t>
+              <a:t>02/01/2013</a:t>
             </a:fld>
             <a:endParaRPr lang="it-IT"/>
           </a:p>
@@ -2419,7 +2422,7 @@
             <a:fld id="{63CABBC0-75E4-43BB-A6A6-84C2A96BDB82}" type="datetimeFigureOut">
               <a:rPr lang="it-IT" smtClean="0"/>
               <a:pPr/>
-              <a:t>30/12/2012</a:t>
+              <a:t>02/01/2013</a:t>
             </a:fld>
             <a:endParaRPr lang="it-IT"/>
           </a:p>
@@ -2689,7 +2692,7 @@
             <a:fld id="{63CABBC0-75E4-43BB-A6A6-84C2A96BDB82}" type="datetimeFigureOut">
               <a:rPr lang="it-IT" smtClean="0"/>
               <a:pPr/>
-              <a:t>30/12/2012</a:t>
+              <a:t>02/01/2013</a:t>
             </a:fld>
             <a:endParaRPr lang="it-IT"/>
           </a:p>
@@ -2986,7 +2989,7 @@
             <a:fld id="{63CABBC0-75E4-43BB-A6A6-84C2A96BDB82}" type="datetimeFigureOut">
               <a:rPr lang="it-IT" smtClean="0"/>
               <a:pPr/>
-              <a:t>30/12/2012</a:t>
+              <a:t>02/01/2013</a:t>
             </a:fld>
             <a:endParaRPr lang="it-IT"/>
           </a:p>
@@ -3766,7 +3769,7 @@
             <a:fld id="{63CABBC0-75E4-43BB-A6A6-84C2A96BDB82}" type="datetimeFigureOut">
               <a:rPr lang="it-IT" smtClean="0"/>
               <a:pPr/>
-              <a:t>30/12/2012</a:t>
+              <a:t>02/01/2013</a:t>
             </a:fld>
             <a:endParaRPr lang="it-IT"/>
           </a:p>
@@ -4449,7 +4452,7 @@
           <p:nvPr>
             <p:extLst>
               <p:ext uri="{D42A27DB-BD31-4B8C-83A1-F6EECF244321}">
-                <p14:modId xmlns:p14="http://schemas.microsoft.com/office/powerpoint/2010/main" xmlns="" val="3478576524"/>
+                <p14:modId xmlns:p14="http://schemas.microsoft.com/office/powerpoint/2010/main" val="3478576524"/>
               </p:ext>
             </p:extLst>
           </p:nvPr>
@@ -4573,7 +4576,7 @@
           <p:nvPr>
             <p:extLst>
               <p:ext uri="{D42A27DB-BD31-4B8C-83A1-F6EECF244321}">
-                <p14:modId xmlns:p14="http://schemas.microsoft.com/office/powerpoint/2010/main" xmlns="" val="3696521689"/>
+                <p14:modId xmlns:p14="http://schemas.microsoft.com/office/powerpoint/2010/main" val="3696521689"/>
               </p:ext>
             </p:extLst>
           </p:nvPr>
@@ -4663,7 +4666,7 @@
           <a:blip r:embed="rId2" cstate="print">
             <a:extLst>
               <a:ext uri="{28A0092B-C50C-407E-A947-70E740481C1C}">
-                <a14:useLocalDpi xmlns:a14="http://schemas.microsoft.com/office/drawing/2010/main" xmlns="" val="0"/>
+                <a14:useLocalDpi xmlns:a14="http://schemas.microsoft.com/office/drawing/2010/main" val="0"/>
               </a:ext>
             </a:extLst>
           </a:blip>
@@ -4683,7 +4686,7 @@
           <a:noFill/>
           <a:extLst>
             <a:ext uri="{909E8E84-426E-40DD-AFC4-6F175D3DCCD1}">
-              <a14:hiddenFill xmlns:a14="http://schemas.microsoft.com/office/drawing/2010/main" xmlns="">
+              <a14:hiddenFill xmlns:a14="http://schemas.microsoft.com/office/drawing/2010/main">
                 <a:solidFill>
                   <a:srgbClr val="FFFFFF"/>
                 </a:solidFill>
@@ -4695,7 +4698,7 @@
     </p:spTree>
     <p:extLst>
       <p:ext uri="{BB962C8B-B14F-4D97-AF65-F5344CB8AC3E}">
-        <p14:creationId xmlns:p14="http://schemas.microsoft.com/office/powerpoint/2010/main" xmlns="" val="4165334171"/>
+        <p14:creationId xmlns:p14="http://schemas.microsoft.com/office/powerpoint/2010/main" val="4165334171"/>
       </p:ext>
     </p:extLst>
   </p:cSld>
@@ -5132,7 +5135,7 @@
           <a:blip r:embed="rId2" cstate="print">
             <a:extLst>
               <a:ext uri="{28A0092B-C50C-407E-A947-70E740481C1C}">
-                <a14:useLocalDpi xmlns:a14="http://schemas.microsoft.com/office/drawing/2010/main" xmlns="" val="0"/>
+                <a14:useLocalDpi xmlns:a14="http://schemas.microsoft.com/office/drawing/2010/main" val="0"/>
               </a:ext>
             </a:extLst>
           </a:blip>
@@ -5153,18 +5156,18 @@
     </p:spTree>
     <p:extLst>
       <p:ext uri="{BB962C8B-B14F-4D97-AF65-F5344CB8AC3E}">
-        <p14:creationId xmlns:p14="http://schemas.microsoft.com/office/powerpoint/2010/main" xmlns="" val="155874689"/>
+        <p14:creationId xmlns:p14="http://schemas.microsoft.com/office/powerpoint/2010/main" val="155874689"/>
       </p:ext>
     </p:extLst>
   </p:cSld>
   <p:clrMapOvr>
     <a:masterClrMapping/>
   </p:clrMapOvr>
-  <mc:AlternateContent xmlns:mc="http://schemas.openxmlformats.org/markup-compatibility/2006">
-    <mc:Choice xmlns:p14="http://schemas.microsoft.com/office/powerpoint/2010/main" xmlns="" Requires="p14">
+  <mc:AlternateContent xmlns:mc="http://schemas.openxmlformats.org/markup-compatibility/2006" xmlns:p14="http://schemas.microsoft.com/office/powerpoint/2010/main">
+    <mc:Choice Requires="p14">
       <p:transition spd="slow" p14:dur="2000"/>
     </mc:Choice>
-    <mc:Fallback>
+    <mc:Fallback xmlns="">
       <p:transition spd="slow"/>
     </mc:Fallback>
   </mc:AlternateContent>
@@ -5351,7 +5354,7 @@
     </p:spTree>
     <p:extLst>
       <p:ext uri="{BB962C8B-B14F-4D97-AF65-F5344CB8AC3E}">
-        <p14:creationId xmlns:p14="http://schemas.microsoft.com/office/powerpoint/2010/main" xmlns="" val="335055555"/>
+        <p14:creationId xmlns:p14="http://schemas.microsoft.com/office/powerpoint/2010/main" val="335055555"/>
       </p:ext>
     </p:extLst>
   </p:cSld>
@@ -5405,8 +5408,17 @@
               <a:rPr lang="it-IT" sz="3200" b="1" dirty="0" smtClean="0">
                 <a:latin typeface="+mj-lt"/>
               </a:rPr>
-              <a:t>Mappare associazioni in collezioni e riferimenti</a:t>
-            </a:r>
+              <a:t>Mappare associazioni in collezioni e </a:t>
+            </a:r>
+            <a:r>
+              <a:rPr lang="it-IT" sz="3200" b="1" dirty="0" smtClean="0">
+                <a:latin typeface="+mj-lt"/>
+              </a:rPr>
+              <a:t>riferimenti(1)</a:t>
+            </a:r>
+            <a:endParaRPr lang="it-IT" sz="3200" b="1" dirty="0" smtClean="0">
+              <a:latin typeface="+mj-lt"/>
+            </a:endParaRPr>
           </a:p>
           <a:p>
             <a:pPr algn="ctr"/>
@@ -5424,8 +5436,8 @@
         </p:nvSpPr>
         <p:spPr>
           <a:xfrm>
-            <a:off x="467544" y="1844824"/>
-            <a:ext cx="8208912" cy="6032421"/>
+            <a:off x="467544" y="1196752"/>
+            <a:ext cx="8208912" cy="1600438"/>
           </a:xfrm>
           <a:prstGeom prst="rect">
             <a:avLst/>
@@ -5438,91 +5450,96 @@
           </a:bodyPr>
           <a:lstStyle/>
           <a:p>
-            <a:r>
-              <a:rPr lang="it-IT" sz="2000" dirty="0" smtClean="0"/>
-              <a:t>Per poter mappare classi che hanno associazioni uno-a-uno unidirezionali abbiamo inserito il riferimento nella classe che fa uso delle funzionalità dell’altra classe.</a:t>
-            </a:r>
-          </a:p>
-          <a:p>
-            <a:r>
-              <a:rPr lang="it-IT" sz="2000" dirty="0" smtClean="0"/>
-              <a:t>(es. tra le classi </a:t>
-            </a:r>
-            <a:r>
-              <a:rPr lang="it-IT" sz="2000" dirty="0" err="1" smtClean="0"/>
+            <a:pPr marL="342900" indent="-342900">
+              <a:buFont typeface="Arial" pitchFamily="34" charset="0"/>
+              <a:buChar char="•"/>
+            </a:pPr>
+            <a:r>
+              <a:rPr lang="it-IT" sz="2200" dirty="0" smtClean="0"/>
+              <a:t>Per poter mappare classi che hanno associazioni uno-a-uno unidirezionali abbiamo inserito il riferimento nella classe che fa uso delle funzionalità dell’altra classe</a:t>
+            </a:r>
+            <a:r>
+              <a:rPr lang="it-IT" sz="2200" dirty="0" smtClean="0"/>
+              <a:t>. </a:t>
+            </a:r>
+            <a:r>
+              <a:rPr lang="it-IT" sz="1600" dirty="0" smtClean="0"/>
+              <a:t>(</a:t>
+            </a:r>
+            <a:r>
+              <a:rPr lang="it-IT" sz="1600" dirty="0"/>
+              <a:t>E</a:t>
+            </a:r>
+            <a:r>
+              <a:rPr lang="it-IT" sz="1600" dirty="0" smtClean="0"/>
+              <a:t>s</a:t>
+            </a:r>
+            <a:r>
+              <a:rPr lang="it-IT" sz="1600" dirty="0" smtClean="0"/>
+              <a:t>. tra le classi </a:t>
+            </a:r>
+            <a:r>
+              <a:rPr lang="it-IT" sz="1600" dirty="0" err="1" smtClean="0"/>
               <a:t>DomandaIscrizione</a:t>
             </a:r>
             <a:r>
-              <a:rPr lang="it-IT" sz="2000" dirty="0" smtClean="0"/>
+              <a:rPr lang="it-IT" sz="1600" dirty="0" smtClean="0"/>
               <a:t> e Servizio c’è una relazione uno-a-uno unidirezionale . E’ stato quindi inserito un riferimento nella classe </a:t>
             </a:r>
             <a:r>
-              <a:rPr lang="it-IT" sz="2000" dirty="0" err="1" smtClean="0"/>
+              <a:rPr lang="it-IT" sz="1600" dirty="0" err="1" smtClean="0"/>
               <a:t>DomandaIscrizione</a:t>
             </a:r>
             <a:r>
-              <a:rPr lang="it-IT" sz="2000" dirty="0"/>
+              <a:rPr lang="it-IT" sz="1600" dirty="0"/>
               <a:t> </a:t>
             </a:r>
             <a:r>
-              <a:rPr lang="it-IT" sz="2000" dirty="0" smtClean="0"/>
-              <a:t>relativa al Servizio  )</a:t>
-            </a:r>
-          </a:p>
-          <a:p>
-            <a:endParaRPr lang="it-IT" sz="2000" dirty="0"/>
-          </a:p>
-          <a:p>
-            <a:endParaRPr lang="it-IT" sz="2000" dirty="0" smtClean="0"/>
-          </a:p>
-          <a:p>
-            <a:r>
-              <a:rPr lang="it-IT" sz="2000" dirty="0" smtClean="0"/>
-              <a:t>Per poter mappare delle classi che hanno associazioni del tipo molti-a-molti abbiamo creato nuove classi che contengono i riferimenti delle classi coinvolte nella relazione.</a:t>
-            </a:r>
-          </a:p>
-          <a:p>
-            <a:r>
-              <a:rPr lang="it-IT" sz="2000" dirty="0" smtClean="0"/>
-              <a:t>(es. tra le classi </a:t>
-            </a:r>
-            <a:r>
-              <a:rPr lang="it-IT" sz="2000" dirty="0" err="1" smtClean="0"/>
-              <a:t>EducatoreDidattico</a:t>
-            </a:r>
-            <a:r>
-              <a:rPr lang="it-IT" sz="2000" dirty="0" smtClean="0"/>
-              <a:t> e Classe è stata creata una classe Insegna che contiene i riferimenti alle due classi precedenti)</a:t>
-            </a:r>
-            <a:endParaRPr lang="it-IT" sz="2000" dirty="0"/>
-          </a:p>
-          <a:p>
-            <a:endParaRPr lang="it-IT" dirty="0" smtClean="0"/>
-          </a:p>
-          <a:p>
-            <a:endParaRPr lang="it-IT" dirty="0"/>
-          </a:p>
-          <a:p>
-            <a:endParaRPr lang="it-IT" dirty="0" smtClean="0"/>
-          </a:p>
-          <a:p>
-            <a:endParaRPr lang="it-IT" dirty="0"/>
-          </a:p>
-          <a:p>
-            <a:endParaRPr lang="it-IT" dirty="0" smtClean="0"/>
-          </a:p>
-          <a:p>
-            <a:endParaRPr lang="it-IT" dirty="0"/>
-          </a:p>
-          <a:p>
-            <a:endParaRPr lang="it-IT" dirty="0"/>
-          </a:p>
-        </p:txBody>
-      </p:sp>
+              <a:rPr lang="it-IT" sz="1600" dirty="0" smtClean="0"/>
+              <a:t>relativa al Servizio </a:t>
+            </a:r>
+            <a:r>
+              <a:rPr lang="it-IT" sz="1600" dirty="0" smtClean="0"/>
+              <a:t>)</a:t>
+            </a:r>
+            <a:endParaRPr lang="it-IT" sz="1600" dirty="0" smtClean="0"/>
+          </a:p>
+        </p:txBody>
+      </p:sp>
+      <p:pic>
+        <p:nvPicPr>
+          <p:cNvPr id="3" name="Immagine 2"/>
+          <p:cNvPicPr>
+            <a:picLocks noChangeAspect="1"/>
+          </p:cNvPicPr>
+          <p:nvPr/>
+        </p:nvPicPr>
+        <p:blipFill>
+          <a:blip r:embed="rId2">
+            <a:extLst>
+              <a:ext uri="{28A0092B-C50C-407E-A947-70E740481C1C}">
+                <a14:useLocalDpi xmlns:a14="http://schemas.microsoft.com/office/drawing/2010/main" val="0"/>
+              </a:ext>
+            </a:extLst>
+          </a:blip>
+          <a:stretch>
+            <a:fillRect/>
+          </a:stretch>
+        </p:blipFill>
+        <p:spPr>
+          <a:xfrm>
+            <a:off x="683568" y="2766412"/>
+            <a:ext cx="7704856" cy="3686175"/>
+          </a:xfrm>
+          <a:prstGeom prst="rect">
+            <a:avLst/>
+          </a:prstGeom>
+        </p:spPr>
+      </p:pic>
     </p:spTree>
     <p:extLst>
       <p:ext uri="{BB962C8B-B14F-4D97-AF65-F5344CB8AC3E}">
-        <p14:creationId xmlns:p14="http://schemas.microsoft.com/office/powerpoint/2010/main" xmlns="" val="2479304105"/>
+        <p14:creationId xmlns:p14="http://schemas.microsoft.com/office/powerpoint/2010/main" val="2479304105"/>
       </p:ext>
     </p:extLst>
   </p:cSld>
@@ -5557,7 +5574,7 @@
         </p:nvSpPr>
         <p:spPr>
           <a:xfrm>
-            <a:off x="232560" y="476672"/>
+            <a:off x="219481" y="260648"/>
             <a:ext cx="8709292" cy="861774"/>
           </a:xfrm>
           <a:prstGeom prst="rect">
@@ -5576,8 +5593,17 @@
               <a:rPr lang="it-IT" sz="3200" b="1" dirty="0" smtClean="0">
                 <a:latin typeface="+mj-lt"/>
               </a:rPr>
-              <a:t>Ereditarietà </a:t>
-            </a:r>
+              <a:t>Mappare associazioni in collezioni e </a:t>
+            </a:r>
+            <a:r>
+              <a:rPr lang="it-IT" sz="3200" b="1" dirty="0" smtClean="0">
+                <a:latin typeface="+mj-lt"/>
+              </a:rPr>
+              <a:t>riferimenti(2)</a:t>
+            </a:r>
+            <a:endParaRPr lang="it-IT" sz="3200" b="1" dirty="0" smtClean="0">
+              <a:latin typeface="+mj-lt"/>
+            </a:endParaRPr>
           </a:p>
           <a:p>
             <a:pPr algn="ctr"/>
@@ -5595,8 +5621,8 @@
         </p:nvSpPr>
         <p:spPr>
           <a:xfrm>
-            <a:off x="323528" y="1196752"/>
-            <a:ext cx="8424936" cy="3046988"/>
+            <a:off x="611560" y="1122422"/>
+            <a:ext cx="7992888" cy="1661993"/>
           </a:xfrm>
           <a:prstGeom prst="rect">
             <a:avLst/>
@@ -5609,46 +5635,72 @@
           </a:bodyPr>
           <a:lstStyle/>
           <a:p>
-            <a:endParaRPr lang="it-IT" sz="2400" dirty="0" smtClean="0"/>
-          </a:p>
-          <a:p>
-            <a:endParaRPr lang="it-IT" sz="2400" dirty="0" smtClean="0"/>
-          </a:p>
-          <a:p>
-            <a:r>
-              <a:rPr lang="it-IT" sz="2400" dirty="0" smtClean="0"/>
-              <a:t>Per gestire l’ereditarietà abbiamo usato un </a:t>
-            </a:r>
-            <a:r>
-              <a:rPr lang="it-IT" sz="2400" dirty="0" err="1" smtClean="0"/>
-              <a:t>mapping</a:t>
-            </a:r>
-            <a:r>
-              <a:rPr lang="it-IT" sz="2400" dirty="0" smtClean="0"/>
-              <a:t> verticale. Abbiamo creato delle superclassi che posseggono attributi e metodi generici, ereditati da sottoclassi specifiche. </a:t>
-            </a:r>
-          </a:p>
-          <a:p>
-            <a:r>
-              <a:rPr lang="it-IT" sz="2400" dirty="0" smtClean="0"/>
-              <a:t>Un esempio concreto lo si vede con la classe utente(superclasse) la quale viene estesa da numerose classi. (genitore, </a:t>
-            </a:r>
-            <a:r>
-              <a:rPr lang="it-IT" sz="2400" dirty="0" err="1" smtClean="0"/>
-              <a:t>psicopedagogo</a:t>
-            </a:r>
-            <a:r>
-              <a:rPr lang="it-IT" sz="2400" dirty="0" smtClean="0"/>
-              <a:t>, tirocinante……).</a:t>
-            </a:r>
-            <a:endParaRPr lang="it-IT" sz="2400" dirty="0"/>
-          </a:p>
-        </p:txBody>
-      </p:sp>
+            <a:pPr marL="285750" indent="-285750">
+              <a:buFont typeface="Arial" pitchFamily="34" charset="0"/>
+              <a:buChar char="•"/>
+            </a:pPr>
+            <a:r>
+              <a:rPr lang="it-IT" sz="2200" dirty="0"/>
+              <a:t>Per poter mappare delle classi che hanno associazioni del tipo molti-a-molti abbiamo creato nuove classi che contengono i riferimenti delle classi coinvolte nella relazione</a:t>
+            </a:r>
+            <a:r>
+              <a:rPr lang="it-IT" sz="2200" dirty="0" smtClean="0"/>
+              <a:t>. </a:t>
+            </a:r>
+            <a:r>
+              <a:rPr lang="it-IT" sz="1600" dirty="0" smtClean="0"/>
+              <a:t>(Es</a:t>
+            </a:r>
+            <a:r>
+              <a:rPr lang="it-IT" sz="1600" dirty="0"/>
+              <a:t>. tra le classi </a:t>
+            </a:r>
+            <a:r>
+              <a:rPr lang="it-IT" sz="1600" dirty="0" err="1"/>
+              <a:t>EducatoreDidattico</a:t>
+            </a:r>
+            <a:r>
+              <a:rPr lang="it-IT" sz="1600" dirty="0"/>
+              <a:t> e Classe è stata creata una classe Insegna che contiene i riferimenti alle due classi precedenti)</a:t>
+            </a:r>
+            <a:endParaRPr lang="it-IT" sz="1600" dirty="0"/>
+          </a:p>
+        </p:txBody>
+      </p:sp>
+      <p:pic>
+        <p:nvPicPr>
+          <p:cNvPr id="4" name="Immagine 3"/>
+          <p:cNvPicPr>
+            <a:picLocks noChangeAspect="1"/>
+          </p:cNvPicPr>
+          <p:nvPr/>
+        </p:nvPicPr>
+        <p:blipFill>
+          <a:blip r:embed="rId2">
+            <a:extLst>
+              <a:ext uri="{28A0092B-C50C-407E-A947-70E740481C1C}">
+                <a14:useLocalDpi xmlns:a14="http://schemas.microsoft.com/office/drawing/2010/main" val="0"/>
+              </a:ext>
+            </a:extLst>
+          </a:blip>
+          <a:stretch>
+            <a:fillRect/>
+          </a:stretch>
+        </p:blipFill>
+        <p:spPr>
+          <a:xfrm>
+            <a:off x="395536" y="2784415"/>
+            <a:ext cx="8208911" cy="3812937"/>
+          </a:xfrm>
+          <a:prstGeom prst="rect">
+            <a:avLst/>
+          </a:prstGeom>
+        </p:spPr>
+      </p:pic>
     </p:spTree>
     <p:extLst>
       <p:ext uri="{BB962C8B-B14F-4D97-AF65-F5344CB8AC3E}">
-        <p14:creationId xmlns:p14="http://schemas.microsoft.com/office/powerpoint/2010/main" xmlns="" val="1080303246"/>
+        <p14:creationId xmlns:p14="http://schemas.microsoft.com/office/powerpoint/2010/main" val="505771863"/>
       </p:ext>
     </p:extLst>
   </p:cSld>
@@ -5659,6 +5711,166 @@
 </file>
 
 <file path=ppt/slides/slide6.xml><?xml version="1.0" encoding="utf-8"?>
+<p:sld xmlns:a="http://schemas.openxmlformats.org/drawingml/2006/main" xmlns:r="http://schemas.openxmlformats.org/officeDocument/2006/relationships" xmlns:p="http://schemas.openxmlformats.org/presentationml/2006/main">
+  <p:cSld>
+    <p:spTree>
+      <p:nvGrpSpPr>
+        <p:cNvPr id="1" name=""/>
+        <p:cNvGrpSpPr/>
+        <p:nvPr/>
+      </p:nvGrpSpPr>
+      <p:grpSpPr>
+        <a:xfrm>
+          <a:off x="0" y="0"/>
+          <a:ext cx="0" cy="0"/>
+          <a:chOff x="0" y="0"/>
+          <a:chExt cx="0" cy="0"/>
+        </a:xfrm>
+      </p:grpSpPr>
+      <p:sp>
+        <p:nvSpPr>
+          <p:cNvPr id="2" name="CasellaDiTesto 1"/>
+          <p:cNvSpPr txBox="1"/>
+          <p:nvPr/>
+        </p:nvSpPr>
+        <p:spPr>
+          <a:xfrm>
+            <a:off x="232560" y="476672"/>
+            <a:ext cx="8709292" cy="861774"/>
+          </a:xfrm>
+          <a:prstGeom prst="rect">
+            <a:avLst/>
+          </a:prstGeom>
+          <a:noFill/>
+        </p:spPr>
+        <p:txBody>
+          <a:bodyPr wrap="square" rtlCol="0">
+            <a:spAutoFit/>
+          </a:bodyPr>
+          <a:lstStyle/>
+          <a:p>
+            <a:pPr algn="ctr"/>
+            <a:r>
+              <a:rPr lang="it-IT" sz="3200" b="1" dirty="0" smtClean="0">
+                <a:latin typeface="+mj-lt"/>
+              </a:rPr>
+              <a:t>Ereditarietà </a:t>
+            </a:r>
+          </a:p>
+          <a:p>
+            <a:pPr algn="ctr"/>
+            <a:endParaRPr lang="it-IT" dirty="0">
+              <a:latin typeface="+mj-lt"/>
+            </a:endParaRPr>
+          </a:p>
+        </p:txBody>
+      </p:sp>
+      <p:sp>
+        <p:nvSpPr>
+          <p:cNvPr id="3" name="CasellaDiTesto 2"/>
+          <p:cNvSpPr txBox="1"/>
+          <p:nvPr/>
+        </p:nvSpPr>
+        <p:spPr>
+          <a:xfrm>
+            <a:off x="323528" y="1196752"/>
+            <a:ext cx="8424936" cy="4524315"/>
+          </a:xfrm>
+          <a:prstGeom prst="rect">
+            <a:avLst/>
+          </a:prstGeom>
+          <a:noFill/>
+        </p:spPr>
+        <p:txBody>
+          <a:bodyPr wrap="square" rtlCol="0">
+            <a:spAutoFit/>
+          </a:bodyPr>
+          <a:lstStyle/>
+          <a:p>
+            <a:endParaRPr lang="it-IT" sz="2400" dirty="0" smtClean="0"/>
+          </a:p>
+          <a:p>
+            <a:pPr marL="342900" indent="-342900">
+              <a:buFont typeface="Arial" pitchFamily="34" charset="0"/>
+              <a:buChar char="•"/>
+            </a:pPr>
+            <a:r>
+              <a:rPr lang="it-IT" sz="2400" dirty="0" smtClean="0"/>
+              <a:t>Per gestire l’ereditarietà abbiamo usato un </a:t>
+            </a:r>
+            <a:r>
+              <a:rPr lang="it-IT" sz="2400" dirty="0" err="1" smtClean="0"/>
+              <a:t>mapping</a:t>
+            </a:r>
+            <a:r>
+              <a:rPr lang="it-IT" sz="2400" dirty="0" smtClean="0"/>
+              <a:t> verticale. Abbiamo creato delle superclassi che posseggono attributi e metodi generici, ereditati da sottoclassi specifiche. </a:t>
+            </a:r>
+            <a:endParaRPr lang="it-IT" sz="2400" dirty="0" smtClean="0"/>
+          </a:p>
+          <a:p>
+            <a:endParaRPr lang="it-IT" sz="2400" dirty="0" smtClean="0"/>
+          </a:p>
+          <a:p>
+            <a:pPr marL="342900" indent="-342900">
+              <a:buFont typeface="Arial" pitchFamily="34" charset="0"/>
+              <a:buChar char="•"/>
+            </a:pPr>
+            <a:r>
+              <a:rPr lang="it-IT" sz="2400" dirty="0" smtClean="0"/>
+              <a:t>Un esempio concreto lo si vede con la classe utente(superclasse) la quale viene estesa da numerose classi. (genitore, </a:t>
+            </a:r>
+            <a:r>
+              <a:rPr lang="it-IT" sz="2400" dirty="0" err="1" smtClean="0"/>
+              <a:t>psicopedagogo</a:t>
+            </a:r>
+            <a:r>
+              <a:rPr lang="it-IT" sz="2400" dirty="0" smtClean="0"/>
+              <a:t>, tirocinante</a:t>
+            </a:r>
+            <a:r>
+              <a:rPr lang="it-IT" sz="2400" dirty="0" smtClean="0"/>
+              <a:t>……).</a:t>
+            </a:r>
+          </a:p>
+          <a:p>
+            <a:endParaRPr lang="it-IT" sz="2400" dirty="0"/>
+          </a:p>
+          <a:p>
+            <a:pPr marL="342900" indent="-342900">
+              <a:buFont typeface="Arial" pitchFamily="34" charset="0"/>
+              <a:buChar char="•"/>
+            </a:pPr>
+            <a:r>
+              <a:rPr lang="it-IT" sz="2400" dirty="0" smtClean="0"/>
+              <a:t>E’ stato scelto il </a:t>
+            </a:r>
+            <a:r>
+              <a:rPr lang="it-IT" sz="2400" dirty="0" err="1" smtClean="0"/>
+              <a:t>mapping</a:t>
+            </a:r>
+            <a:r>
+              <a:rPr lang="it-IT" sz="2400" dirty="0" smtClean="0"/>
+              <a:t> verticale perché abbiamo lavorato con le classi specifiche servendoci appunto di attributi e metodi specifici.</a:t>
+            </a:r>
+            <a:endParaRPr lang="it-IT" sz="2400" dirty="0"/>
+          </a:p>
+        </p:txBody>
+      </p:sp>
+    </p:spTree>
+    <p:extLst>
+      <p:ext uri="{BB962C8B-B14F-4D97-AF65-F5344CB8AC3E}">
+        <p14:creationId xmlns:p14="http://schemas.microsoft.com/office/powerpoint/2010/main" val="1080303246"/>
+      </p:ext>
+    </p:extLst>
+  </p:cSld>
+  <p:clrMapOvr>
+    <a:masterClrMapping/>
+  </p:clrMapOvr>
+</p:sld>
+</file>
+
+<file path=ppt/slides/slide7.xml><?xml version="1.0" encoding="utf-8"?>
 <p:sld xmlns:a="http://schemas.openxmlformats.org/drawingml/2006/main" xmlns:r="http://schemas.openxmlformats.org/officeDocument/2006/relationships" xmlns:p="http://schemas.openxmlformats.org/presentationml/2006/main">
   <p:cSld>
     <p:spTree>
@@ -5687,7 +5899,7 @@
           <a:blip r:embed="rId2" cstate="print">
             <a:extLst>
               <a:ext uri="{28A0092B-C50C-407E-A947-70E740481C1C}">
-                <a14:useLocalDpi xmlns:a14="http://schemas.microsoft.com/office/drawing/2010/main" xmlns="" val="0"/>
+                <a14:useLocalDpi xmlns:a14="http://schemas.microsoft.com/office/drawing/2010/main" val="0"/>
               </a:ext>
             </a:extLst>
           </a:blip>
@@ -5708,7 +5920,294 @@
     </p:spTree>
     <p:extLst>
       <p:ext uri="{BB962C8B-B14F-4D97-AF65-F5344CB8AC3E}">
-        <p14:creationId xmlns:p14="http://schemas.microsoft.com/office/powerpoint/2010/main" xmlns="" val="551819198"/>
+        <p14:creationId xmlns:p14="http://schemas.microsoft.com/office/powerpoint/2010/main" val="551819198"/>
+      </p:ext>
+    </p:extLst>
+  </p:cSld>
+  <p:clrMapOvr>
+    <a:masterClrMapping/>
+  </p:clrMapOvr>
+</p:sld>
+</file>
+
+<file path=ppt/slides/slide8.xml><?xml version="1.0" encoding="utf-8"?>
+<p:sld xmlns:a="http://schemas.openxmlformats.org/drawingml/2006/main" xmlns:r="http://schemas.openxmlformats.org/officeDocument/2006/relationships" xmlns:p="http://schemas.openxmlformats.org/presentationml/2006/main">
+  <p:cSld>
+    <p:spTree>
+      <p:nvGrpSpPr>
+        <p:cNvPr id="1" name=""/>
+        <p:cNvGrpSpPr/>
+        <p:nvPr/>
+      </p:nvGrpSpPr>
+      <p:grpSpPr>
+        <a:xfrm>
+          <a:off x="0" y="0"/>
+          <a:ext cx="0" cy="0"/>
+          <a:chOff x="0" y="0"/>
+          <a:chExt cx="0" cy="0"/>
+        </a:xfrm>
+      </p:grpSpPr>
+      <p:sp>
+        <p:nvSpPr>
+          <p:cNvPr id="2" name="CasellaDiTesto 1"/>
+          <p:cNvSpPr txBox="1"/>
+          <p:nvPr/>
+        </p:nvSpPr>
+        <p:spPr>
+          <a:xfrm>
+            <a:off x="232560" y="476672"/>
+            <a:ext cx="8709292" cy="861774"/>
+          </a:xfrm>
+          <a:prstGeom prst="rect">
+            <a:avLst/>
+          </a:prstGeom>
+          <a:noFill/>
+        </p:spPr>
+        <p:txBody>
+          <a:bodyPr wrap="square" rtlCol="0">
+            <a:spAutoFit/>
+          </a:bodyPr>
+          <a:lstStyle/>
+          <a:p>
+            <a:pPr algn="ctr"/>
+            <a:r>
+              <a:rPr lang="it-IT" sz="3200" b="1" dirty="0" smtClean="0">
+                <a:latin typeface="+mj-lt"/>
+              </a:rPr>
+              <a:t>Contratti</a:t>
+            </a:r>
+            <a:r>
+              <a:rPr lang="it-IT" sz="3200" b="1" dirty="0" smtClean="0">
+                <a:latin typeface="+mj-lt"/>
+              </a:rPr>
+              <a:t> </a:t>
+            </a:r>
+            <a:endParaRPr lang="it-IT" sz="3200" b="1" dirty="0" smtClean="0">
+              <a:latin typeface="+mj-lt"/>
+            </a:endParaRPr>
+          </a:p>
+          <a:p>
+            <a:pPr algn="ctr"/>
+            <a:endParaRPr lang="it-IT" dirty="0">
+              <a:latin typeface="+mj-lt"/>
+            </a:endParaRPr>
+          </a:p>
+        </p:txBody>
+      </p:sp>
+    </p:spTree>
+    <p:extLst>
+      <p:ext uri="{BB962C8B-B14F-4D97-AF65-F5344CB8AC3E}">
+        <p14:creationId xmlns:p14="http://schemas.microsoft.com/office/powerpoint/2010/main" val="950909589"/>
+      </p:ext>
+    </p:extLst>
+  </p:cSld>
+  <p:clrMapOvr>
+    <a:masterClrMapping/>
+  </p:clrMapOvr>
+</p:sld>
+</file>
+
+<file path=ppt/slides/slide9.xml><?xml version="1.0" encoding="utf-8"?>
+<p:sld xmlns:a="http://schemas.openxmlformats.org/drawingml/2006/main" xmlns:r="http://schemas.openxmlformats.org/officeDocument/2006/relationships" xmlns:p="http://schemas.openxmlformats.org/presentationml/2006/main">
+  <p:cSld>
+    <p:spTree>
+      <p:nvGrpSpPr>
+        <p:cNvPr id="1" name=""/>
+        <p:cNvGrpSpPr/>
+        <p:nvPr/>
+      </p:nvGrpSpPr>
+      <p:grpSpPr>
+        <a:xfrm>
+          <a:off x="0" y="0"/>
+          <a:ext cx="0" cy="0"/>
+          <a:chOff x="0" y="0"/>
+          <a:chExt cx="0" cy="0"/>
+        </a:xfrm>
+      </p:grpSpPr>
+      <p:sp>
+        <p:nvSpPr>
+          <p:cNvPr id="2" name="CasellaDiTesto 1"/>
+          <p:cNvSpPr txBox="1"/>
+          <p:nvPr/>
+        </p:nvSpPr>
+        <p:spPr>
+          <a:xfrm>
+            <a:off x="232560" y="476672"/>
+            <a:ext cx="8709292" cy="861774"/>
+          </a:xfrm>
+          <a:prstGeom prst="rect">
+            <a:avLst/>
+          </a:prstGeom>
+          <a:noFill/>
+        </p:spPr>
+        <p:txBody>
+          <a:bodyPr wrap="square" rtlCol="0">
+            <a:spAutoFit/>
+          </a:bodyPr>
+          <a:lstStyle/>
+          <a:p>
+            <a:pPr algn="ctr"/>
+            <a:r>
+              <a:rPr lang="it-IT" sz="3200" b="1" dirty="0" smtClean="0">
+                <a:latin typeface="+mj-lt"/>
+              </a:rPr>
+              <a:t>Problematiche</a:t>
+            </a:r>
+            <a:r>
+              <a:rPr lang="it-IT" sz="3200" b="1" dirty="0" smtClean="0">
+                <a:latin typeface="+mj-lt"/>
+              </a:rPr>
+              <a:t> </a:t>
+            </a:r>
+            <a:endParaRPr lang="it-IT" sz="3200" b="1" dirty="0" smtClean="0">
+              <a:latin typeface="+mj-lt"/>
+            </a:endParaRPr>
+          </a:p>
+          <a:p>
+            <a:pPr algn="ctr"/>
+            <a:endParaRPr lang="it-IT" dirty="0">
+              <a:latin typeface="+mj-lt"/>
+            </a:endParaRPr>
+          </a:p>
+        </p:txBody>
+      </p:sp>
+      <p:sp>
+        <p:nvSpPr>
+          <p:cNvPr id="3" name="CasellaDiTesto 2"/>
+          <p:cNvSpPr txBox="1"/>
+          <p:nvPr/>
+        </p:nvSpPr>
+        <p:spPr>
+          <a:xfrm>
+            <a:off x="611560" y="1338446"/>
+            <a:ext cx="7632848" cy="3139321"/>
+          </a:xfrm>
+          <a:prstGeom prst="rect">
+            <a:avLst/>
+          </a:prstGeom>
+          <a:noFill/>
+        </p:spPr>
+        <p:txBody>
+          <a:bodyPr wrap="square" rtlCol="0">
+            <a:spAutoFit/>
+          </a:bodyPr>
+          <a:lstStyle/>
+          <a:p>
+            <a:r>
+              <a:rPr lang="it-IT" dirty="0" smtClean="0"/>
+              <a:t>L’implementazione è stata la fase di progettazione che ha ritardato la consegna del prodotto finale. Avendo creato un database iniziale, tutta l’implementazione è stata soggetta alle modifiche apportate alla base di dati. </a:t>
+            </a:r>
+          </a:p>
+          <a:p>
+            <a:r>
+              <a:rPr lang="it-IT" dirty="0"/>
+              <a:t>Durante questa fase sono state trovate delle sbavature commesse in fase di </a:t>
+            </a:r>
+            <a:r>
+              <a:rPr lang="it-IT" dirty="0" err="1" smtClean="0"/>
+              <a:t>mapping</a:t>
+            </a:r>
+            <a:r>
+              <a:rPr lang="it-IT" dirty="0"/>
+              <a:t> </a:t>
+            </a:r>
+            <a:r>
+              <a:rPr lang="it-IT" dirty="0" smtClean="0"/>
+              <a:t>che ci hanno portato a produrre una base di dati incompleta e in alcuni punti sbagliata.</a:t>
+            </a:r>
+          </a:p>
+          <a:p>
+            <a:endParaRPr lang="it-IT" dirty="0"/>
+          </a:p>
+          <a:p>
+            <a:pPr marL="285750" indent="-285750">
+              <a:buFont typeface="Arial" pitchFamily="34" charset="0"/>
+              <a:buChar char="•"/>
+            </a:pPr>
+            <a:r>
+              <a:rPr lang="it-IT" dirty="0" smtClean="0"/>
+              <a:t>Classe «Genitore» (Campi mancanti)</a:t>
+            </a:r>
+          </a:p>
+          <a:p>
+            <a:pPr marL="285750" indent="-285750">
+              <a:buFont typeface="Arial" pitchFamily="34" charset="0"/>
+              <a:buChar char="•"/>
+            </a:pPr>
+            <a:r>
+              <a:rPr lang="it-IT" dirty="0" smtClean="0"/>
+              <a:t>Modifiche dei tipi primitivi (numero civico da </a:t>
+            </a:r>
+            <a:r>
+              <a:rPr lang="it-IT" dirty="0" err="1" smtClean="0"/>
+              <a:t>int</a:t>
+            </a:r>
+            <a:r>
+              <a:rPr lang="it-IT" dirty="0" smtClean="0"/>
+              <a:t> a </a:t>
+            </a:r>
+            <a:r>
+              <a:rPr lang="it-IT" dirty="0" err="1" smtClean="0"/>
+              <a:t>String</a:t>
+            </a:r>
+            <a:r>
+              <a:rPr lang="it-IT" dirty="0" smtClean="0"/>
+              <a:t>)</a:t>
+            </a:r>
+          </a:p>
+          <a:p>
+            <a:pPr marL="285750" indent="-285750">
+              <a:buFont typeface="Arial" pitchFamily="34" charset="0"/>
+              <a:buChar char="•"/>
+            </a:pPr>
+            <a:r>
+              <a:rPr lang="it-IT" dirty="0" smtClean="0"/>
+              <a:t>Errori nel denominare campi e variabili</a:t>
+            </a:r>
+          </a:p>
+          <a:p>
+            <a:pPr marL="285750" indent="-285750">
+              <a:buFont typeface="Arial" pitchFamily="34" charset="0"/>
+              <a:buChar char="•"/>
+            </a:pPr>
+            <a:endParaRPr lang="it-IT" dirty="0"/>
+          </a:p>
+        </p:txBody>
+      </p:sp>
+      <p:pic>
+        <p:nvPicPr>
+          <p:cNvPr id="5" name="Immagine 4"/>
+          <p:cNvPicPr>
+            <a:picLocks noChangeAspect="1"/>
+          </p:cNvPicPr>
+          <p:nvPr/>
+        </p:nvPicPr>
+        <p:blipFill>
+          <a:blip r:embed="rId2">
+            <a:extLst>
+              <a:ext uri="{28A0092B-C50C-407E-A947-70E740481C1C}">
+                <a14:useLocalDpi xmlns:a14="http://schemas.microsoft.com/office/drawing/2010/main" val="0"/>
+              </a:ext>
+            </a:extLst>
+          </a:blip>
+          <a:stretch>
+            <a:fillRect/>
+          </a:stretch>
+        </p:blipFill>
+        <p:spPr>
+          <a:xfrm>
+            <a:off x="2072683" y="4489274"/>
+            <a:ext cx="4710602" cy="1760612"/>
+          </a:xfrm>
+          <a:prstGeom prst="rect">
+            <a:avLst/>
+          </a:prstGeom>
+        </p:spPr>
+      </p:pic>
+    </p:spTree>
+    <p:extLst>
+      <p:ext uri="{BB962C8B-B14F-4D97-AF65-F5344CB8AC3E}">
+        <p14:creationId xmlns:p14="http://schemas.microsoft.com/office/powerpoint/2010/main" val="3259527293"/>
       </p:ext>
     </p:extLst>
   </p:cSld>

--- a/trunk/Presentazione/Atsilo2/Luigi/Luigi_PresentazioneFinale.pptx
+++ b/trunk/Presentazione/Atsilo2/Luigi/Luigi_PresentazioneFinale.pptx
@@ -12,10 +12,10 @@
     <p:sldId id="258" r:id="rId3"/>
     <p:sldId id="259" r:id="rId4"/>
     <p:sldId id="260" r:id="rId5"/>
-    <p:sldId id="263" r:id="rId6"/>
-    <p:sldId id="261" r:id="rId7"/>
-    <p:sldId id="262" r:id="rId8"/>
-    <p:sldId id="264" r:id="rId9"/>
+    <p:sldId id="266" r:id="rId6"/>
+    <p:sldId id="263" r:id="rId7"/>
+    <p:sldId id="261" r:id="rId8"/>
+    <p:sldId id="268" r:id="rId9"/>
     <p:sldId id="265" r:id="rId10"/>
   </p:sldIdLst>
   <p:sldSz cx="9144000" cy="6858000" type="screen4x3"/>
@@ -120,7 +120,7 @@
 
 <file path=ppt/commentAuthors.xml><?xml version="1.0" encoding="utf-8"?>
 <p:cmAuthorLst xmlns:a="http://schemas.openxmlformats.org/drawingml/2006/main" xmlns:r="http://schemas.openxmlformats.org/officeDocument/2006/relationships" xmlns:p="http://schemas.openxmlformats.org/presentationml/2006/main">
-  <p:cmAuthor id="0" name="Giulio" initials="GF" lastIdx="6" clrIdx="0"/>
+  <p:cmAuthor id="0" name="Giulio" initials="GF" lastIdx="7" clrIdx="0"/>
 </p:cmAuthorLst>
 </file>
 
@@ -149,7 +149,7 @@
 <file path=ppt/comments/comment3.xml><?xml version="1.0" encoding="utf-8"?>
 <p:cmLst xmlns:a="http://schemas.openxmlformats.org/drawingml/2006/main" xmlns:r="http://schemas.openxmlformats.org/officeDocument/2006/relationships" xmlns:p="http://schemas.openxmlformats.org/presentationml/2006/main">
   <p:cm authorId="0" dt="2012-12-30T14:55:09.304" idx="4">
-    <p:pos x="10" y="10"/>
+    <p:pos x="1" y="10"/>
     <p:text>Cerca di essere più schematico. Se vuoi dire qualcosa, ma non lo vuoi mettere sulla slide, lo puoi scrivere sotto, nell'area delle note, che compaiono solo a te in fase di presentazione.
 Devi trattare anche le associazioni 1-n
 Per tutti i tipi di mapping, fai anche qualche esempio, con ER astratto, ER di basso livello, e UML dell'implementazione.</p:text>
@@ -168,7 +168,7 @@
 
 <file path=ppt/comments/comment5.xml><?xml version="1.0" encoding="utf-8"?>
 <p:cmLst xmlns:a="http://schemas.openxmlformats.org/drawingml/2006/main" xmlns:r="http://schemas.openxmlformats.org/officeDocument/2006/relationships" xmlns:p="http://schemas.openxmlformats.org/presentationml/2006/main">
-  <p:cm authorId="0" dt="2012-12-30T15:07:25.502" idx="6">
+  <p:cm authorId="0" dt="2012-12-30T15:07:25.502" idx="7">
     <p:pos x="10" y="10"/>
     <p:text>Ti conviene mettere meno classi, ma più zoomate. Eventualmente, se i primi di Gennaio venite all'università, potrei portare il proiettore, così iniziamo a provare se è leggibile.</p:text>
   </p:cm>
@@ -258,7 +258,7 @@
             <a:fld id="{38D78F4D-402C-46E0-A4BB-DF91EA86B14C}" type="datetimeFigureOut">
               <a:rPr lang="it-IT" smtClean="0"/>
               <a:pPr/>
-              <a:t>02/01/2013</a:t>
+              <a:t>04/01/2013</a:t>
             </a:fld>
             <a:endParaRPr lang="it-IT"/>
           </a:p>
@@ -527,6 +527,91 @@
 </p:notesMaster>
 </file>
 
+<file path=ppt/notesSlides/notesSlide1.xml><?xml version="1.0" encoding="utf-8"?>
+<p:notes xmlns:a="http://schemas.openxmlformats.org/drawingml/2006/main" xmlns:r="http://schemas.openxmlformats.org/officeDocument/2006/relationships" xmlns:p="http://schemas.openxmlformats.org/presentationml/2006/main">
+  <p:cSld>
+    <p:spTree>
+      <p:nvGrpSpPr>
+        <p:cNvPr id="1" name=""/>
+        <p:cNvGrpSpPr/>
+        <p:nvPr/>
+      </p:nvGrpSpPr>
+      <p:grpSpPr>
+        <a:xfrm>
+          <a:off x="0" y="0"/>
+          <a:ext cx="0" cy="0"/>
+          <a:chOff x="0" y="0"/>
+          <a:chExt cx="0" cy="0"/>
+        </a:xfrm>
+      </p:grpSpPr>
+      <p:sp>
+        <p:nvSpPr>
+          <p:cNvPr id="2" name="Segnaposto immagine diapositiva 1"/>
+          <p:cNvSpPr>
+            <a:spLocks noGrp="1" noRot="1" noChangeAspect="1"/>
+          </p:cNvSpPr>
+          <p:nvPr>
+            <p:ph type="sldImg"/>
+          </p:nvPr>
+        </p:nvSpPr>
+        <p:spPr/>
+      </p:sp>
+      <p:sp>
+        <p:nvSpPr>
+          <p:cNvPr id="3" name="Segnaposto note 2"/>
+          <p:cNvSpPr>
+            <a:spLocks noGrp="1"/>
+          </p:cNvSpPr>
+          <p:nvPr>
+            <p:ph type="body" idx="1"/>
+          </p:nvPr>
+        </p:nvSpPr>
+        <p:spPr/>
+        <p:txBody>
+          <a:bodyPr/>
+          <a:lstStyle/>
+          <a:p>
+            <a:endParaRPr lang="it-IT" dirty="0"/>
+          </a:p>
+        </p:txBody>
+      </p:sp>
+      <p:sp>
+        <p:nvSpPr>
+          <p:cNvPr id="4" name="Segnaposto numero diapositiva 3"/>
+          <p:cNvSpPr>
+            <a:spLocks noGrp="1"/>
+          </p:cNvSpPr>
+          <p:nvPr>
+            <p:ph type="sldNum" sz="quarter" idx="10"/>
+          </p:nvPr>
+        </p:nvSpPr>
+        <p:spPr/>
+        <p:txBody>
+          <a:bodyPr/>
+          <a:lstStyle/>
+          <a:p>
+            <a:fld id="{D70604CA-7593-4640-8FA1-5523937B8510}" type="slidenum">
+              <a:rPr lang="it-IT" smtClean="0"/>
+              <a:pPr/>
+              <a:t>8</a:t>
+            </a:fld>
+            <a:endParaRPr lang="it-IT"/>
+          </a:p>
+        </p:txBody>
+      </p:sp>
+    </p:spTree>
+    <p:extLst>
+      <p:ext uri="{BB962C8B-B14F-4D97-AF65-F5344CB8AC3E}">
+        <p14:creationId xmlns:p14="http://schemas.microsoft.com/office/powerpoint/2010/main" val="1015010449"/>
+      </p:ext>
+    </p:extLst>
+  </p:cSld>
+  <p:clrMapOvr>
+    <a:masterClrMapping/>
+  </p:clrMapOvr>
+</p:notes>
+</file>
+
 <file path=ppt/slideLayouts/slideLayout1.xml><?xml version="1.0" encoding="utf-8"?>
 <p:sldLayout xmlns:a="http://schemas.openxmlformats.org/drawingml/2006/main" xmlns:r="http://schemas.openxmlformats.org/officeDocument/2006/relationships" xmlns:p="http://schemas.openxmlformats.org/presentationml/2006/main" type="title" preserve="1">
   <p:cSld name="Diapositiva titolo">
@@ -693,7 +778,7 @@
             <a:fld id="{63CABBC0-75E4-43BB-A6A6-84C2A96BDB82}" type="datetimeFigureOut">
               <a:rPr lang="it-IT" smtClean="0"/>
               <a:pPr/>
-              <a:t>02/01/2013</a:t>
+              <a:t>04/01/2013</a:t>
             </a:fld>
             <a:endParaRPr lang="it-IT"/>
           </a:p>
@@ -875,7 +960,7 @@
             <a:fld id="{63CABBC0-75E4-43BB-A6A6-84C2A96BDB82}" type="datetimeFigureOut">
               <a:rPr lang="it-IT" smtClean="0"/>
               <a:pPr/>
-              <a:t>02/01/2013</a:t>
+              <a:t>04/01/2013</a:t>
             </a:fld>
             <a:endParaRPr lang="it-IT"/>
           </a:p>
@@ -1067,7 +1152,7 @@
             <a:fld id="{63CABBC0-75E4-43BB-A6A6-84C2A96BDB82}" type="datetimeFigureOut">
               <a:rPr lang="it-IT" smtClean="0"/>
               <a:pPr/>
-              <a:t>02/01/2013</a:t>
+              <a:t>04/01/2013</a:t>
             </a:fld>
             <a:endParaRPr lang="it-IT"/>
           </a:p>
@@ -1249,7 +1334,7 @@
             <a:fld id="{63CABBC0-75E4-43BB-A6A6-84C2A96BDB82}" type="datetimeFigureOut">
               <a:rPr lang="it-IT" smtClean="0"/>
               <a:pPr/>
-              <a:t>02/01/2013</a:t>
+              <a:t>04/01/2013</a:t>
             </a:fld>
             <a:endParaRPr lang="it-IT"/>
           </a:p>
@@ -1492,7 +1577,7 @@
             <a:fld id="{63CABBC0-75E4-43BB-A6A6-84C2A96BDB82}" type="datetimeFigureOut">
               <a:rPr lang="it-IT" smtClean="0"/>
               <a:pPr/>
-              <a:t>02/01/2013</a:t>
+              <a:t>04/01/2013</a:t>
             </a:fld>
             <a:endParaRPr lang="it-IT"/>
           </a:p>
@@ -1773,7 +1858,7 @@
             <a:fld id="{63CABBC0-75E4-43BB-A6A6-84C2A96BDB82}" type="datetimeFigureOut">
               <a:rPr lang="it-IT" smtClean="0"/>
               <a:pPr/>
-              <a:t>02/01/2013</a:t>
+              <a:t>04/01/2013</a:t>
             </a:fld>
             <a:endParaRPr lang="it-IT"/>
           </a:p>
@@ -2164,7 +2249,7 @@
             <a:fld id="{63CABBC0-75E4-43BB-A6A6-84C2A96BDB82}" type="datetimeFigureOut">
               <a:rPr lang="it-IT" smtClean="0"/>
               <a:pPr/>
-              <a:t>02/01/2013</a:t>
+              <a:t>04/01/2013</a:t>
             </a:fld>
             <a:endParaRPr lang="it-IT"/>
           </a:p>
@@ -2323,7 +2408,7 @@
             <a:fld id="{63CABBC0-75E4-43BB-A6A6-84C2A96BDB82}" type="datetimeFigureOut">
               <a:rPr lang="it-IT" smtClean="0"/>
               <a:pPr/>
-              <a:t>02/01/2013</a:t>
+              <a:t>04/01/2013</a:t>
             </a:fld>
             <a:endParaRPr lang="it-IT"/>
           </a:p>
@@ -2422,7 +2507,7 @@
             <a:fld id="{63CABBC0-75E4-43BB-A6A6-84C2A96BDB82}" type="datetimeFigureOut">
               <a:rPr lang="it-IT" smtClean="0"/>
               <a:pPr/>
-              <a:t>02/01/2013</a:t>
+              <a:t>04/01/2013</a:t>
             </a:fld>
             <a:endParaRPr lang="it-IT"/>
           </a:p>
@@ -2692,7 +2777,7 @@
             <a:fld id="{63CABBC0-75E4-43BB-A6A6-84C2A96BDB82}" type="datetimeFigureOut">
               <a:rPr lang="it-IT" smtClean="0"/>
               <a:pPr/>
-              <a:t>02/01/2013</a:t>
+              <a:t>04/01/2013</a:t>
             </a:fld>
             <a:endParaRPr lang="it-IT"/>
           </a:p>
@@ -2989,7 +3074,7 @@
             <a:fld id="{63CABBC0-75E4-43BB-A6A6-84C2A96BDB82}" type="datetimeFigureOut">
               <a:rPr lang="it-IT" smtClean="0"/>
               <a:pPr/>
-              <a:t>02/01/2013</a:t>
+              <a:t>04/01/2013</a:t>
             </a:fld>
             <a:endParaRPr lang="it-IT"/>
           </a:p>
@@ -3769,7 +3854,7 @@
             <a:fld id="{63CABBC0-75E4-43BB-A6A6-84C2A96BDB82}" type="datetimeFigureOut">
               <a:rPr lang="it-IT" smtClean="0"/>
               <a:pPr/>
-              <a:t>02/01/2013</a:t>
+              <a:t>04/01/2013</a:t>
             </a:fld>
             <a:endParaRPr lang="it-IT"/>
           </a:p>
@@ -4452,14 +4537,14 @@
           <p:nvPr>
             <p:extLst>
               <p:ext uri="{D42A27DB-BD31-4B8C-83A1-F6EECF244321}">
-                <p14:modId xmlns:p14="http://schemas.microsoft.com/office/powerpoint/2010/main" val="3478576524"/>
+                <p14:modId xmlns:p14="http://schemas.microsoft.com/office/powerpoint/2010/main" val="4015036691"/>
               </p:ext>
             </p:extLst>
           </p:nvPr>
         </p:nvGraphicFramePr>
         <p:xfrm>
           <a:off x="179512" y="5517232"/>
-          <a:ext cx="2051720" cy="1188720"/>
+          <a:ext cx="2051720" cy="1155637"/>
         </p:xfrm>
         <a:graphic>
           <a:graphicData uri="http://schemas.openxmlformats.org/drawingml/2006/table">
@@ -4553,7 +4638,7 @@
                         <a:rPr lang="it-IT" sz="1400" dirty="0" smtClean="0">
                           <a:effectLst/>
                         </a:rPr>
-                        <a:t>&lt;matricola qui&gt;</a:t>
+                        <a:t>0512100426</a:t>
                       </a:r>
                       <a:endParaRPr lang="it-IT" sz="1400" dirty="0">
                         <a:effectLst/>
@@ -5018,8 +5103,8 @@
               <a:t> “Forward </a:t>
             </a:r>
             <a:r>
-              <a:rPr lang="en-US" sz="2400" dirty="0" err="1" smtClean="0"/>
-              <a:t>enginering</a:t>
+              <a:rPr lang="en-US" sz="2400" dirty="0" smtClean="0"/>
+              <a:t>engineering</a:t>
             </a:r>
             <a:r>
               <a:rPr lang="en-US" sz="2400" dirty="0" smtClean="0"/>
@@ -5064,15 +5149,39 @@
             </a:r>
             <a:r>
               <a:rPr lang="en-US" sz="2400" dirty="0" smtClean="0"/>
-              <a:t> in </a:t>
+              <a:t> </a:t>
             </a:r>
             <a:r>
               <a:rPr lang="en-US" sz="2400" dirty="0" err="1" smtClean="0"/>
-              <a:t>fase</a:t>
+              <a:t>dalle</a:t>
             </a:r>
             <a:r>
               <a:rPr lang="en-US" sz="2400" dirty="0" smtClean="0"/>
-              <a:t> di object design, dal quale è </a:t>
+              <a:t> </a:t>
+            </a:r>
+            <a:r>
+              <a:rPr lang="en-US" sz="2400" dirty="0" err="1" smtClean="0"/>
+              <a:t>fasi</a:t>
+            </a:r>
+            <a:r>
+              <a:rPr lang="en-US" sz="2400" dirty="0" smtClean="0"/>
+              <a:t> </a:t>
+            </a:r>
+            <a:r>
+              <a:rPr lang="en-US" sz="2400" dirty="0" smtClean="0"/>
+              <a:t>di </a:t>
+            </a:r>
+            <a:r>
+              <a:rPr lang="en-US" sz="2400" dirty="0"/>
+              <a:t>S</a:t>
+            </a:r>
+            <a:r>
+              <a:rPr lang="en-US" sz="2400" dirty="0" smtClean="0"/>
+              <a:t>ystem design e Object design, </a:t>
+            </a:r>
+            <a:r>
+              <a:rPr lang="en-US" sz="2400" dirty="0" smtClean="0"/>
+              <a:t>dal quale è </a:t>
             </a:r>
             <a:r>
               <a:rPr lang="en-US" sz="2400" dirty="0" err="1" smtClean="0"/>
@@ -5408,17 +5517,8 @@
               <a:rPr lang="it-IT" sz="3200" b="1" dirty="0" smtClean="0">
                 <a:latin typeface="+mj-lt"/>
               </a:rPr>
-              <a:t>Mappare associazioni in collezioni e </a:t>
-            </a:r>
-            <a:r>
-              <a:rPr lang="it-IT" sz="3200" b="1" dirty="0" smtClean="0">
-                <a:latin typeface="+mj-lt"/>
-              </a:rPr>
-              <a:t>riferimenti(1)</a:t>
-            </a:r>
-            <a:endParaRPr lang="it-IT" sz="3200" b="1" dirty="0" smtClean="0">
-              <a:latin typeface="+mj-lt"/>
-            </a:endParaRPr>
+              <a:t>Mappare associazioni in collezioni e riferimenti(1)</a:t>
+            </a:r>
           </a:p>
           <a:p>
             <a:pPr algn="ctr"/>
@@ -5456,11 +5556,7 @@
             </a:pPr>
             <a:r>
               <a:rPr lang="it-IT" sz="2200" dirty="0" smtClean="0"/>
-              <a:t>Per poter mappare classi che hanno associazioni uno-a-uno unidirezionali abbiamo inserito il riferimento nella classe che fa uso delle funzionalità dell’altra classe</a:t>
-            </a:r>
-            <a:r>
-              <a:rPr lang="it-IT" sz="2200" dirty="0" smtClean="0"/>
-              <a:t>. </a:t>
+              <a:t>Per poter mappare classi che hanno associazioni uno-a-uno unidirezionali abbiamo inserito il riferimento nella classe che fa uso delle funzionalità dell’altra classe. </a:t>
             </a:r>
             <a:r>
               <a:rPr lang="it-IT" sz="1600" dirty="0" smtClean="0"/>
@@ -5472,11 +5568,7 @@
             </a:r>
             <a:r>
               <a:rPr lang="it-IT" sz="1600" dirty="0" smtClean="0"/>
-              <a:t>s</a:t>
-            </a:r>
-            <a:r>
-              <a:rPr lang="it-IT" sz="1600" dirty="0" smtClean="0"/>
-              <a:t>. tra le classi </a:t>
+              <a:t>s. tra le classi </a:t>
             </a:r>
             <a:r>
               <a:rPr lang="it-IT" sz="1600" dirty="0" err="1" smtClean="0"/>
@@ -5496,13 +5588,8 @@
             </a:r>
             <a:r>
               <a:rPr lang="it-IT" sz="1600" dirty="0" smtClean="0"/>
-              <a:t>relativa al Servizio </a:t>
-            </a:r>
-            <a:r>
-              <a:rPr lang="it-IT" sz="1600" dirty="0" smtClean="0"/>
-              <a:t>)</a:t>
-            </a:r>
-            <a:endParaRPr lang="it-IT" sz="1600" dirty="0" smtClean="0"/>
+              <a:t>relativa al Servizio )</a:t>
+            </a:r>
           </a:p>
         </p:txBody>
       </p:sp>
@@ -5574,6 +5661,170 @@
         </p:nvSpPr>
         <p:spPr>
           <a:xfrm>
+            <a:off x="232560" y="476672"/>
+            <a:ext cx="8709292" cy="861774"/>
+          </a:xfrm>
+          <a:prstGeom prst="rect">
+            <a:avLst/>
+          </a:prstGeom>
+          <a:noFill/>
+        </p:spPr>
+        <p:txBody>
+          <a:bodyPr wrap="square" rtlCol="0">
+            <a:spAutoFit/>
+          </a:bodyPr>
+          <a:lstStyle/>
+          <a:p>
+            <a:pPr algn="ctr"/>
+            <a:r>
+              <a:rPr lang="it-IT" sz="3200" b="1" dirty="0" smtClean="0">
+                <a:latin typeface="+mj-lt"/>
+              </a:rPr>
+              <a:t>Mappare associazioni in collezioni e riferimenti(2)</a:t>
+            </a:r>
+          </a:p>
+          <a:p>
+            <a:pPr algn="ctr"/>
+            <a:endParaRPr lang="it-IT" dirty="0">
+              <a:latin typeface="+mj-lt"/>
+            </a:endParaRPr>
+          </a:p>
+        </p:txBody>
+      </p:sp>
+      <p:sp>
+        <p:nvSpPr>
+          <p:cNvPr id="3" name="CasellaDiTesto 2"/>
+          <p:cNvSpPr txBox="1"/>
+          <p:nvPr/>
+        </p:nvSpPr>
+        <p:spPr>
+          <a:xfrm>
+            <a:off x="611560" y="1122422"/>
+            <a:ext cx="7992888" cy="1354217"/>
+          </a:xfrm>
+          <a:prstGeom prst="rect">
+            <a:avLst/>
+          </a:prstGeom>
+          <a:noFill/>
+        </p:spPr>
+        <p:txBody>
+          <a:bodyPr wrap="square" rtlCol="0">
+            <a:spAutoFit/>
+          </a:bodyPr>
+          <a:lstStyle/>
+          <a:p>
+            <a:pPr marL="285750" indent="-285750">
+              <a:buFont typeface="Arial" pitchFamily="34" charset="0"/>
+              <a:buChar char="•"/>
+            </a:pPr>
+            <a:r>
+              <a:rPr lang="it-IT" sz="2200" dirty="0"/>
+              <a:t>Per poter mappare delle classi che hanno associazioni del tipo </a:t>
+            </a:r>
+            <a:r>
+              <a:rPr lang="it-IT" sz="2200" dirty="0" smtClean="0"/>
+              <a:t>uno-a-molti abbiamo inserito nella classe del lato a uno una variabile che fa riferimento alla classe del lato a molti. </a:t>
+            </a:r>
+            <a:r>
+              <a:rPr lang="it-IT" sz="1600" dirty="0" smtClean="0"/>
+              <a:t>(Es</a:t>
+            </a:r>
+            <a:r>
+              <a:rPr lang="it-IT" sz="1600" dirty="0"/>
+              <a:t>. </a:t>
+            </a:r>
+            <a:r>
+              <a:rPr lang="it-IT" sz="1600" dirty="0" smtClean="0"/>
+              <a:t>nella classe Retta </a:t>
+            </a:r>
+            <a:r>
+              <a:rPr lang="it-IT" sz="1600" dirty="0"/>
+              <a:t>è </a:t>
+            </a:r>
+            <a:r>
+              <a:rPr lang="it-IT" sz="1600" dirty="0" smtClean="0"/>
+              <a:t>stato inserito un attributo </a:t>
+            </a:r>
+            <a:r>
+              <a:rPr lang="it-IT" sz="1600" u="sng" dirty="0" smtClean="0"/>
+              <a:t>genitore </a:t>
+            </a:r>
+            <a:r>
+              <a:rPr lang="it-IT" sz="1600" dirty="0" smtClean="0"/>
+              <a:t>che fa riferimento alla classe Genitore )</a:t>
+            </a:r>
+            <a:endParaRPr lang="it-IT" sz="1600" dirty="0"/>
+          </a:p>
+        </p:txBody>
+      </p:sp>
+      <p:pic>
+        <p:nvPicPr>
+          <p:cNvPr id="5" name="Immagine 4"/>
+          <p:cNvPicPr>
+            <a:picLocks noChangeAspect="1"/>
+          </p:cNvPicPr>
+          <p:nvPr/>
+        </p:nvPicPr>
+        <p:blipFill>
+          <a:blip r:embed="rId2">
+            <a:extLst>
+              <a:ext uri="{28A0092B-C50C-407E-A947-70E740481C1C}">
+                <a14:useLocalDpi xmlns:a14="http://schemas.microsoft.com/office/drawing/2010/main" val="0"/>
+              </a:ext>
+            </a:extLst>
+          </a:blip>
+          <a:stretch>
+            <a:fillRect/>
+          </a:stretch>
+        </p:blipFill>
+        <p:spPr>
+          <a:xfrm>
+            <a:off x="1" y="2476640"/>
+            <a:ext cx="9144000" cy="4381360"/>
+          </a:xfrm>
+          <a:prstGeom prst="rect">
+            <a:avLst/>
+          </a:prstGeom>
+        </p:spPr>
+      </p:pic>
+    </p:spTree>
+    <p:extLst>
+      <p:ext uri="{BB962C8B-B14F-4D97-AF65-F5344CB8AC3E}">
+        <p14:creationId xmlns:p14="http://schemas.microsoft.com/office/powerpoint/2010/main" val="2034037302"/>
+      </p:ext>
+    </p:extLst>
+  </p:cSld>
+  <p:clrMapOvr>
+    <a:masterClrMapping/>
+  </p:clrMapOvr>
+</p:sld>
+</file>
+
+<file path=ppt/slides/slide6.xml><?xml version="1.0" encoding="utf-8"?>
+<p:sld xmlns:a="http://schemas.openxmlformats.org/drawingml/2006/main" xmlns:r="http://schemas.openxmlformats.org/officeDocument/2006/relationships" xmlns:p="http://schemas.openxmlformats.org/presentationml/2006/main">
+  <p:cSld>
+    <p:spTree>
+      <p:nvGrpSpPr>
+        <p:cNvPr id="1" name=""/>
+        <p:cNvGrpSpPr/>
+        <p:nvPr/>
+      </p:nvGrpSpPr>
+      <p:grpSpPr>
+        <a:xfrm>
+          <a:off x="0" y="0"/>
+          <a:ext cx="0" cy="0"/>
+          <a:chOff x="0" y="0"/>
+          <a:chExt cx="0" cy="0"/>
+        </a:xfrm>
+      </p:grpSpPr>
+      <p:sp>
+        <p:nvSpPr>
+          <p:cNvPr id="2" name="CasellaDiTesto 1"/>
+          <p:cNvSpPr txBox="1"/>
+          <p:nvPr/>
+        </p:nvSpPr>
+        <p:spPr>
+          <a:xfrm>
             <a:off x="219481" y="260648"/>
             <a:ext cx="8709292" cy="861774"/>
           </a:xfrm>
@@ -5599,7 +5850,7 @@
               <a:rPr lang="it-IT" sz="3200" b="1" dirty="0" smtClean="0">
                 <a:latin typeface="+mj-lt"/>
               </a:rPr>
-              <a:t>riferimenti(2)</a:t>
+              <a:t>riferimenti(3)</a:t>
             </a:r>
             <a:endParaRPr lang="it-IT" sz="3200" b="1" dirty="0" smtClean="0">
               <a:latin typeface="+mj-lt"/>
@@ -5663,7 +5914,6 @@
               <a:rPr lang="it-IT" sz="1600" dirty="0"/>
               <a:t> e Classe è stata creata una classe Insegna che contiene i riferimenti alle due classi precedenti)</a:t>
             </a:r>
-            <a:endParaRPr lang="it-IT" sz="1600" dirty="0"/>
           </a:p>
         </p:txBody>
       </p:sp>
@@ -5710,166 +5960,6 @@
 </p:sld>
 </file>
 
-<file path=ppt/slides/slide6.xml><?xml version="1.0" encoding="utf-8"?>
-<p:sld xmlns:a="http://schemas.openxmlformats.org/drawingml/2006/main" xmlns:r="http://schemas.openxmlformats.org/officeDocument/2006/relationships" xmlns:p="http://schemas.openxmlformats.org/presentationml/2006/main">
-  <p:cSld>
-    <p:spTree>
-      <p:nvGrpSpPr>
-        <p:cNvPr id="1" name=""/>
-        <p:cNvGrpSpPr/>
-        <p:nvPr/>
-      </p:nvGrpSpPr>
-      <p:grpSpPr>
-        <a:xfrm>
-          <a:off x="0" y="0"/>
-          <a:ext cx="0" cy="0"/>
-          <a:chOff x="0" y="0"/>
-          <a:chExt cx="0" cy="0"/>
-        </a:xfrm>
-      </p:grpSpPr>
-      <p:sp>
-        <p:nvSpPr>
-          <p:cNvPr id="2" name="CasellaDiTesto 1"/>
-          <p:cNvSpPr txBox="1"/>
-          <p:nvPr/>
-        </p:nvSpPr>
-        <p:spPr>
-          <a:xfrm>
-            <a:off x="232560" y="476672"/>
-            <a:ext cx="8709292" cy="861774"/>
-          </a:xfrm>
-          <a:prstGeom prst="rect">
-            <a:avLst/>
-          </a:prstGeom>
-          <a:noFill/>
-        </p:spPr>
-        <p:txBody>
-          <a:bodyPr wrap="square" rtlCol="0">
-            <a:spAutoFit/>
-          </a:bodyPr>
-          <a:lstStyle/>
-          <a:p>
-            <a:pPr algn="ctr"/>
-            <a:r>
-              <a:rPr lang="it-IT" sz="3200" b="1" dirty="0" smtClean="0">
-                <a:latin typeface="+mj-lt"/>
-              </a:rPr>
-              <a:t>Ereditarietà </a:t>
-            </a:r>
-          </a:p>
-          <a:p>
-            <a:pPr algn="ctr"/>
-            <a:endParaRPr lang="it-IT" dirty="0">
-              <a:latin typeface="+mj-lt"/>
-            </a:endParaRPr>
-          </a:p>
-        </p:txBody>
-      </p:sp>
-      <p:sp>
-        <p:nvSpPr>
-          <p:cNvPr id="3" name="CasellaDiTesto 2"/>
-          <p:cNvSpPr txBox="1"/>
-          <p:nvPr/>
-        </p:nvSpPr>
-        <p:spPr>
-          <a:xfrm>
-            <a:off x="323528" y="1196752"/>
-            <a:ext cx="8424936" cy="4524315"/>
-          </a:xfrm>
-          <a:prstGeom prst="rect">
-            <a:avLst/>
-          </a:prstGeom>
-          <a:noFill/>
-        </p:spPr>
-        <p:txBody>
-          <a:bodyPr wrap="square" rtlCol="0">
-            <a:spAutoFit/>
-          </a:bodyPr>
-          <a:lstStyle/>
-          <a:p>
-            <a:endParaRPr lang="it-IT" sz="2400" dirty="0" smtClean="0"/>
-          </a:p>
-          <a:p>
-            <a:pPr marL="342900" indent="-342900">
-              <a:buFont typeface="Arial" pitchFamily="34" charset="0"/>
-              <a:buChar char="•"/>
-            </a:pPr>
-            <a:r>
-              <a:rPr lang="it-IT" sz="2400" dirty="0" smtClean="0"/>
-              <a:t>Per gestire l’ereditarietà abbiamo usato un </a:t>
-            </a:r>
-            <a:r>
-              <a:rPr lang="it-IT" sz="2400" dirty="0" err="1" smtClean="0"/>
-              <a:t>mapping</a:t>
-            </a:r>
-            <a:r>
-              <a:rPr lang="it-IT" sz="2400" dirty="0" smtClean="0"/>
-              <a:t> verticale. Abbiamo creato delle superclassi che posseggono attributi e metodi generici, ereditati da sottoclassi specifiche. </a:t>
-            </a:r>
-            <a:endParaRPr lang="it-IT" sz="2400" dirty="0" smtClean="0"/>
-          </a:p>
-          <a:p>
-            <a:endParaRPr lang="it-IT" sz="2400" dirty="0" smtClean="0"/>
-          </a:p>
-          <a:p>
-            <a:pPr marL="342900" indent="-342900">
-              <a:buFont typeface="Arial" pitchFamily="34" charset="0"/>
-              <a:buChar char="•"/>
-            </a:pPr>
-            <a:r>
-              <a:rPr lang="it-IT" sz="2400" dirty="0" smtClean="0"/>
-              <a:t>Un esempio concreto lo si vede con la classe utente(superclasse) la quale viene estesa da numerose classi. (genitore, </a:t>
-            </a:r>
-            <a:r>
-              <a:rPr lang="it-IT" sz="2400" dirty="0" err="1" smtClean="0"/>
-              <a:t>psicopedagogo</a:t>
-            </a:r>
-            <a:r>
-              <a:rPr lang="it-IT" sz="2400" dirty="0" smtClean="0"/>
-              <a:t>, tirocinante</a:t>
-            </a:r>
-            <a:r>
-              <a:rPr lang="it-IT" sz="2400" dirty="0" smtClean="0"/>
-              <a:t>……).</a:t>
-            </a:r>
-          </a:p>
-          <a:p>
-            <a:endParaRPr lang="it-IT" sz="2400" dirty="0"/>
-          </a:p>
-          <a:p>
-            <a:pPr marL="342900" indent="-342900">
-              <a:buFont typeface="Arial" pitchFamily="34" charset="0"/>
-              <a:buChar char="•"/>
-            </a:pPr>
-            <a:r>
-              <a:rPr lang="it-IT" sz="2400" dirty="0" smtClean="0"/>
-              <a:t>E’ stato scelto il </a:t>
-            </a:r>
-            <a:r>
-              <a:rPr lang="it-IT" sz="2400" dirty="0" err="1" smtClean="0"/>
-              <a:t>mapping</a:t>
-            </a:r>
-            <a:r>
-              <a:rPr lang="it-IT" sz="2400" dirty="0" smtClean="0"/>
-              <a:t> verticale perché abbiamo lavorato con le classi specifiche servendoci appunto di attributi e metodi specifici.</a:t>
-            </a:r>
-            <a:endParaRPr lang="it-IT" sz="2400" dirty="0"/>
-          </a:p>
-        </p:txBody>
-      </p:sp>
-    </p:spTree>
-    <p:extLst>
-      <p:ext uri="{BB962C8B-B14F-4D97-AF65-F5344CB8AC3E}">
-        <p14:creationId xmlns:p14="http://schemas.microsoft.com/office/powerpoint/2010/main" val="1080303246"/>
-      </p:ext>
-    </p:extLst>
-  </p:cSld>
-  <p:clrMapOvr>
-    <a:masterClrMapping/>
-  </p:clrMapOvr>
-</p:sld>
-</file>
-
 <file path=ppt/slides/slide7.xml><?xml version="1.0" encoding="utf-8"?>
 <p:sld xmlns:a="http://schemas.openxmlformats.org/drawingml/2006/main" xmlns:r="http://schemas.openxmlformats.org/officeDocument/2006/relationships" xmlns:p="http://schemas.openxmlformats.org/presentationml/2006/main">
   <p:cSld>
@@ -5887,40 +5977,135 @@
           <a:chExt cx="0" cy="0"/>
         </a:xfrm>
       </p:grpSpPr>
-      <p:pic>
-        <p:nvPicPr>
-          <p:cNvPr id="3" name="Immagine 2"/>
-          <p:cNvPicPr>
-            <a:picLocks noChangeAspect="1"/>
-          </p:cNvPicPr>
+      <p:sp>
+        <p:nvSpPr>
+          <p:cNvPr id="2" name="CasellaDiTesto 1"/>
+          <p:cNvSpPr txBox="1"/>
           <p:nvPr/>
-        </p:nvPicPr>
-        <p:blipFill>
-          <a:blip r:embed="rId2" cstate="print">
-            <a:extLst>
-              <a:ext uri="{28A0092B-C50C-407E-A947-70E740481C1C}">
-                <a14:useLocalDpi xmlns:a14="http://schemas.microsoft.com/office/drawing/2010/main" val="0"/>
-              </a:ext>
-            </a:extLst>
-          </a:blip>
-          <a:stretch>
-            <a:fillRect/>
-          </a:stretch>
-        </p:blipFill>
+        </p:nvSpPr>
         <p:spPr>
           <a:xfrm>
-            <a:off x="0" y="0"/>
-            <a:ext cx="9143999" cy="6858000"/>
+            <a:off x="232560" y="476672"/>
+            <a:ext cx="8709292" cy="861774"/>
           </a:xfrm>
           <a:prstGeom prst="rect">
             <a:avLst/>
           </a:prstGeom>
+          <a:noFill/>
         </p:spPr>
-      </p:pic>
+        <p:txBody>
+          <a:bodyPr wrap="square" rtlCol="0">
+            <a:spAutoFit/>
+          </a:bodyPr>
+          <a:lstStyle/>
+          <a:p>
+            <a:pPr algn="ctr"/>
+            <a:r>
+              <a:rPr lang="it-IT" sz="3200" b="1" dirty="0" smtClean="0">
+                <a:latin typeface="+mj-lt"/>
+              </a:rPr>
+              <a:t>Ereditarietà </a:t>
+            </a:r>
+          </a:p>
+          <a:p>
+            <a:pPr algn="ctr"/>
+            <a:endParaRPr lang="it-IT" dirty="0">
+              <a:latin typeface="+mj-lt"/>
+            </a:endParaRPr>
+          </a:p>
+        </p:txBody>
+      </p:sp>
+      <p:sp>
+        <p:nvSpPr>
+          <p:cNvPr id="3" name="CasellaDiTesto 2"/>
+          <p:cNvSpPr txBox="1"/>
+          <p:nvPr/>
+        </p:nvSpPr>
+        <p:spPr>
+          <a:xfrm>
+            <a:off x="323528" y="1196752"/>
+            <a:ext cx="8424936" cy="4524315"/>
+          </a:xfrm>
+          <a:prstGeom prst="rect">
+            <a:avLst/>
+          </a:prstGeom>
+          <a:noFill/>
+        </p:spPr>
+        <p:txBody>
+          <a:bodyPr wrap="square" rtlCol="0">
+            <a:spAutoFit/>
+          </a:bodyPr>
+          <a:lstStyle/>
+          <a:p>
+            <a:endParaRPr lang="it-IT" sz="2400" dirty="0" smtClean="0"/>
+          </a:p>
+          <a:p>
+            <a:pPr marL="342900" indent="-342900">
+              <a:buFont typeface="Arial" pitchFamily="34" charset="0"/>
+              <a:buChar char="•"/>
+            </a:pPr>
+            <a:r>
+              <a:rPr lang="it-IT" sz="2400" dirty="0" smtClean="0"/>
+              <a:t>Per gestire l’ereditarietà abbiamo usato un </a:t>
+            </a:r>
+            <a:r>
+              <a:rPr lang="it-IT" sz="2400" dirty="0" err="1" smtClean="0"/>
+              <a:t>mapping</a:t>
+            </a:r>
+            <a:r>
+              <a:rPr lang="it-IT" sz="2400" dirty="0" smtClean="0"/>
+              <a:t> verticale. Abbiamo creato delle superclassi che posseggono attributi e metodi generici, ereditati da sottoclassi specifiche. </a:t>
+            </a:r>
+          </a:p>
+          <a:p>
+            <a:endParaRPr lang="it-IT" sz="2400" dirty="0" smtClean="0"/>
+          </a:p>
+          <a:p>
+            <a:pPr marL="342900" indent="-342900">
+              <a:buFont typeface="Arial" pitchFamily="34" charset="0"/>
+              <a:buChar char="•"/>
+            </a:pPr>
+            <a:r>
+              <a:rPr lang="it-IT" sz="2400" dirty="0" smtClean="0"/>
+              <a:t>Un esempio concreto lo si vede con la classe utente(superclasse) la quale viene estesa da numerose classi. (genitore, </a:t>
+            </a:r>
+            <a:r>
+              <a:rPr lang="it-IT" sz="2400" dirty="0" err="1" smtClean="0"/>
+              <a:t>psicopedagogo</a:t>
+            </a:r>
+            <a:r>
+              <a:rPr lang="it-IT" sz="2400" dirty="0" smtClean="0"/>
+              <a:t>, tirocinante……).</a:t>
+            </a:r>
+          </a:p>
+          <a:p>
+            <a:endParaRPr lang="it-IT" sz="2400" dirty="0"/>
+          </a:p>
+          <a:p>
+            <a:pPr marL="342900" indent="-342900">
+              <a:buFont typeface="Arial" pitchFamily="34" charset="0"/>
+              <a:buChar char="•"/>
+            </a:pPr>
+            <a:r>
+              <a:rPr lang="it-IT" sz="2400" dirty="0" smtClean="0"/>
+              <a:t>E’ stato scelto il </a:t>
+            </a:r>
+            <a:r>
+              <a:rPr lang="it-IT" sz="2400" dirty="0" err="1" smtClean="0"/>
+              <a:t>mapping</a:t>
+            </a:r>
+            <a:r>
+              <a:rPr lang="it-IT" sz="2400" dirty="0" smtClean="0"/>
+              <a:t> verticale perché abbiamo lavorato con le classi specifiche servendoci appunto di attributi e metodi specifici.</a:t>
+            </a:r>
+            <a:endParaRPr lang="it-IT" sz="2400" dirty="0"/>
+          </a:p>
+        </p:txBody>
+      </p:sp>
     </p:spTree>
     <p:extLst>
       <p:ext uri="{BB962C8B-B14F-4D97-AF65-F5344CB8AC3E}">
-        <p14:creationId xmlns:p14="http://schemas.microsoft.com/office/powerpoint/2010/main" val="551819198"/>
+        <p14:creationId xmlns:p14="http://schemas.microsoft.com/office/powerpoint/2010/main" val="1080303246"/>
       </p:ext>
     </p:extLst>
   </p:cSld>
@@ -5947,57 +6132,40 @@
           <a:chExt cx="0" cy="0"/>
         </a:xfrm>
       </p:grpSpPr>
-      <p:sp>
-        <p:nvSpPr>
-          <p:cNvPr id="2" name="CasellaDiTesto 1"/>
-          <p:cNvSpPr txBox="1"/>
+      <p:pic>
+        <p:nvPicPr>
+          <p:cNvPr id="2" name="Immagine 1"/>
+          <p:cNvPicPr>
+            <a:picLocks noChangeAspect="1"/>
+          </p:cNvPicPr>
           <p:nvPr/>
-        </p:nvSpPr>
+        </p:nvPicPr>
+        <p:blipFill>
+          <a:blip r:embed="rId3">
+            <a:extLst>
+              <a:ext uri="{28A0092B-C50C-407E-A947-70E740481C1C}">
+                <a14:useLocalDpi xmlns:a14="http://schemas.microsoft.com/office/drawing/2010/main" val="0"/>
+              </a:ext>
+            </a:extLst>
+          </a:blip>
+          <a:stretch>
+            <a:fillRect/>
+          </a:stretch>
+        </p:blipFill>
         <p:spPr>
           <a:xfrm>
-            <a:off x="232560" y="476672"/>
-            <a:ext cx="8709292" cy="861774"/>
+            <a:off x="0" y="1"/>
+            <a:ext cx="9144000" cy="6858000"/>
           </a:xfrm>
           <a:prstGeom prst="rect">
             <a:avLst/>
           </a:prstGeom>
-          <a:noFill/>
         </p:spPr>
-        <p:txBody>
-          <a:bodyPr wrap="square" rtlCol="0">
-            <a:spAutoFit/>
-          </a:bodyPr>
-          <a:lstStyle/>
-          <a:p>
-            <a:pPr algn="ctr"/>
-            <a:r>
-              <a:rPr lang="it-IT" sz="3200" b="1" dirty="0" smtClean="0">
-                <a:latin typeface="+mj-lt"/>
-              </a:rPr>
-              <a:t>Contratti</a:t>
-            </a:r>
-            <a:r>
-              <a:rPr lang="it-IT" sz="3200" b="1" dirty="0" smtClean="0">
-                <a:latin typeface="+mj-lt"/>
-              </a:rPr>
-              <a:t> </a:t>
-            </a:r>
-            <a:endParaRPr lang="it-IT" sz="3200" b="1" dirty="0" smtClean="0">
-              <a:latin typeface="+mj-lt"/>
-            </a:endParaRPr>
-          </a:p>
-          <a:p>
-            <a:pPr algn="ctr"/>
-            <a:endParaRPr lang="it-IT" dirty="0">
-              <a:latin typeface="+mj-lt"/>
-            </a:endParaRPr>
-          </a:p>
-        </p:txBody>
-      </p:sp>
+      </p:pic>
     </p:spTree>
     <p:extLst>
       <p:ext uri="{BB962C8B-B14F-4D97-AF65-F5344CB8AC3E}">
-        <p14:creationId xmlns:p14="http://schemas.microsoft.com/office/powerpoint/2010/main" val="950909589"/>
+        <p14:creationId xmlns:p14="http://schemas.microsoft.com/office/powerpoint/2010/main" val="903072151"/>
       </p:ext>
     </p:extLst>
   </p:cSld>
@@ -6051,17 +6219,8 @@
               <a:rPr lang="it-IT" sz="3200" b="1" dirty="0" smtClean="0">
                 <a:latin typeface="+mj-lt"/>
               </a:rPr>
-              <a:t>Problematiche</a:t>
-            </a:r>
-            <a:r>
-              <a:rPr lang="it-IT" sz="3200" b="1" dirty="0" smtClean="0">
-                <a:latin typeface="+mj-lt"/>
-              </a:rPr>
-              <a:t> </a:t>
-            </a:r>
-            <a:endParaRPr lang="it-IT" sz="3200" b="1" dirty="0" smtClean="0">
-              <a:latin typeface="+mj-lt"/>
-            </a:endParaRPr>
+              <a:t>Problematiche </a:t>
+            </a:r>
           </a:p>
           <a:p>
             <a:pPr algn="ctr"/>

--- a/trunk/Presentazione/Atsilo2/Luigi/Luigi_PresentazioneFinale.pptx
+++ b/trunk/Presentazione/Atsilo2/Luigi/Luigi_PresentazioneFinale.pptx
@@ -5,7 +5,7 @@
     <p:sldMasterId id="2147483684" r:id="rId1"/>
   </p:sldMasterIdLst>
   <p:notesMasterIdLst>
-    <p:notesMasterId r:id="rId11"/>
+    <p:notesMasterId r:id="rId12"/>
   </p:notesMasterIdLst>
   <p:sldIdLst>
     <p:sldId id="256" r:id="rId2"/>
@@ -17,6 +17,7 @@
     <p:sldId id="261" r:id="rId8"/>
     <p:sldId id="268" r:id="rId9"/>
     <p:sldId id="265" r:id="rId10"/>
+    <p:sldId id="269" r:id="rId11"/>
   </p:sldIdLst>
   <p:sldSz cx="9144000" cy="6858000" type="screen4x3"/>
   <p:notesSz cx="6858000" cy="9144000"/>
@@ -603,6 +604,111 @@
     <p:extLst>
       <p:ext uri="{BB962C8B-B14F-4D97-AF65-F5344CB8AC3E}">
         <p14:creationId xmlns:p14="http://schemas.microsoft.com/office/powerpoint/2010/main" val="1015010449"/>
+      </p:ext>
+    </p:extLst>
+  </p:cSld>
+  <p:clrMapOvr>
+    <a:masterClrMapping/>
+  </p:clrMapOvr>
+</p:notes>
+</file>
+
+<file path=ppt/notesSlides/notesSlide2.xml><?xml version="1.0" encoding="utf-8"?>
+<p:notes xmlns:a="http://schemas.openxmlformats.org/drawingml/2006/main" xmlns:r="http://schemas.openxmlformats.org/officeDocument/2006/relationships" xmlns:p="http://schemas.openxmlformats.org/presentationml/2006/main">
+  <p:cSld>
+    <p:spTree>
+      <p:nvGrpSpPr>
+        <p:cNvPr id="1" name=""/>
+        <p:cNvGrpSpPr/>
+        <p:nvPr/>
+      </p:nvGrpSpPr>
+      <p:grpSpPr>
+        <a:xfrm>
+          <a:off x="0" y="0"/>
+          <a:ext cx="0" cy="0"/>
+          <a:chOff x="0" y="0"/>
+          <a:chExt cx="0" cy="0"/>
+        </a:xfrm>
+      </p:grpSpPr>
+      <p:sp>
+        <p:nvSpPr>
+          <p:cNvPr id="2" name="Segnaposto immagine diapositiva 1"/>
+          <p:cNvSpPr>
+            <a:spLocks noGrp="1" noRot="1" noChangeAspect="1"/>
+          </p:cNvSpPr>
+          <p:nvPr>
+            <p:ph type="sldImg"/>
+          </p:nvPr>
+        </p:nvSpPr>
+        <p:spPr/>
+      </p:sp>
+      <p:sp>
+        <p:nvSpPr>
+          <p:cNvPr id="3" name="Segnaposto note 2"/>
+          <p:cNvSpPr>
+            <a:spLocks noGrp="1"/>
+          </p:cNvSpPr>
+          <p:nvPr>
+            <p:ph type="body" idx="1"/>
+          </p:nvPr>
+        </p:nvSpPr>
+        <p:spPr/>
+        <p:txBody>
+          <a:bodyPr/>
+          <a:lstStyle/>
+          <a:p>
+            <a:r>
+              <a:rPr lang="it-IT" dirty="0" smtClean="0"/>
+              <a:t>L’implementazione è stata la fase di progettazione che ha ritardato la consegna del prodotto finale. Avendo creato un database iniziale, tutta l’implementazione è stata soggetta alle modifiche apportate alla base di dati. </a:t>
+            </a:r>
+          </a:p>
+          <a:p>
+            <a:r>
+              <a:rPr lang="it-IT" dirty="0" smtClean="0"/>
+              <a:t>Durante questa fase sono state trovate delle sbavature commesse in fase di </a:t>
+            </a:r>
+            <a:r>
+              <a:rPr lang="it-IT" dirty="0" err="1" smtClean="0"/>
+              <a:t>mapping</a:t>
+            </a:r>
+            <a:r>
+              <a:rPr lang="it-IT" dirty="0" smtClean="0"/>
+              <a:t> che ci hanno portato a produrre una base di dati incompleta e in alcuni punti sbagliata.</a:t>
+            </a:r>
+          </a:p>
+          <a:p>
+            <a:endParaRPr lang="it-IT" dirty="0"/>
+          </a:p>
+        </p:txBody>
+      </p:sp>
+      <p:sp>
+        <p:nvSpPr>
+          <p:cNvPr id="4" name="Segnaposto numero diapositiva 3"/>
+          <p:cNvSpPr>
+            <a:spLocks noGrp="1"/>
+          </p:cNvSpPr>
+          <p:nvPr>
+            <p:ph type="sldNum" sz="quarter" idx="10"/>
+          </p:nvPr>
+        </p:nvSpPr>
+        <p:spPr/>
+        <p:txBody>
+          <a:bodyPr/>
+          <a:lstStyle/>
+          <a:p>
+            <a:fld id="{D70604CA-7593-4640-8FA1-5523937B8510}" type="slidenum">
+              <a:rPr lang="it-IT" smtClean="0"/>
+              <a:pPr/>
+              <a:t>9</a:t>
+            </a:fld>
+            <a:endParaRPr lang="it-IT"/>
+          </a:p>
+        </p:txBody>
+      </p:sp>
+    </p:spTree>
+    <p:extLst>
+      <p:ext uri="{BB962C8B-B14F-4D97-AF65-F5344CB8AC3E}">
+        <p14:creationId xmlns:p14="http://schemas.microsoft.com/office/powerpoint/2010/main" val="2697673236"/>
       </p:ext>
     </p:extLst>
   </p:cSld>
@@ -4544,7 +4650,7 @@
         </p:nvGraphicFramePr>
         <p:xfrm>
           <a:off x="179512" y="5517232"/>
-          <a:ext cx="2051720" cy="1155637"/>
+          <a:ext cx="2051720" cy="1089471"/>
         </p:xfrm>
         <a:graphic>
           <a:graphicData uri="http://schemas.openxmlformats.org/drawingml/2006/table">
@@ -4668,7 +4774,7 @@
         </p:nvGraphicFramePr>
         <p:xfrm>
           <a:off x="6948264" y="5877272"/>
-          <a:ext cx="2051720" cy="792480"/>
+          <a:ext cx="2051720" cy="726314"/>
         </p:xfrm>
         <a:graphic>
           <a:graphicData uri="http://schemas.openxmlformats.org/drawingml/2006/table">
@@ -4797,6 +4903,177 @@
       </p:par>
     </p:tnLst>
   </p:timing>
+</p:sld>
+</file>
+
+<file path=ppt/slides/slide10.xml><?xml version="1.0" encoding="utf-8"?>
+<p:sld xmlns:a="http://schemas.openxmlformats.org/drawingml/2006/main" xmlns:r="http://schemas.openxmlformats.org/officeDocument/2006/relationships" xmlns:p="http://schemas.openxmlformats.org/presentationml/2006/main">
+  <p:cSld>
+    <p:spTree>
+      <p:nvGrpSpPr>
+        <p:cNvPr id="1" name=""/>
+        <p:cNvGrpSpPr/>
+        <p:nvPr/>
+      </p:nvGrpSpPr>
+      <p:grpSpPr>
+        <a:xfrm>
+          <a:off x="0" y="0"/>
+          <a:ext cx="0" cy="0"/>
+          <a:chOff x="0" y="0"/>
+          <a:chExt cx="0" cy="0"/>
+        </a:xfrm>
+      </p:grpSpPr>
+      <p:sp>
+        <p:nvSpPr>
+          <p:cNvPr id="2" name="CasellaDiTesto 1"/>
+          <p:cNvSpPr txBox="1"/>
+          <p:nvPr/>
+        </p:nvSpPr>
+        <p:spPr>
+          <a:xfrm>
+            <a:off x="232560" y="476672"/>
+            <a:ext cx="8709292" cy="861774"/>
+          </a:xfrm>
+          <a:prstGeom prst="rect">
+            <a:avLst/>
+          </a:prstGeom>
+          <a:noFill/>
+        </p:spPr>
+        <p:txBody>
+          <a:bodyPr wrap="square" rtlCol="0">
+            <a:spAutoFit/>
+          </a:bodyPr>
+          <a:lstStyle/>
+          <a:p>
+            <a:pPr algn="ctr"/>
+            <a:r>
+              <a:rPr lang="it-IT" sz="3200" b="1" dirty="0" smtClean="0">
+                <a:latin typeface="+mj-lt"/>
+              </a:rPr>
+              <a:t>Aspetti positivi </a:t>
+            </a:r>
+            <a:endParaRPr lang="it-IT" sz="3200" b="1" dirty="0" smtClean="0">
+              <a:latin typeface="+mj-lt"/>
+            </a:endParaRPr>
+          </a:p>
+          <a:p>
+            <a:pPr algn="ctr"/>
+            <a:endParaRPr lang="it-IT" dirty="0">
+              <a:latin typeface="+mj-lt"/>
+            </a:endParaRPr>
+          </a:p>
+        </p:txBody>
+      </p:sp>
+      <p:sp>
+        <p:nvSpPr>
+          <p:cNvPr id="3" name="CasellaDiTesto 2"/>
+          <p:cNvSpPr txBox="1"/>
+          <p:nvPr/>
+        </p:nvSpPr>
+        <p:spPr>
+          <a:xfrm>
+            <a:off x="395536" y="1338446"/>
+            <a:ext cx="8064896" cy="2246769"/>
+          </a:xfrm>
+          <a:prstGeom prst="rect">
+            <a:avLst/>
+          </a:prstGeom>
+          <a:noFill/>
+        </p:spPr>
+        <p:txBody>
+          <a:bodyPr wrap="square" rtlCol="0">
+            <a:spAutoFit/>
+          </a:bodyPr>
+          <a:lstStyle/>
+          <a:p>
+            <a:pPr marL="342900" indent="-342900">
+              <a:buFont typeface="Arial" pitchFamily="34" charset="0"/>
+              <a:buChar char="•"/>
+            </a:pPr>
+            <a:r>
+              <a:rPr lang="it-IT" sz="2400" dirty="0" smtClean="0"/>
+              <a:t>Implementate le funzionalità ad alta priorità.</a:t>
+            </a:r>
+          </a:p>
+          <a:p>
+            <a:pPr marL="342900" indent="-342900">
+              <a:buFont typeface="Arial" pitchFamily="34" charset="0"/>
+              <a:buChar char="•"/>
+            </a:pPr>
+            <a:endParaRPr lang="it-IT" sz="2400" dirty="0" smtClean="0"/>
+          </a:p>
+          <a:p>
+            <a:pPr marL="342900" indent="-342900">
+              <a:buFont typeface="Arial" pitchFamily="34" charset="0"/>
+              <a:buChar char="•"/>
+            </a:pPr>
+            <a:r>
+              <a:rPr lang="it-IT" sz="2400" dirty="0" smtClean="0"/>
+              <a:t>Implementare in gruppo contando sul lavoro altrui. </a:t>
+            </a:r>
+          </a:p>
+          <a:p>
+            <a:pPr marL="342900" indent="-342900">
+              <a:buFont typeface="Arial" pitchFamily="34" charset="0"/>
+              <a:buChar char="•"/>
+            </a:pPr>
+            <a:endParaRPr lang="it-IT" sz="2400" dirty="0" smtClean="0"/>
+          </a:p>
+          <a:p>
+            <a:pPr marL="342900" indent="-342900">
+              <a:buFont typeface="Arial" pitchFamily="34" charset="0"/>
+              <a:buChar char="•"/>
+            </a:pPr>
+            <a:r>
+              <a:rPr lang="it-IT" sz="2400" dirty="0" smtClean="0"/>
+              <a:t>Affrontare e gestire i problemi che si presentano.</a:t>
+            </a:r>
+          </a:p>
+          <a:p>
+            <a:endParaRPr lang="it-IT" sz="2000" dirty="0" smtClean="0"/>
+          </a:p>
+        </p:txBody>
+      </p:sp>
+      <p:pic>
+        <p:nvPicPr>
+          <p:cNvPr id="4" name="Immagine 3"/>
+          <p:cNvPicPr>
+            <a:picLocks noChangeAspect="1"/>
+          </p:cNvPicPr>
+          <p:nvPr/>
+        </p:nvPicPr>
+        <p:blipFill>
+          <a:blip r:embed="rId2">
+            <a:extLst>
+              <a:ext uri="{28A0092B-C50C-407E-A947-70E740481C1C}">
+                <a14:useLocalDpi xmlns:a14="http://schemas.microsoft.com/office/drawing/2010/main" val="0"/>
+              </a:ext>
+            </a:extLst>
+          </a:blip>
+          <a:stretch>
+            <a:fillRect/>
+          </a:stretch>
+        </p:blipFill>
+        <p:spPr>
+          <a:xfrm>
+            <a:off x="3419872" y="3455293"/>
+            <a:ext cx="4699000" cy="3314700"/>
+          </a:xfrm>
+          <a:prstGeom prst="rect">
+            <a:avLst/>
+          </a:prstGeom>
+        </p:spPr>
+      </p:pic>
+    </p:spTree>
+    <p:extLst>
+      <p:ext uri="{BB962C8B-B14F-4D97-AF65-F5344CB8AC3E}">
+        <p14:creationId xmlns:p14="http://schemas.microsoft.com/office/powerpoint/2010/main" val="2526991034"/>
+      </p:ext>
+    </p:extLst>
+  </p:cSld>
+  <p:clrMapOvr>
+    <a:masterClrMapping/>
+  </p:clrMapOvr>
 </p:sld>
 </file>
 
@@ -5047,8 +5324,9 @@
             </a:lvl9pPr>
           </a:lstStyle>
           <a:p>
-            <a:pPr marL="0" indent="0">
-              <a:buNone/>
+            <a:pPr>
+              <a:buFont typeface="Arial" pitchFamily="34" charset="0"/>
+              <a:buChar char="•"/>
             </a:pPr>
             <a:r>
               <a:rPr lang="en-US" sz="2400" dirty="0" smtClean="0"/>
@@ -5100,20 +5378,21 @@
             </a:r>
             <a:r>
               <a:rPr lang="en-US" sz="2400" dirty="0" smtClean="0"/>
-              <a:t> “Forward </a:t>
-            </a:r>
-            <a:r>
-              <a:rPr lang="en-US" sz="2400" dirty="0" smtClean="0"/>
-              <a:t>engineering</a:t>
-            </a:r>
-            <a:r>
-              <a:rPr lang="en-US" sz="2400" dirty="0" smtClean="0"/>
-              <a:t>”.  </a:t>
-            </a:r>
-          </a:p>
-          <a:p>
-            <a:pPr marL="0" indent="0">
-              <a:buNone/>
+              <a:t> “Forward engineering”.  </a:t>
+            </a:r>
+            <a:endParaRPr lang="en-US" sz="2400" dirty="0" smtClean="0"/>
+          </a:p>
+          <a:p>
+            <a:pPr>
+              <a:buFont typeface="Arial" pitchFamily="34" charset="0"/>
+              <a:buChar char="•"/>
+            </a:pPr>
+            <a:endParaRPr lang="en-US" sz="2400" dirty="0" smtClean="0"/>
+          </a:p>
+          <a:p>
+            <a:pPr>
+              <a:buFont typeface="Arial" pitchFamily="34" charset="0"/>
+              <a:buChar char="•"/>
             </a:pPr>
             <a:r>
               <a:rPr lang="en-US" sz="2400" dirty="0" smtClean="0"/>
@@ -5165,11 +5444,7 @@
             </a:r>
             <a:r>
               <a:rPr lang="en-US" sz="2400" dirty="0" smtClean="0"/>
-              <a:t> </a:t>
-            </a:r>
-            <a:r>
-              <a:rPr lang="en-US" sz="2400" dirty="0" smtClean="0"/>
-              <a:t>di </a:t>
+              <a:t> di </a:t>
             </a:r>
             <a:r>
               <a:rPr lang="en-US" sz="2400" dirty="0"/>
@@ -5177,11 +5452,7 @@
             </a:r>
             <a:r>
               <a:rPr lang="en-US" sz="2400" dirty="0" smtClean="0"/>
-              <a:t>ystem design e Object design, </a:t>
-            </a:r>
-            <a:r>
-              <a:rPr lang="en-US" sz="2400" dirty="0" smtClean="0"/>
-              <a:t>dal quale è </a:t>
+              <a:t>ystem design e Object design, dal quale è </a:t>
             </a:r>
             <a:r>
               <a:rPr lang="en-US" sz="2400" dirty="0" err="1" smtClean="0"/>
@@ -5254,7 +5525,7 @@
         </p:blipFill>
         <p:spPr>
           <a:xfrm>
-            <a:off x="4572000" y="3501008"/>
+            <a:off x="5364088" y="3717032"/>
             <a:ext cx="3246399" cy="2808312"/>
           </a:xfrm>
           <a:prstGeom prst="rect">
@@ -5354,7 +5625,7 @@
         <p:spPr>
           <a:xfrm>
             <a:off x="443775" y="1268760"/>
-            <a:ext cx="8313859" cy="5986254"/>
+            <a:ext cx="8313859" cy="4924425"/>
           </a:xfrm>
           <a:prstGeom prst="rect">
             <a:avLst/>
@@ -5366,12 +5637,6 @@
             <a:spAutoFit/>
           </a:bodyPr>
           <a:lstStyle/>
-          <a:p>
-            <a:r>
-              <a:rPr lang="it-IT" sz="2300" dirty="0" smtClean="0"/>
-              <a:t>Per rendere più semplice e comprensibile l’implementazione, sono state stabilite delle linee guida da rispettare in fase di programmazione:</a:t>
-            </a:r>
-          </a:p>
           <a:p>
             <a:endParaRPr lang="it-IT" sz="2300" dirty="0"/>
           </a:p>
@@ -5470,6 +5735,13 @@
   <p:clrMapOvr>
     <a:masterClrMapping/>
   </p:clrMapOvr>
+  <p:timing>
+    <p:tnLst>
+      <p:par>
+        <p:cTn id="1" dur="indefinite" restart="never" nodeType="tmRoot"/>
+      </p:par>
+    </p:tnLst>
+  </p:timing>
 </p:sld>
 </file>
 
@@ -5537,7 +5809,7 @@
         <p:spPr>
           <a:xfrm>
             <a:off x="467544" y="1196752"/>
-            <a:ext cx="8208912" cy="1600438"/>
+            <a:ext cx="8208912" cy="1107996"/>
           </a:xfrm>
           <a:prstGeom prst="rect">
             <a:avLst/>
@@ -5558,38 +5830,7 @@
               <a:rPr lang="it-IT" sz="2200" dirty="0" smtClean="0"/>
               <a:t>Per poter mappare classi che hanno associazioni uno-a-uno unidirezionali abbiamo inserito il riferimento nella classe che fa uso delle funzionalità dell’altra classe. </a:t>
             </a:r>
-            <a:r>
-              <a:rPr lang="it-IT" sz="1600" dirty="0" smtClean="0"/>
-              <a:t>(</a:t>
-            </a:r>
-            <a:r>
-              <a:rPr lang="it-IT" sz="1600" dirty="0"/>
-              <a:t>E</a:t>
-            </a:r>
-            <a:r>
-              <a:rPr lang="it-IT" sz="1600" dirty="0" smtClean="0"/>
-              <a:t>s. tra le classi </a:t>
-            </a:r>
-            <a:r>
-              <a:rPr lang="it-IT" sz="1600" dirty="0" err="1" smtClean="0"/>
-              <a:t>DomandaIscrizione</a:t>
-            </a:r>
-            <a:r>
-              <a:rPr lang="it-IT" sz="1600" dirty="0" smtClean="0"/>
-              <a:t> e Servizio c’è una relazione uno-a-uno unidirezionale . E’ stato quindi inserito un riferimento nella classe </a:t>
-            </a:r>
-            <a:r>
-              <a:rPr lang="it-IT" sz="1600" dirty="0" err="1" smtClean="0"/>
-              <a:t>DomandaIscrizione</a:t>
-            </a:r>
-            <a:r>
-              <a:rPr lang="it-IT" sz="1600" dirty="0"/>
-              <a:t> </a:t>
-            </a:r>
-            <a:r>
-              <a:rPr lang="it-IT" sz="1600" dirty="0" smtClean="0"/>
-              <a:t>relativa al Servizio )</a:t>
-            </a:r>
+            <a:endParaRPr lang="it-IT" sz="1600" dirty="0" smtClean="0"/>
           </a:p>
         </p:txBody>
       </p:sp>
@@ -5615,8 +5856,8 @@
         </p:blipFill>
         <p:spPr>
           <a:xfrm>
-            <a:off x="683568" y="2766412"/>
-            <a:ext cx="7704856" cy="3686175"/>
+            <a:off x="1" y="2304748"/>
+            <a:ext cx="9144000" cy="4469726"/>
           </a:xfrm>
           <a:prstGeom prst="rect">
             <a:avLst/>
@@ -5633,6 +5874,13 @@
   <p:clrMapOvr>
     <a:masterClrMapping/>
   </p:clrMapOvr>
+  <p:timing>
+    <p:tnLst>
+      <p:par>
+        <p:cTn id="1" dur="indefinite" restart="never" nodeType="tmRoot"/>
+      </p:par>
+    </p:tnLst>
+  </p:timing>
 </p:sld>
 </file>
 
@@ -5700,7 +5948,7 @@
         <p:spPr>
           <a:xfrm>
             <a:off x="611560" y="1122422"/>
-            <a:ext cx="7992888" cy="1354217"/>
+            <a:ext cx="7992888" cy="1107996"/>
           </a:xfrm>
           <a:prstGeom prst="rect">
             <a:avLst/>
@@ -5724,34 +5972,6 @@
             <a:r>
               <a:rPr lang="it-IT" sz="2200" dirty="0" smtClean="0"/>
               <a:t>uno-a-molti abbiamo inserito nella classe del lato a uno una variabile che fa riferimento alla classe del lato a molti. </a:t>
-            </a:r>
-            <a:r>
-              <a:rPr lang="it-IT" sz="1600" dirty="0" smtClean="0"/>
-              <a:t>(Es</a:t>
-            </a:r>
-            <a:r>
-              <a:rPr lang="it-IT" sz="1600" dirty="0"/>
-              <a:t>. </a:t>
-            </a:r>
-            <a:r>
-              <a:rPr lang="it-IT" sz="1600" dirty="0" smtClean="0"/>
-              <a:t>nella classe Retta </a:t>
-            </a:r>
-            <a:r>
-              <a:rPr lang="it-IT" sz="1600" dirty="0"/>
-              <a:t>è </a:t>
-            </a:r>
-            <a:r>
-              <a:rPr lang="it-IT" sz="1600" dirty="0" smtClean="0"/>
-              <a:t>stato inserito un attributo </a:t>
-            </a:r>
-            <a:r>
-              <a:rPr lang="it-IT" sz="1600" u="sng" dirty="0" smtClean="0"/>
-              <a:t>genitore </a:t>
-            </a:r>
-            <a:r>
-              <a:rPr lang="it-IT" sz="1600" dirty="0" smtClean="0"/>
-              <a:t>che fa riferimento alla classe Genitore )</a:t>
             </a:r>
             <a:endParaRPr lang="it-IT" sz="1600" dirty="0"/>
           </a:p>
@@ -5779,8 +5999,8 @@
         </p:blipFill>
         <p:spPr>
           <a:xfrm>
-            <a:off x="1" y="2476640"/>
-            <a:ext cx="9144000" cy="4381360"/>
+            <a:off x="1" y="2230418"/>
+            <a:ext cx="9144000" cy="4627582"/>
           </a:xfrm>
           <a:prstGeom prst="rect">
             <a:avLst/>
@@ -5797,6 +6017,13 @@
   <p:clrMapOvr>
     <a:masterClrMapping/>
   </p:clrMapOvr>
+  <p:timing>
+    <p:tnLst>
+      <p:par>
+        <p:cTn id="1" dur="indefinite" restart="never" nodeType="tmRoot"/>
+      </p:par>
+    </p:tnLst>
+  </p:timing>
 </p:sld>
 </file>
 
@@ -5844,17 +6071,8 @@
               <a:rPr lang="it-IT" sz="3200" b="1" dirty="0" smtClean="0">
                 <a:latin typeface="+mj-lt"/>
               </a:rPr>
-              <a:t>Mappare associazioni in collezioni e </a:t>
-            </a:r>
-            <a:r>
-              <a:rPr lang="it-IT" sz="3200" b="1" dirty="0" smtClean="0">
-                <a:latin typeface="+mj-lt"/>
-              </a:rPr>
-              <a:t>riferimenti(3)</a:t>
-            </a:r>
-            <a:endParaRPr lang="it-IT" sz="3200" b="1" dirty="0" smtClean="0">
-              <a:latin typeface="+mj-lt"/>
-            </a:endParaRPr>
+              <a:t>Mappare associazioni in collezioni e riferimenti(3)</a:t>
+            </a:r>
           </a:p>
           <a:p>
             <a:pPr algn="ctr"/>
@@ -5873,7 +6091,7 @@
         <p:spPr>
           <a:xfrm>
             <a:off x="611560" y="1122422"/>
-            <a:ext cx="7992888" cy="1661993"/>
+            <a:ext cx="7992888" cy="1107996"/>
           </a:xfrm>
           <a:prstGeom prst="rect">
             <a:avLst/>
@@ -5898,22 +6116,7 @@
               <a:rPr lang="it-IT" sz="2200" dirty="0" smtClean="0"/>
               <a:t>. </a:t>
             </a:r>
-            <a:r>
-              <a:rPr lang="it-IT" sz="1600" dirty="0" smtClean="0"/>
-              <a:t>(Es</a:t>
-            </a:r>
-            <a:r>
-              <a:rPr lang="it-IT" sz="1600" dirty="0"/>
-              <a:t>. tra le classi </a:t>
-            </a:r>
-            <a:r>
-              <a:rPr lang="it-IT" sz="1600" dirty="0" err="1"/>
-              <a:t>EducatoreDidattico</a:t>
-            </a:r>
-            <a:r>
-              <a:rPr lang="it-IT" sz="1600" dirty="0"/>
-              <a:t> e Classe è stata creata una classe Insegna che contiene i riferimenti alle due classi precedenti)</a:t>
-            </a:r>
+            <a:endParaRPr lang="it-IT" sz="1600" dirty="0"/>
           </a:p>
         </p:txBody>
       </p:sp>
@@ -5939,8 +6142,8 @@
         </p:blipFill>
         <p:spPr>
           <a:xfrm>
-            <a:off x="395536" y="2784415"/>
-            <a:ext cx="8208911" cy="3812937"/>
+            <a:off x="195054" y="2230418"/>
+            <a:ext cx="8698873" cy="4627581"/>
           </a:xfrm>
           <a:prstGeom prst="rect">
             <a:avLst/>
@@ -5957,6 +6160,13 @@
   <p:clrMapOvr>
     <a:masterClrMapping/>
   </p:clrMapOvr>
+  <p:timing>
+    <p:tnLst>
+      <p:par>
+        <p:cTn id="1" dur="indefinite" restart="never" nodeType="tmRoot"/>
+      </p:par>
+    </p:tnLst>
+  </p:timing>
 </p:sld>
 </file>
 
@@ -6024,7 +6234,7 @@
         <p:spPr>
           <a:xfrm>
             <a:off x="323528" y="1196752"/>
-            <a:ext cx="8424936" cy="4524315"/>
+            <a:ext cx="8424936" cy="3785652"/>
           </a:xfrm>
           <a:prstGeom prst="rect">
             <a:avLst/>
@@ -6046,15 +6256,7 @@
             </a:pPr>
             <a:r>
               <a:rPr lang="it-IT" sz="2400" dirty="0" smtClean="0"/>
-              <a:t>Per gestire l’ereditarietà abbiamo usato un </a:t>
-            </a:r>
-            <a:r>
-              <a:rPr lang="it-IT" sz="2400" dirty="0" err="1" smtClean="0"/>
-              <a:t>mapping</a:t>
-            </a:r>
-            <a:r>
-              <a:rPr lang="it-IT" sz="2400" dirty="0" smtClean="0"/>
-              <a:t> verticale. Abbiamo creato delle superclassi che posseggono attributi e metodi generici, ereditati da sottoclassi specifiche. </a:t>
+              <a:t>Diagramma ER comprende solo classi specifiche.</a:t>
             </a:r>
           </a:p>
           <a:p>
@@ -6066,20 +6268,20 @@
               <a:buChar char="•"/>
             </a:pPr>
             <a:r>
+              <a:rPr lang="it-IT" sz="2400" dirty="0" err="1"/>
+              <a:t>M</a:t>
+            </a:r>
+            <a:r>
+              <a:rPr lang="it-IT" sz="2400" dirty="0" err="1" smtClean="0"/>
+              <a:t>apping</a:t>
+            </a:r>
+            <a:r>
               <a:rPr lang="it-IT" sz="2400" dirty="0" smtClean="0"/>
-              <a:t>Un esempio concreto lo si vede con la classe utente(superclasse) la quale viene estesa da numerose classi. (genitore, </a:t>
-            </a:r>
-            <a:r>
-              <a:rPr lang="it-IT" sz="2400" dirty="0" err="1" smtClean="0"/>
-              <a:t>psicopedagogo</a:t>
-            </a:r>
-            <a:r>
-              <a:rPr lang="it-IT" sz="2400" dirty="0" smtClean="0"/>
-              <a:t>, tirocinante……).</a:t>
-            </a:r>
-          </a:p>
-          <a:p>
-            <a:endParaRPr lang="it-IT" sz="2400" dirty="0"/>
+              <a:t> verticale per gestire l’ereditarietà.</a:t>
+            </a:r>
+          </a:p>
+          <a:p>
+            <a:endParaRPr lang="it-IT" sz="2400" dirty="0" smtClean="0"/>
           </a:p>
           <a:p>
             <a:pPr marL="342900" indent="-342900">
@@ -6088,7 +6290,56 @@
             </a:pPr>
             <a:r>
               <a:rPr lang="it-IT" sz="2400" dirty="0" smtClean="0"/>
-              <a:t>E’ stato scelto il </a:t>
+              <a:t>Un esempio concreto </a:t>
+            </a:r>
+            <a:r>
+              <a:rPr lang="it-IT" sz="2400" dirty="0" smtClean="0"/>
+              <a:t>(</a:t>
+            </a:r>
+            <a:r>
+              <a:rPr lang="it-IT" sz="2400" u="sng" dirty="0" smtClean="0"/>
+              <a:t>utente</a:t>
+            </a:r>
+            <a:r>
+              <a:rPr lang="it-IT" sz="2400" dirty="0" smtClean="0"/>
+              <a:t>) estesa </a:t>
+            </a:r>
+            <a:r>
+              <a:rPr lang="it-IT" sz="2400" dirty="0" smtClean="0"/>
+              <a:t>da </a:t>
+            </a:r>
+            <a:r>
+              <a:rPr lang="it-IT" sz="2400" dirty="0" smtClean="0"/>
+              <a:t>(</a:t>
+            </a:r>
+            <a:r>
+              <a:rPr lang="it-IT" sz="2400" u="sng" dirty="0" smtClean="0"/>
+              <a:t>genitore, </a:t>
+            </a:r>
+            <a:r>
+              <a:rPr lang="it-IT" sz="2400" u="sng" dirty="0" err="1" smtClean="0"/>
+              <a:t>psicopedagogo</a:t>
+            </a:r>
+            <a:r>
+              <a:rPr lang="it-IT" sz="2400" u="sng" dirty="0" smtClean="0"/>
+              <a:t>, tirocinante</a:t>
+            </a:r>
+            <a:r>
+              <a:rPr lang="it-IT" sz="2400" dirty="0" smtClean="0"/>
+              <a:t>……).</a:t>
+            </a:r>
+          </a:p>
+          <a:p>
+            <a:endParaRPr lang="it-IT" sz="2400" dirty="0"/>
+          </a:p>
+          <a:p>
+            <a:pPr marL="342900" indent="-342900">
+              <a:buFont typeface="Arial" pitchFamily="34" charset="0"/>
+              <a:buChar char="•"/>
+            </a:pPr>
+            <a:r>
+              <a:rPr lang="it-IT" sz="2400" dirty="0" smtClean="0"/>
+              <a:t>Necessità di un </a:t>
             </a:r>
             <a:r>
               <a:rPr lang="it-IT" sz="2400" dirty="0" err="1" smtClean="0"/>
@@ -6096,7 +6347,15 @@
             </a:r>
             <a:r>
               <a:rPr lang="it-IT" sz="2400" dirty="0" smtClean="0"/>
-              <a:t> verticale perché abbiamo lavorato con le classi specifiche servendoci appunto di attributi e metodi specifici.</a:t>
+              <a:t> </a:t>
+            </a:r>
+            <a:r>
+              <a:rPr lang="it-IT" sz="2400" dirty="0" smtClean="0"/>
+              <a:t>verticale </a:t>
+            </a:r>
+            <a:r>
+              <a:rPr lang="it-IT" sz="2400" dirty="0" smtClean="0"/>
+              <a:t>per lavorare con classi specifiche  e unificare attributi e metodi comuni.</a:t>
             </a:r>
             <a:endParaRPr lang="it-IT" sz="2400" dirty="0"/>
           </a:p>
@@ -6112,6 +6371,13 @@
   <p:clrMapOvr>
     <a:masterClrMapping/>
   </p:clrMapOvr>
+  <p:timing>
+    <p:tnLst>
+      <p:par>
+        <p:cTn id="1" dur="indefinite" restart="never" nodeType="tmRoot"/>
+      </p:par>
+    </p:tnLst>
+  </p:timing>
 </p:sld>
 </file>
 
@@ -6154,8 +6420,8 @@
         </p:blipFill>
         <p:spPr>
           <a:xfrm>
-            <a:off x="0" y="1"/>
-            <a:ext cx="9144000" cy="6858000"/>
+            <a:off x="0" y="0"/>
+            <a:ext cx="9144000" cy="6891163"/>
           </a:xfrm>
           <a:prstGeom prst="rect">
             <a:avLst/>
@@ -6172,6 +6438,13 @@
   <p:clrMapOvr>
     <a:masterClrMapping/>
   </p:clrMapOvr>
+  <p:timing>
+    <p:tnLst>
+      <p:par>
+        <p:cTn id="1" dur="indefinite" restart="never" nodeType="tmRoot"/>
+      </p:par>
+    </p:tnLst>
+  </p:timing>
 </p:sld>
 </file>
 
@@ -6230,109 +6503,6 @@
           </a:p>
         </p:txBody>
       </p:sp>
-      <p:sp>
-        <p:nvSpPr>
-          <p:cNvPr id="3" name="CasellaDiTesto 2"/>
-          <p:cNvSpPr txBox="1"/>
-          <p:nvPr/>
-        </p:nvSpPr>
-        <p:spPr>
-          <a:xfrm>
-            <a:off x="611560" y="1338446"/>
-            <a:ext cx="7632848" cy="3139321"/>
-          </a:xfrm>
-          <a:prstGeom prst="rect">
-            <a:avLst/>
-          </a:prstGeom>
-          <a:noFill/>
-        </p:spPr>
-        <p:txBody>
-          <a:bodyPr wrap="square" rtlCol="0">
-            <a:spAutoFit/>
-          </a:bodyPr>
-          <a:lstStyle/>
-          <a:p>
-            <a:r>
-              <a:rPr lang="it-IT" dirty="0" smtClean="0"/>
-              <a:t>L’implementazione è stata la fase di progettazione che ha ritardato la consegna del prodotto finale. Avendo creato un database iniziale, tutta l’implementazione è stata soggetta alle modifiche apportate alla base di dati. </a:t>
-            </a:r>
-          </a:p>
-          <a:p>
-            <a:r>
-              <a:rPr lang="it-IT" dirty="0"/>
-              <a:t>Durante questa fase sono state trovate delle sbavature commesse in fase di </a:t>
-            </a:r>
-            <a:r>
-              <a:rPr lang="it-IT" dirty="0" err="1" smtClean="0"/>
-              <a:t>mapping</a:t>
-            </a:r>
-            <a:r>
-              <a:rPr lang="it-IT" dirty="0"/>
-              <a:t> </a:t>
-            </a:r>
-            <a:r>
-              <a:rPr lang="it-IT" dirty="0" smtClean="0"/>
-              <a:t>che ci hanno portato a produrre una base di dati incompleta e in alcuni punti sbagliata.</a:t>
-            </a:r>
-          </a:p>
-          <a:p>
-            <a:endParaRPr lang="it-IT" dirty="0"/>
-          </a:p>
-          <a:p>
-            <a:pPr marL="285750" indent="-285750">
-              <a:buFont typeface="Arial" pitchFamily="34" charset="0"/>
-              <a:buChar char="•"/>
-            </a:pPr>
-            <a:r>
-              <a:rPr lang="it-IT" dirty="0" smtClean="0"/>
-              <a:t>Classe «Genitore» (Campi mancanti)</a:t>
-            </a:r>
-          </a:p>
-          <a:p>
-            <a:pPr marL="285750" indent="-285750">
-              <a:buFont typeface="Arial" pitchFamily="34" charset="0"/>
-              <a:buChar char="•"/>
-            </a:pPr>
-            <a:r>
-              <a:rPr lang="it-IT" dirty="0" smtClean="0"/>
-              <a:t>Modifiche dei tipi primitivi (numero civico da </a:t>
-            </a:r>
-            <a:r>
-              <a:rPr lang="it-IT" dirty="0" err="1" smtClean="0"/>
-              <a:t>int</a:t>
-            </a:r>
-            <a:r>
-              <a:rPr lang="it-IT" dirty="0" smtClean="0"/>
-              <a:t> a </a:t>
-            </a:r>
-            <a:r>
-              <a:rPr lang="it-IT" dirty="0" err="1" smtClean="0"/>
-              <a:t>String</a:t>
-            </a:r>
-            <a:r>
-              <a:rPr lang="it-IT" dirty="0" smtClean="0"/>
-              <a:t>)</a:t>
-            </a:r>
-          </a:p>
-          <a:p>
-            <a:pPr marL="285750" indent="-285750">
-              <a:buFont typeface="Arial" pitchFamily="34" charset="0"/>
-              <a:buChar char="•"/>
-            </a:pPr>
-            <a:r>
-              <a:rPr lang="it-IT" dirty="0" smtClean="0"/>
-              <a:t>Errori nel denominare campi e variabili</a:t>
-            </a:r>
-          </a:p>
-          <a:p>
-            <a:pPr marL="285750" indent="-285750">
-              <a:buFont typeface="Arial" pitchFamily="34" charset="0"/>
-              <a:buChar char="•"/>
-            </a:pPr>
-            <a:endParaRPr lang="it-IT" dirty="0"/>
-          </a:p>
-        </p:txBody>
-      </p:sp>
       <p:pic>
         <p:nvPicPr>
           <p:cNvPr id="5" name="Immagine 4"/>
@@ -6342,7 +6512,7 @@
           <p:nvPr/>
         </p:nvPicPr>
         <p:blipFill>
-          <a:blip r:embed="rId2">
+          <a:blip r:embed="rId3">
             <a:extLst>
               <a:ext uri="{28A0092B-C50C-407E-A947-70E740481C1C}">
                 <a14:useLocalDpi xmlns:a14="http://schemas.microsoft.com/office/drawing/2010/main" val="0"/>
@@ -6355,14 +6525,141 @@
         </p:blipFill>
         <p:spPr>
           <a:xfrm>
-            <a:off x="2072683" y="4489274"/>
-            <a:ext cx="4710602" cy="1760612"/>
+            <a:off x="1871865" y="3861046"/>
+            <a:ext cx="5430682" cy="2524839"/>
           </a:xfrm>
           <a:prstGeom prst="rect">
             <a:avLst/>
           </a:prstGeom>
         </p:spPr>
       </p:pic>
+      <p:sp>
+        <p:nvSpPr>
+          <p:cNvPr id="11" name="CasellaDiTesto 10"/>
+          <p:cNvSpPr txBox="1"/>
+          <p:nvPr/>
+        </p:nvSpPr>
+        <p:spPr>
+          <a:xfrm>
+            <a:off x="-1498376" y="1281295"/>
+            <a:ext cx="6430416" cy="369332"/>
+          </a:xfrm>
+          <a:prstGeom prst="rect">
+            <a:avLst/>
+          </a:prstGeom>
+          <a:noFill/>
+        </p:spPr>
+        <p:txBody>
+          <a:bodyPr wrap="square" rtlCol="0">
+            <a:spAutoFit/>
+          </a:bodyPr>
+          <a:lstStyle/>
+          <a:p>
+            <a:endParaRPr lang="it-IT" dirty="0"/>
+          </a:p>
+        </p:txBody>
+      </p:sp>
+      <p:sp>
+        <p:nvSpPr>
+          <p:cNvPr id="3" name="CasellaDiTesto 2"/>
+          <p:cNvSpPr txBox="1"/>
+          <p:nvPr/>
+        </p:nvSpPr>
+        <p:spPr>
+          <a:xfrm>
+            <a:off x="232560" y="1338446"/>
+            <a:ext cx="8709292" cy="2215991"/>
+          </a:xfrm>
+          <a:prstGeom prst="rect">
+            <a:avLst/>
+          </a:prstGeom>
+          <a:noFill/>
+        </p:spPr>
+        <p:txBody>
+          <a:bodyPr wrap="square" rtlCol="0">
+            <a:spAutoFit/>
+          </a:bodyPr>
+          <a:lstStyle/>
+          <a:p>
+            <a:pPr marL="342900" indent="-342900">
+              <a:buFont typeface="Wingdings" pitchFamily="2" charset="2"/>
+              <a:buChar char="v"/>
+            </a:pPr>
+            <a:r>
+              <a:rPr lang="it-IT" sz="2300" dirty="0" smtClean="0"/>
+              <a:t>Implementazione soggetta alle modifiche apportate al database</a:t>
+            </a:r>
+          </a:p>
+          <a:p>
+            <a:endParaRPr lang="it-IT" sz="2300" dirty="0" smtClean="0"/>
+          </a:p>
+          <a:p>
+            <a:pPr marL="342900" indent="-342900">
+              <a:buFont typeface="Arial" pitchFamily="34" charset="0"/>
+              <a:buChar char="•"/>
+            </a:pPr>
+            <a:r>
+              <a:rPr lang="it-IT" sz="2300" dirty="0" smtClean="0"/>
+              <a:t>Modifiche ai tipi dei dati (es. numero civico da </a:t>
+            </a:r>
+            <a:r>
+              <a:rPr lang="it-IT" sz="2300" dirty="0" err="1" smtClean="0"/>
+              <a:t>int</a:t>
+            </a:r>
+            <a:r>
+              <a:rPr lang="it-IT" sz="2300" dirty="0" smtClean="0"/>
+              <a:t> a </a:t>
+            </a:r>
+            <a:r>
+              <a:rPr lang="it-IT" sz="2300" dirty="0" err="1" smtClean="0"/>
+              <a:t>String</a:t>
+            </a:r>
+            <a:r>
+              <a:rPr lang="it-IT" sz="2300" dirty="0" smtClean="0"/>
+              <a:t>)</a:t>
+            </a:r>
+          </a:p>
+          <a:p>
+            <a:pPr marL="342900" indent="-342900">
+              <a:buFont typeface="Arial" pitchFamily="34" charset="0"/>
+              <a:buChar char="•"/>
+            </a:pPr>
+            <a:r>
+              <a:rPr lang="it-IT" sz="2300" dirty="0" smtClean="0"/>
+              <a:t>Sbavature commesse in fase di </a:t>
+            </a:r>
+            <a:r>
+              <a:rPr lang="it-IT" sz="2300" dirty="0" err="1" smtClean="0"/>
+              <a:t>mapping</a:t>
+            </a:r>
+            <a:r>
+              <a:rPr lang="it-IT" sz="2300" dirty="0" smtClean="0"/>
+              <a:t> (modifiche di associazioni)</a:t>
+            </a:r>
+          </a:p>
+          <a:p>
+            <a:pPr marL="342900" indent="-342900">
+              <a:buFont typeface="Arial" pitchFamily="34" charset="0"/>
+              <a:buChar char="•"/>
+            </a:pPr>
+            <a:r>
+              <a:rPr lang="it-IT" sz="2300" dirty="0" smtClean="0"/>
+              <a:t>Errori di nomenclatura (Convenzioni citate)</a:t>
+            </a:r>
+          </a:p>
+          <a:p>
+            <a:pPr marL="342900" indent="-342900">
+              <a:buFont typeface="Arial" pitchFamily="34" charset="0"/>
+              <a:buChar char="•"/>
+            </a:pPr>
+            <a:r>
+              <a:rPr lang="it-IT" sz="2300" dirty="0" smtClean="0"/>
+              <a:t>Campi mancanti (es. Genitore)</a:t>
+            </a:r>
+            <a:endParaRPr lang="it-IT" sz="2300" dirty="0"/>
+          </a:p>
+        </p:txBody>
+      </p:sp>
     </p:spTree>
     <p:extLst>
       <p:ext uri="{BB962C8B-B14F-4D97-AF65-F5344CB8AC3E}">
@@ -6373,6 +6670,13 @@
   <p:clrMapOvr>
     <a:masterClrMapping/>
   </p:clrMapOvr>
+  <p:timing>
+    <p:tnLst>
+      <p:par>
+        <p:cTn id="1" dur="indefinite" restart="never" nodeType="tmRoot"/>
+      </p:par>
+    </p:tnLst>
+  </p:timing>
 </p:sld>
 </file>
 

--- a/trunk/Presentazione/Atsilo2/Luigi/Luigi_PresentazioneFinale.pptx
+++ b/trunk/Presentazione/Atsilo2/Luigi/Luigi_PresentazioneFinale.pptx
@@ -170,7 +170,7 @@
 <file path=ppt/comments/comment5.xml><?xml version="1.0" encoding="utf-8"?>
 <p:cmLst xmlns:a="http://schemas.openxmlformats.org/drawingml/2006/main" xmlns:r="http://schemas.openxmlformats.org/officeDocument/2006/relationships" xmlns:p="http://schemas.openxmlformats.org/presentationml/2006/main">
   <p:cm authorId="0" dt="2012-12-30T15:07:25.502" idx="7">
-    <p:pos x="10" y="10"/>
+    <p:pos x="1" y="10"/>
     <p:text>Ti conviene mettere meno classi, ma più zoomate. Eventualmente, se i primi di Gennaio venite all'università, potrei portare il proiettore, così iniziamo a provare se è leggibile.</p:text>
   </p:cm>
 </p:cmLst>
@@ -4650,7 +4650,7 @@
         </p:nvGraphicFramePr>
         <p:xfrm>
           <a:off x="179512" y="5517232"/>
-          <a:ext cx="2051720" cy="1089471"/>
+          <a:ext cx="2051720" cy="1188720"/>
         </p:xfrm>
         <a:graphic>
           <a:graphicData uri="http://schemas.openxmlformats.org/drawingml/2006/table">
@@ -4774,7 +4774,7 @@
         </p:nvGraphicFramePr>
         <p:xfrm>
           <a:off x="6948264" y="5877272"/>
-          <a:ext cx="2051720" cy="726314"/>
+          <a:ext cx="2051720" cy="792480"/>
         </p:xfrm>
         <a:graphic>
           <a:graphicData uri="http://schemas.openxmlformats.org/drawingml/2006/table">
@@ -4899,7 +4899,121 @@
   <p:timing>
     <p:tnLst>
       <p:par>
-        <p:cTn id="1" dur="indefinite" restart="never" nodeType="tmRoot"/>
+        <p:cTn id="1" dur="indefinite" restart="never" nodeType="tmRoot">
+          <p:childTnLst>
+            <p:seq concurrent="1" nextAc="seek">
+              <p:cTn id="2" dur="indefinite" nodeType="mainSeq">
+                <p:childTnLst>
+                  <p:par>
+                    <p:cTn id="3" fill="hold">
+                      <p:stCondLst>
+                        <p:cond delay="indefinite"/>
+                      </p:stCondLst>
+                      <p:childTnLst>
+                        <p:par>
+                          <p:cTn id="4" fill="hold">
+                            <p:stCondLst>
+                              <p:cond delay="0"/>
+                            </p:stCondLst>
+                            <p:childTnLst>
+                              <p:par>
+                                <p:cTn id="5" presetID="2" presetClass="entr" presetSubtype="4" fill="hold" nodeType="clickEffect">
+                                  <p:stCondLst>
+                                    <p:cond delay="0"/>
+                                  </p:stCondLst>
+                                  <p:childTnLst>
+                                    <p:set>
+                                      <p:cBhvr>
+                                        <p:cTn id="6" dur="1" fill="hold">
+                                          <p:stCondLst>
+                                            <p:cond delay="0"/>
+                                          </p:stCondLst>
+                                        </p:cTn>
+                                        <p:tgtEl>
+                                          <p:spTgt spid="1027"/>
+                                        </p:tgtEl>
+                                        <p:attrNameLst>
+                                          <p:attrName>style.visibility</p:attrName>
+                                        </p:attrNameLst>
+                                      </p:cBhvr>
+                                      <p:to>
+                                        <p:strVal val="visible"/>
+                                      </p:to>
+                                    </p:set>
+                                    <p:anim calcmode="lin" valueType="num">
+                                      <p:cBhvr additive="base">
+                                        <p:cTn id="7" dur="500" fill="hold"/>
+                                        <p:tgtEl>
+                                          <p:spTgt spid="1027"/>
+                                        </p:tgtEl>
+                                        <p:attrNameLst>
+                                          <p:attrName>ppt_x</p:attrName>
+                                        </p:attrNameLst>
+                                      </p:cBhvr>
+                                      <p:tavLst>
+                                        <p:tav tm="0">
+                                          <p:val>
+                                            <p:strVal val="#ppt_x"/>
+                                          </p:val>
+                                        </p:tav>
+                                        <p:tav tm="100000">
+                                          <p:val>
+                                            <p:strVal val="#ppt_x"/>
+                                          </p:val>
+                                        </p:tav>
+                                      </p:tavLst>
+                                    </p:anim>
+                                    <p:anim calcmode="lin" valueType="num">
+                                      <p:cBhvr additive="base">
+                                        <p:cTn id="8" dur="500" fill="hold"/>
+                                        <p:tgtEl>
+                                          <p:spTgt spid="1027"/>
+                                        </p:tgtEl>
+                                        <p:attrNameLst>
+                                          <p:attrName>ppt_y</p:attrName>
+                                        </p:attrNameLst>
+                                      </p:cBhvr>
+                                      <p:tavLst>
+                                        <p:tav tm="0">
+                                          <p:val>
+                                            <p:strVal val="1+#ppt_h/2"/>
+                                          </p:val>
+                                        </p:tav>
+                                        <p:tav tm="100000">
+                                          <p:val>
+                                            <p:strVal val="#ppt_y"/>
+                                          </p:val>
+                                        </p:tav>
+                                      </p:tavLst>
+                                    </p:anim>
+                                  </p:childTnLst>
+                                </p:cTn>
+                              </p:par>
+                            </p:childTnLst>
+                          </p:cTn>
+                        </p:par>
+                      </p:childTnLst>
+                    </p:cTn>
+                  </p:par>
+                </p:childTnLst>
+              </p:cTn>
+              <p:prevCondLst>
+                <p:cond evt="onPrev" delay="0">
+                  <p:tgtEl>
+                    <p:sldTgt/>
+                  </p:tgtEl>
+                </p:cond>
+              </p:prevCondLst>
+              <p:nextCondLst>
+                <p:cond evt="onNext" delay="0">
+                  <p:tgtEl>
+                    <p:sldTgt/>
+                  </p:tgtEl>
+                </p:cond>
+              </p:nextCondLst>
+            </p:seq>
+          </p:childTnLst>
+        </p:cTn>
       </p:par>
     </p:tnLst>
   </p:timing>
@@ -4952,9 +5066,6 @@
               </a:rPr>
               <a:t>Aspetti positivi </a:t>
             </a:r>
-            <a:endParaRPr lang="it-IT" sz="3200" b="1" dirty="0" smtClean="0">
-              <a:latin typeface="+mj-lt"/>
-            </a:endParaRPr>
           </a:p>
           <a:p>
             <a:pPr algn="ctr"/>
@@ -4973,7 +5084,7 @@
         <p:spPr>
           <a:xfrm>
             <a:off x="395536" y="1338446"/>
-            <a:ext cx="8064896" cy="2246769"/>
+            <a:ext cx="8064896" cy="3354765"/>
           </a:xfrm>
           <a:prstGeom prst="rect">
             <a:avLst/>
@@ -4987,13 +5098,18 @@
           <a:lstStyle/>
           <a:p>
             <a:pPr marL="342900" indent="-342900">
-              <a:buFont typeface="Arial" pitchFamily="34" charset="0"/>
-              <a:buChar char="•"/>
+              <a:buFont typeface="Wingdings" pitchFamily="2" charset="2"/>
+              <a:buChar char="v"/>
             </a:pPr>
             <a:r>
               <a:rPr lang="it-IT" sz="2400" dirty="0" smtClean="0"/>
-              <a:t>Implementate le funzionalità ad alta priorità.</a:t>
-            </a:r>
+              <a:t>Implementate le funzionalità ad alta </a:t>
+            </a:r>
+            <a:r>
+              <a:rPr lang="it-IT" sz="2400" dirty="0" smtClean="0"/>
+              <a:t>priorità nonostante i problemi incontrati.</a:t>
+            </a:r>
+            <a:endParaRPr lang="it-IT" sz="2400" dirty="0" smtClean="0"/>
           </a:p>
           <a:p>
             <a:pPr marL="342900" indent="-342900">
@@ -5004,13 +5120,14 @@
           </a:p>
           <a:p>
             <a:pPr marL="342900" indent="-342900">
-              <a:buFont typeface="Arial" pitchFamily="34" charset="0"/>
-              <a:buChar char="•"/>
+              <a:buFont typeface="Wingdings" pitchFamily="2" charset="2"/>
+              <a:buChar char="v"/>
             </a:pPr>
             <a:r>
               <a:rPr lang="it-IT" sz="2400" dirty="0" smtClean="0"/>
-              <a:t>Implementare in gruppo contando sul lavoro altrui. </a:t>
-            </a:r>
+              <a:t>Ottenuta una buona manutenibilità grazie alla specializzazione delle classi.</a:t>
+            </a:r>
+            <a:endParaRPr lang="it-IT" sz="2400" dirty="0" smtClean="0"/>
           </a:p>
           <a:p>
             <a:pPr marL="342900" indent="-342900">
@@ -5024,10 +5141,14 @@
               <a:buFont typeface="Arial" pitchFamily="34" charset="0"/>
               <a:buChar char="•"/>
             </a:pPr>
-            <a:r>
-              <a:rPr lang="it-IT" sz="2400" dirty="0" smtClean="0"/>
-              <a:t>Affrontare e gestire i problemi che si presentano.</a:t>
-            </a:r>
+            <a:endParaRPr lang="it-IT" sz="2400" dirty="0" smtClean="0"/>
+          </a:p>
+          <a:p>
+            <a:pPr marL="342900" indent="-342900">
+              <a:buFont typeface="Arial" pitchFamily="34" charset="0"/>
+              <a:buChar char="•"/>
+            </a:pPr>
+            <a:endParaRPr lang="it-IT" sz="2400" dirty="0" smtClean="0"/>
           </a:p>
           <a:p>
             <a:endParaRPr lang="it-IT" sz="2000" dirty="0" smtClean="0"/>
@@ -5056,8 +5177,8 @@
         </p:blipFill>
         <p:spPr>
           <a:xfrm>
-            <a:off x="3419872" y="3455293"/>
-            <a:ext cx="4699000" cy="3314700"/>
+            <a:off x="3778771" y="3513759"/>
+            <a:ext cx="4681661" cy="3302469"/>
           </a:xfrm>
           <a:prstGeom prst="rect">
             <a:avLst/>
@@ -5074,6 +5195,89 @@
   <p:clrMapOvr>
     <a:masterClrMapping/>
   </p:clrMapOvr>
+  <p:timing>
+    <p:tnLst>
+      <p:par>
+        <p:cTn id="1" dur="indefinite" restart="never" nodeType="tmRoot">
+          <p:childTnLst>
+            <p:seq concurrent="1" nextAc="seek">
+              <p:cTn id="2" dur="indefinite" nodeType="mainSeq">
+                <p:childTnLst>
+                  <p:par>
+                    <p:cTn id="3" fill="hold">
+                      <p:stCondLst>
+                        <p:cond delay="indefinite"/>
+                      </p:stCondLst>
+                      <p:childTnLst>
+                        <p:par>
+                          <p:cTn id="4" fill="hold">
+                            <p:stCondLst>
+                              <p:cond delay="0"/>
+                            </p:stCondLst>
+                            <p:childTnLst>
+                              <p:par>
+                                <p:cTn id="5" presetID="14" presetClass="entr" presetSubtype="10" fill="hold" nodeType="clickEffect">
+                                  <p:stCondLst>
+                                    <p:cond delay="0"/>
+                                  </p:stCondLst>
+                                  <p:childTnLst>
+                                    <p:set>
+                                      <p:cBhvr>
+                                        <p:cTn id="6" dur="1" fill="hold">
+                                          <p:stCondLst>
+                                            <p:cond delay="0"/>
+                                          </p:stCondLst>
+                                        </p:cTn>
+                                        <p:tgtEl>
+                                          <p:spTgt spid="4"/>
+                                        </p:tgtEl>
+                                        <p:attrNameLst>
+                                          <p:attrName>style.visibility</p:attrName>
+                                        </p:attrNameLst>
+                                      </p:cBhvr>
+                                      <p:to>
+                                        <p:strVal val="visible"/>
+                                      </p:to>
+                                    </p:set>
+                                    <p:animEffect transition="in" filter="randombar(horizontal)">
+                                      <p:cBhvr>
+                                        <p:cTn id="7" dur="500"/>
+                                        <p:tgtEl>
+                                          <p:spTgt spid="4"/>
+                                        </p:tgtEl>
+                                      </p:cBhvr>
+                                    </p:animEffect>
+                                  </p:childTnLst>
+                                </p:cTn>
+                              </p:par>
+                            </p:childTnLst>
+                          </p:cTn>
+                        </p:par>
+                      </p:childTnLst>
+                    </p:cTn>
+                  </p:par>
+                </p:childTnLst>
+              </p:cTn>
+              <p:prevCondLst>
+                <p:cond evt="onPrev" delay="0">
+                  <p:tgtEl>
+                    <p:sldTgt/>
+                  </p:tgtEl>
+                </p:cond>
+              </p:prevCondLst>
+              <p:nextCondLst>
+                <p:cond evt="onNext" delay="0">
+                  <p:tgtEl>
+                    <p:sldTgt/>
+                  </p:tgtEl>
+                </p:cond>
+              </p:nextCondLst>
+            </p:seq>
+          </p:childTnLst>
+        </p:cTn>
+      </p:par>
+    </p:tnLst>
+  </p:timing>
 </p:sld>
 </file>
 
@@ -5324,10 +5528,6 @@
             </a:lvl9pPr>
           </a:lstStyle>
           <a:p>
-            <a:pPr>
-              <a:buFont typeface="Arial" pitchFamily="34" charset="0"/>
-              <a:buChar char="•"/>
-            </a:pPr>
             <a:r>
               <a:rPr lang="en-US" sz="2400" dirty="0" smtClean="0"/>
               <a:t>La </a:t>
@@ -5380,7 +5580,6 @@
               <a:rPr lang="en-US" sz="2400" dirty="0" smtClean="0"/>
               <a:t> “Forward engineering”.  </a:t>
             </a:r>
-            <a:endParaRPr lang="en-US" sz="2400" dirty="0" smtClean="0"/>
           </a:p>
           <a:p>
             <a:pPr>
@@ -5390,10 +5589,6 @@
             <a:endParaRPr lang="en-US" sz="2400" dirty="0" smtClean="0"/>
           </a:p>
           <a:p>
-            <a:pPr>
-              <a:buFont typeface="Arial" pitchFamily="34" charset="0"/>
-              <a:buChar char="•"/>
-            </a:pPr>
             <a:r>
               <a:rPr lang="en-US" sz="2400" dirty="0" smtClean="0"/>
               <a:t>Si è </a:t>
@@ -5554,7 +5749,129 @@
   <p:timing>
     <p:tnLst>
       <p:par>
-        <p:cTn id="1" dur="indefinite" restart="never" nodeType="tmRoot"/>
+        <p:cTn id="1" dur="indefinite" restart="never" nodeType="tmRoot">
+          <p:childTnLst>
+            <p:seq concurrent="1" nextAc="seek">
+              <p:cTn id="2" dur="indefinite" nodeType="mainSeq">
+                <p:childTnLst>
+                  <p:par>
+                    <p:cTn id="3" fill="hold">
+                      <p:stCondLst>
+                        <p:cond delay="indefinite"/>
+                      </p:stCondLst>
+                      <p:childTnLst>
+                        <p:par>
+                          <p:cTn id="4" fill="hold">
+                            <p:stCondLst>
+                              <p:cond delay="0"/>
+                            </p:stCondLst>
+                            <p:childTnLst>
+                              <p:par>
+                                <p:cTn id="5" presetID="42" presetClass="entr" presetSubtype="0" fill="hold" nodeType="clickEffect">
+                                  <p:stCondLst>
+                                    <p:cond delay="0"/>
+                                  </p:stCondLst>
+                                  <p:childTnLst>
+                                    <p:set>
+                                      <p:cBhvr>
+                                        <p:cTn id="6" dur="1" fill="hold">
+                                          <p:stCondLst>
+                                            <p:cond delay="0"/>
+                                          </p:stCondLst>
+                                        </p:cTn>
+                                        <p:tgtEl>
+                                          <p:spTgt spid="3"/>
+                                        </p:tgtEl>
+                                        <p:attrNameLst>
+                                          <p:attrName>style.visibility</p:attrName>
+                                        </p:attrNameLst>
+                                      </p:cBhvr>
+                                      <p:to>
+                                        <p:strVal val="visible"/>
+                                      </p:to>
+                                    </p:set>
+                                    <p:animEffect transition="in" filter="fade">
+                                      <p:cBhvr>
+                                        <p:cTn id="7" dur="1000"/>
+                                        <p:tgtEl>
+                                          <p:spTgt spid="3"/>
+                                        </p:tgtEl>
+                                      </p:cBhvr>
+                                    </p:animEffect>
+                                    <p:anim calcmode="lin" valueType="num">
+                                      <p:cBhvr>
+                                        <p:cTn id="8" dur="1000" fill="hold"/>
+                                        <p:tgtEl>
+                                          <p:spTgt spid="3"/>
+                                        </p:tgtEl>
+                                        <p:attrNameLst>
+                                          <p:attrName>ppt_x</p:attrName>
+                                        </p:attrNameLst>
+                                      </p:cBhvr>
+                                      <p:tavLst>
+                                        <p:tav tm="0">
+                                          <p:val>
+                                            <p:strVal val="#ppt_x"/>
+                                          </p:val>
+                                        </p:tav>
+                                        <p:tav tm="100000">
+                                          <p:val>
+                                            <p:strVal val="#ppt_x"/>
+                                          </p:val>
+                                        </p:tav>
+                                      </p:tavLst>
+                                    </p:anim>
+                                    <p:anim calcmode="lin" valueType="num">
+                                      <p:cBhvr>
+                                        <p:cTn id="9" dur="1000" fill="hold"/>
+                                        <p:tgtEl>
+                                          <p:spTgt spid="3"/>
+                                        </p:tgtEl>
+                                        <p:attrNameLst>
+                                          <p:attrName>ppt_y</p:attrName>
+                                        </p:attrNameLst>
+                                      </p:cBhvr>
+                                      <p:tavLst>
+                                        <p:tav tm="0">
+                                          <p:val>
+                                            <p:strVal val="#ppt_y+.1"/>
+                                          </p:val>
+                                        </p:tav>
+                                        <p:tav tm="100000">
+                                          <p:val>
+                                            <p:strVal val="#ppt_y"/>
+                                          </p:val>
+                                        </p:tav>
+                                      </p:tavLst>
+                                    </p:anim>
+                                  </p:childTnLst>
+                                </p:cTn>
+                              </p:par>
+                            </p:childTnLst>
+                          </p:cTn>
+                        </p:par>
+                      </p:childTnLst>
+                    </p:cTn>
+                  </p:par>
+                </p:childTnLst>
+              </p:cTn>
+              <p:prevCondLst>
+                <p:cond evt="onPrev" delay="0">
+                  <p:tgtEl>
+                    <p:sldTgt/>
+                  </p:tgtEl>
+                </p:cond>
+              </p:prevCondLst>
+              <p:nextCondLst>
+                <p:cond evt="onNext" delay="0">
+                  <p:tgtEl>
+                    <p:sldTgt/>
+                  </p:tgtEl>
+                </p:cond>
+              </p:nextCondLst>
+            </p:seq>
+          </p:childTnLst>
+        </p:cTn>
       </p:par>
     </p:tnLst>
   </p:timing>
@@ -5641,9 +5958,9 @@
             <a:endParaRPr lang="it-IT" sz="2300" dirty="0"/>
           </a:p>
           <a:p>
-            <a:pPr marL="285750" indent="-285750">
-              <a:buFont typeface="Arial" pitchFamily="34" charset="0"/>
-              <a:buChar char="•"/>
+            <a:pPr marL="342900" indent="-342900">
+              <a:buFont typeface="Wingdings" pitchFamily="2" charset="2"/>
+              <a:buChar char="v"/>
             </a:pPr>
             <a:r>
               <a:rPr lang="it-IT" sz="2300" dirty="0" smtClean="0"/>
@@ -5658,9 +5975,9 @@
             <a:endParaRPr lang="it-IT" sz="2300" dirty="0" smtClean="0"/>
           </a:p>
           <a:p>
-            <a:pPr marL="285750" indent="-285750">
-              <a:buFont typeface="Arial" pitchFamily="34" charset="0"/>
-              <a:buChar char="•"/>
+            <a:pPr marL="342900" indent="-342900">
+              <a:buFont typeface="Wingdings" pitchFamily="2" charset="2"/>
+              <a:buChar char="v"/>
             </a:pPr>
             <a:r>
               <a:rPr lang="it-IT" sz="2300" dirty="0" smtClean="0"/>
@@ -5675,9 +5992,9 @@
             <a:endParaRPr lang="it-IT" sz="2300" dirty="0" smtClean="0"/>
           </a:p>
           <a:p>
-            <a:pPr marL="285750" indent="-285750">
-              <a:buFont typeface="Arial" pitchFamily="34" charset="0"/>
-              <a:buChar char="•"/>
+            <a:pPr marL="342900" indent="-342900">
+              <a:buFont typeface="Wingdings" pitchFamily="2" charset="2"/>
+              <a:buChar char="v"/>
             </a:pPr>
             <a:r>
               <a:rPr lang="it-IT" sz="2300" dirty="0" smtClean="0"/>
@@ -5700,9 +6017,9 @@
             <a:endParaRPr lang="it-IT" sz="2300" dirty="0"/>
           </a:p>
           <a:p>
-            <a:pPr marL="285750" indent="-285750">
-              <a:buFont typeface="Arial" pitchFamily="34" charset="0"/>
-              <a:buChar char="•"/>
+            <a:pPr marL="342900" indent="-342900">
+              <a:buFont typeface="Wingdings" pitchFamily="2" charset="2"/>
+              <a:buChar char="v"/>
             </a:pPr>
             <a:r>
               <a:rPr lang="it-IT" sz="2300" dirty="0" smtClean="0"/>
@@ -5738,9 +6055,88 @@
   <p:timing>
     <p:tnLst>
       <p:par>
-        <p:cTn id="1" dur="indefinite" restart="never" nodeType="tmRoot"/>
+        <p:cTn id="1" dur="indefinite" restart="never" nodeType="tmRoot">
+          <p:childTnLst>
+            <p:seq concurrent="1" nextAc="seek">
+              <p:cTn id="2" dur="indefinite" nodeType="mainSeq">
+                <p:childTnLst>
+                  <p:par>
+                    <p:cTn id="3" fill="hold">
+                      <p:stCondLst>
+                        <p:cond delay="indefinite"/>
+                      </p:stCondLst>
+                      <p:childTnLst>
+                        <p:par>
+                          <p:cTn id="4" fill="hold">
+                            <p:stCondLst>
+                              <p:cond delay="0"/>
+                            </p:stCondLst>
+                            <p:childTnLst>
+                              <p:par>
+                                <p:cTn id="5" presetID="6" presetClass="entr" presetSubtype="16" fill="hold" grpId="0" nodeType="clickEffect">
+                                  <p:stCondLst>
+                                    <p:cond delay="0"/>
+                                  </p:stCondLst>
+                                  <p:childTnLst>
+                                    <p:set>
+                                      <p:cBhvr>
+                                        <p:cTn id="6" dur="1" fill="hold">
+                                          <p:stCondLst>
+                                            <p:cond delay="0"/>
+                                          </p:stCondLst>
+                                        </p:cTn>
+                                        <p:tgtEl>
+                                          <p:spTgt spid="4"/>
+                                        </p:tgtEl>
+                                        <p:attrNameLst>
+                                          <p:attrName>style.visibility</p:attrName>
+                                        </p:attrNameLst>
+                                      </p:cBhvr>
+                                      <p:to>
+                                        <p:strVal val="visible"/>
+                                      </p:to>
+                                    </p:set>
+                                    <p:animEffect transition="in" filter="circle(in)">
+                                      <p:cBhvr>
+                                        <p:cTn id="7" dur="2000"/>
+                                        <p:tgtEl>
+                                          <p:spTgt spid="4"/>
+                                        </p:tgtEl>
+                                      </p:cBhvr>
+                                    </p:animEffect>
+                                  </p:childTnLst>
+                                </p:cTn>
+                              </p:par>
+                            </p:childTnLst>
+                          </p:cTn>
+                        </p:par>
+                      </p:childTnLst>
+                    </p:cTn>
+                  </p:par>
+                </p:childTnLst>
+              </p:cTn>
+              <p:prevCondLst>
+                <p:cond evt="onPrev" delay="0">
+                  <p:tgtEl>
+                    <p:sldTgt/>
+                  </p:tgtEl>
+                </p:cond>
+              </p:prevCondLst>
+              <p:nextCondLst>
+                <p:cond evt="onNext" delay="0">
+                  <p:tgtEl>
+                    <p:sldTgt/>
+                  </p:tgtEl>
+                </p:cond>
+              </p:nextCondLst>
+            </p:seq>
+          </p:childTnLst>
+        </p:cTn>
       </p:par>
     </p:tnLst>
+    <p:bldLst>
+      <p:bldP spid="4" grpId="0"/>
+    </p:bldLst>
   </p:timing>
 </p:sld>
 </file>
@@ -5823,8 +6219,8 @@
           <a:lstStyle/>
           <a:p>
             <a:pPr marL="342900" indent="-342900">
-              <a:buFont typeface="Arial" pitchFamily="34" charset="0"/>
-              <a:buChar char="•"/>
+              <a:buFont typeface="Wingdings" pitchFamily="2" charset="2"/>
+              <a:buChar char="v"/>
             </a:pPr>
             <a:r>
               <a:rPr lang="it-IT" sz="2200" dirty="0" smtClean="0"/>
@@ -5877,7 +6273,129 @@
   <p:timing>
     <p:tnLst>
       <p:par>
-        <p:cTn id="1" dur="indefinite" restart="never" nodeType="tmRoot"/>
+        <p:cTn id="1" dur="indefinite" restart="never" nodeType="tmRoot">
+          <p:childTnLst>
+            <p:seq concurrent="1" nextAc="seek">
+              <p:cTn id="2" dur="indefinite" nodeType="mainSeq">
+                <p:childTnLst>
+                  <p:par>
+                    <p:cTn id="3" fill="hold">
+                      <p:stCondLst>
+                        <p:cond delay="indefinite"/>
+                      </p:stCondLst>
+                      <p:childTnLst>
+                        <p:par>
+                          <p:cTn id="4" fill="hold">
+                            <p:stCondLst>
+                              <p:cond delay="0"/>
+                            </p:stCondLst>
+                            <p:childTnLst>
+                              <p:par>
+                                <p:cTn id="5" presetID="45" presetClass="entr" presetSubtype="0" fill="hold" nodeType="clickEffect">
+                                  <p:stCondLst>
+                                    <p:cond delay="0"/>
+                                  </p:stCondLst>
+                                  <p:childTnLst>
+                                    <p:set>
+                                      <p:cBhvr>
+                                        <p:cTn id="6" dur="1" fill="hold">
+                                          <p:stCondLst>
+                                            <p:cond delay="0"/>
+                                          </p:stCondLst>
+                                        </p:cTn>
+                                        <p:tgtEl>
+                                          <p:spTgt spid="3"/>
+                                        </p:tgtEl>
+                                        <p:attrNameLst>
+                                          <p:attrName>style.visibility</p:attrName>
+                                        </p:attrNameLst>
+                                      </p:cBhvr>
+                                      <p:to>
+                                        <p:strVal val="visible"/>
+                                      </p:to>
+                                    </p:set>
+                                    <p:animEffect transition="in" filter="fade">
+                                      <p:cBhvr>
+                                        <p:cTn id="7" dur="2000"/>
+                                        <p:tgtEl>
+                                          <p:spTgt spid="3"/>
+                                        </p:tgtEl>
+                                      </p:cBhvr>
+                                    </p:animEffect>
+                                    <p:anim calcmode="lin" valueType="num">
+                                      <p:cBhvr>
+                                        <p:cTn id="8" dur="2000" fill="hold"/>
+                                        <p:tgtEl>
+                                          <p:spTgt spid="3"/>
+                                        </p:tgtEl>
+                                        <p:attrNameLst>
+                                          <p:attrName>ppt_w</p:attrName>
+                                        </p:attrNameLst>
+                                      </p:cBhvr>
+                                      <p:tavLst>
+                                        <p:tav tm="0" fmla="#ppt_w*sin(2.5*pi*$)">
+                                          <p:val>
+                                            <p:fltVal val="0"/>
+                                          </p:val>
+                                        </p:tav>
+                                        <p:tav tm="100000">
+                                          <p:val>
+                                            <p:fltVal val="1"/>
+                                          </p:val>
+                                        </p:tav>
+                                      </p:tavLst>
+                                    </p:anim>
+                                    <p:anim calcmode="lin" valueType="num">
+                                      <p:cBhvr>
+                                        <p:cTn id="9" dur="2000" fill="hold"/>
+                                        <p:tgtEl>
+                                          <p:spTgt spid="3"/>
+                                        </p:tgtEl>
+                                        <p:attrNameLst>
+                                          <p:attrName>ppt_h</p:attrName>
+                                        </p:attrNameLst>
+                                      </p:cBhvr>
+                                      <p:tavLst>
+                                        <p:tav tm="0">
+                                          <p:val>
+                                            <p:strVal val="#ppt_h"/>
+                                          </p:val>
+                                        </p:tav>
+                                        <p:tav tm="100000">
+                                          <p:val>
+                                            <p:strVal val="#ppt_h"/>
+                                          </p:val>
+                                        </p:tav>
+                                      </p:tavLst>
+                                    </p:anim>
+                                  </p:childTnLst>
+                                </p:cTn>
+                              </p:par>
+                            </p:childTnLst>
+                          </p:cTn>
+                        </p:par>
+                      </p:childTnLst>
+                    </p:cTn>
+                  </p:par>
+                </p:childTnLst>
+              </p:cTn>
+              <p:prevCondLst>
+                <p:cond evt="onPrev" delay="0">
+                  <p:tgtEl>
+                    <p:sldTgt/>
+                  </p:tgtEl>
+                </p:cond>
+              </p:prevCondLst>
+              <p:nextCondLst>
+                <p:cond evt="onNext" delay="0">
+                  <p:tgtEl>
+                    <p:sldTgt/>
+                  </p:tgtEl>
+                </p:cond>
+              </p:nextCondLst>
+            </p:seq>
+          </p:childTnLst>
+        </p:cTn>
       </p:par>
     </p:tnLst>
   </p:timing>
@@ -5961,9 +6479,9 @@
           </a:bodyPr>
           <a:lstStyle/>
           <a:p>
-            <a:pPr marL="285750" indent="-285750">
-              <a:buFont typeface="Arial" pitchFamily="34" charset="0"/>
-              <a:buChar char="•"/>
+            <a:pPr marL="342900" indent="-342900">
+              <a:buFont typeface="Wingdings" pitchFamily="2" charset="2"/>
+              <a:buChar char="v"/>
             </a:pPr>
             <a:r>
               <a:rPr lang="it-IT" sz="2200" dirty="0"/>
@@ -6020,7 +6538,121 @@
   <p:timing>
     <p:tnLst>
       <p:par>
-        <p:cTn id="1" dur="indefinite" restart="never" nodeType="tmRoot"/>
+        <p:cTn id="1" dur="indefinite" restart="never" nodeType="tmRoot">
+          <p:childTnLst>
+            <p:seq concurrent="1" nextAc="seek">
+              <p:cTn id="2" dur="indefinite" nodeType="mainSeq">
+                <p:childTnLst>
+                  <p:par>
+                    <p:cTn id="3" fill="hold">
+                      <p:stCondLst>
+                        <p:cond delay="indefinite"/>
+                      </p:stCondLst>
+                      <p:childTnLst>
+                        <p:par>
+                          <p:cTn id="4" fill="hold">
+                            <p:stCondLst>
+                              <p:cond delay="0"/>
+                            </p:stCondLst>
+                            <p:childTnLst>
+                              <p:par>
+                                <p:cTn id="5" presetID="2" presetClass="entr" presetSubtype="4" fill="hold" nodeType="clickEffect">
+                                  <p:stCondLst>
+                                    <p:cond delay="0"/>
+                                  </p:stCondLst>
+                                  <p:childTnLst>
+                                    <p:set>
+                                      <p:cBhvr>
+                                        <p:cTn id="6" dur="1" fill="hold">
+                                          <p:stCondLst>
+                                            <p:cond delay="0"/>
+                                          </p:stCondLst>
+                                        </p:cTn>
+                                        <p:tgtEl>
+                                          <p:spTgt spid="5"/>
+                                        </p:tgtEl>
+                                        <p:attrNameLst>
+                                          <p:attrName>style.visibility</p:attrName>
+                                        </p:attrNameLst>
+                                      </p:cBhvr>
+                                      <p:to>
+                                        <p:strVal val="visible"/>
+                                      </p:to>
+                                    </p:set>
+                                    <p:anim calcmode="lin" valueType="num">
+                                      <p:cBhvr additive="base">
+                                        <p:cTn id="7" dur="500" fill="hold"/>
+                                        <p:tgtEl>
+                                          <p:spTgt spid="5"/>
+                                        </p:tgtEl>
+                                        <p:attrNameLst>
+                                          <p:attrName>ppt_x</p:attrName>
+                                        </p:attrNameLst>
+                                      </p:cBhvr>
+                                      <p:tavLst>
+                                        <p:tav tm="0">
+                                          <p:val>
+                                            <p:strVal val="#ppt_x"/>
+                                          </p:val>
+                                        </p:tav>
+                                        <p:tav tm="100000">
+                                          <p:val>
+                                            <p:strVal val="#ppt_x"/>
+                                          </p:val>
+                                        </p:tav>
+                                      </p:tavLst>
+                                    </p:anim>
+                                    <p:anim calcmode="lin" valueType="num">
+                                      <p:cBhvr additive="base">
+                                        <p:cTn id="8" dur="500" fill="hold"/>
+                                        <p:tgtEl>
+                                          <p:spTgt spid="5"/>
+                                        </p:tgtEl>
+                                        <p:attrNameLst>
+                                          <p:attrName>ppt_y</p:attrName>
+                                        </p:attrNameLst>
+                                      </p:cBhvr>
+                                      <p:tavLst>
+                                        <p:tav tm="0">
+                                          <p:val>
+                                            <p:strVal val="1+#ppt_h/2"/>
+                                          </p:val>
+                                        </p:tav>
+                                        <p:tav tm="100000">
+                                          <p:val>
+                                            <p:strVal val="#ppt_y"/>
+                                          </p:val>
+                                        </p:tav>
+                                      </p:tavLst>
+                                    </p:anim>
+                                  </p:childTnLst>
+                                </p:cTn>
+                              </p:par>
+                            </p:childTnLst>
+                          </p:cTn>
+                        </p:par>
+                      </p:childTnLst>
+                    </p:cTn>
+                  </p:par>
+                </p:childTnLst>
+              </p:cTn>
+              <p:prevCondLst>
+                <p:cond evt="onPrev" delay="0">
+                  <p:tgtEl>
+                    <p:sldTgt/>
+                  </p:tgtEl>
+                </p:cond>
+              </p:prevCondLst>
+              <p:nextCondLst>
+                <p:cond evt="onNext" delay="0">
+                  <p:tgtEl>
+                    <p:sldTgt/>
+                  </p:tgtEl>
+                </p:cond>
+              </p:nextCondLst>
+            </p:seq>
+          </p:childTnLst>
+        </p:cTn>
       </p:par>
     </p:tnLst>
   </p:timing>
@@ -6104,9 +6736,9 @@
           </a:bodyPr>
           <a:lstStyle/>
           <a:p>
-            <a:pPr marL="285750" indent="-285750">
-              <a:buFont typeface="Arial" pitchFamily="34" charset="0"/>
-              <a:buChar char="•"/>
+            <a:pPr marL="342900" indent="-342900">
+              <a:buFont typeface="Wingdings" pitchFamily="2" charset="2"/>
+              <a:buChar char="v"/>
             </a:pPr>
             <a:r>
               <a:rPr lang="it-IT" sz="2200" dirty="0"/>
@@ -6251,8 +6883,8 @@
           </a:p>
           <a:p>
             <a:pPr marL="342900" indent="-342900">
-              <a:buFont typeface="Arial" pitchFamily="34" charset="0"/>
-              <a:buChar char="•"/>
+              <a:buFont typeface="Wingdings" pitchFamily="2" charset="2"/>
+              <a:buChar char="v"/>
             </a:pPr>
             <a:r>
               <a:rPr lang="it-IT" sz="2400" dirty="0" smtClean="0"/>
@@ -6261,40 +6893,40 @@
           </a:p>
           <a:p>
             <a:endParaRPr lang="it-IT" sz="2400" dirty="0" smtClean="0"/>
+          </a:p>
+          <a:p>
+            <a:pPr marL="342900" indent="-342900">
+              <a:buFont typeface="Wingdings" pitchFamily="2" charset="2"/>
+              <a:buChar char="v"/>
+            </a:pPr>
+            <a:r>
+              <a:rPr lang="it-IT" sz="2400" dirty="0" smtClean="0"/>
+              <a:t>E’ stato scelto un </a:t>
+            </a:r>
+            <a:r>
+              <a:rPr lang="it-IT" sz="2400" dirty="0" err="1" smtClean="0"/>
+              <a:t>mapping</a:t>
+            </a:r>
+            <a:r>
+              <a:rPr lang="it-IT" sz="2400" dirty="0" smtClean="0"/>
+              <a:t> verticale per suddividere le funzionalità comuni da quelle specifiche in modo da semplificare l’implementazione e sfruttare al meglio il concetto di programmazione orientata ad oggetti.</a:t>
+            </a:r>
           </a:p>
           <a:p>
             <a:pPr marL="342900" indent="-342900">
               <a:buFont typeface="Arial" pitchFamily="34" charset="0"/>
               <a:buChar char="•"/>
             </a:pPr>
-            <a:r>
-              <a:rPr lang="it-IT" sz="2400" dirty="0" err="1"/>
-              <a:t>M</a:t>
-            </a:r>
-            <a:r>
-              <a:rPr lang="it-IT" sz="2400" dirty="0" err="1" smtClean="0"/>
-              <a:t>apping</a:t>
-            </a:r>
+            <a:endParaRPr lang="it-IT" sz="2400" dirty="0" smtClean="0"/>
+          </a:p>
+          <a:p>
+            <a:pPr marL="342900" indent="-342900">
+              <a:buFont typeface="Wingdings" pitchFamily="2" charset="2"/>
+              <a:buChar char="v"/>
+            </a:pPr>
             <a:r>
               <a:rPr lang="it-IT" sz="2400" dirty="0" smtClean="0"/>
-              <a:t> verticale per gestire l’ereditarietà.</a:t>
-            </a:r>
-          </a:p>
-          <a:p>
-            <a:endParaRPr lang="it-IT" sz="2400" dirty="0" smtClean="0"/>
-          </a:p>
-          <a:p>
-            <a:pPr marL="342900" indent="-342900">
-              <a:buFont typeface="Arial" pitchFamily="34" charset="0"/>
-              <a:buChar char="•"/>
-            </a:pPr>
-            <a:r>
-              <a:rPr lang="it-IT" sz="2400" dirty="0" smtClean="0"/>
-              <a:t>Un esempio concreto </a:t>
-            </a:r>
-            <a:r>
-              <a:rPr lang="it-IT" sz="2400" dirty="0" smtClean="0"/>
-              <a:t>(</a:t>
+              <a:t>Un esempio concreto (</a:t>
             </a:r>
             <a:r>
               <a:rPr lang="it-IT" sz="2400" u="sng" dirty="0" smtClean="0"/>
@@ -6302,15 +6934,7 @@
             </a:r>
             <a:r>
               <a:rPr lang="it-IT" sz="2400" dirty="0" smtClean="0"/>
-              <a:t>) estesa </a:t>
-            </a:r>
-            <a:r>
-              <a:rPr lang="it-IT" sz="2400" dirty="0" smtClean="0"/>
-              <a:t>da </a:t>
-            </a:r>
-            <a:r>
-              <a:rPr lang="it-IT" sz="2400" dirty="0" smtClean="0"/>
-              <a:t>(</a:t>
+              <a:t>) estesa da (</a:t>
             </a:r>
             <a:r>
               <a:rPr lang="it-IT" sz="2400" u="sng" dirty="0" smtClean="0"/>
@@ -6328,36 +6952,7 @@
               <a:rPr lang="it-IT" sz="2400" dirty="0" smtClean="0"/>
               <a:t>……).</a:t>
             </a:r>
-          </a:p>
-          <a:p>
-            <a:endParaRPr lang="it-IT" sz="2400" dirty="0"/>
-          </a:p>
-          <a:p>
-            <a:pPr marL="342900" indent="-342900">
-              <a:buFont typeface="Arial" pitchFamily="34" charset="0"/>
-              <a:buChar char="•"/>
-            </a:pPr>
-            <a:r>
-              <a:rPr lang="it-IT" sz="2400" dirty="0" smtClean="0"/>
-              <a:t>Necessità di un </a:t>
-            </a:r>
-            <a:r>
-              <a:rPr lang="it-IT" sz="2400" dirty="0" err="1" smtClean="0"/>
-              <a:t>mapping</a:t>
-            </a:r>
-            <a:r>
-              <a:rPr lang="it-IT" sz="2400" dirty="0" smtClean="0"/>
-              <a:t> </a:t>
-            </a:r>
-            <a:r>
-              <a:rPr lang="it-IT" sz="2400" dirty="0" smtClean="0"/>
-              <a:t>verticale </a:t>
-            </a:r>
-            <a:r>
-              <a:rPr lang="it-IT" sz="2400" dirty="0" smtClean="0"/>
-              <a:t>per lavorare con classi specifiche  e unificare attributi e metodi comuni.</a:t>
-            </a:r>
-            <a:endParaRPr lang="it-IT" sz="2400" dirty="0"/>
+            <a:endParaRPr lang="it-IT" sz="2400" dirty="0" smtClean="0"/>
           </a:p>
         </p:txBody>
       </p:sp>
@@ -6595,8 +7190,8 @@
           </a:p>
           <a:p>
             <a:pPr marL="342900" indent="-342900">
-              <a:buFont typeface="Arial" pitchFamily="34" charset="0"/>
-              <a:buChar char="•"/>
+              <a:buFont typeface="Wingdings" pitchFamily="2" charset="2"/>
+              <a:buChar char="v"/>
             </a:pPr>
             <a:r>
               <a:rPr lang="it-IT" sz="2300" dirty="0" smtClean="0"/>
@@ -6621,8 +7216,8 @@
           </a:p>
           <a:p>
             <a:pPr marL="342900" indent="-342900">
-              <a:buFont typeface="Arial" pitchFamily="34" charset="0"/>
-              <a:buChar char="•"/>
+              <a:buFont typeface="Wingdings" pitchFamily="2" charset="2"/>
+              <a:buChar char="v"/>
             </a:pPr>
             <a:r>
               <a:rPr lang="it-IT" sz="2300" dirty="0" smtClean="0"/>
@@ -6639,8 +7234,8 @@
           </a:p>
           <a:p>
             <a:pPr marL="342900" indent="-342900">
-              <a:buFont typeface="Arial" pitchFamily="34" charset="0"/>
-              <a:buChar char="•"/>
+              <a:buFont typeface="Wingdings" pitchFamily="2" charset="2"/>
+              <a:buChar char="v"/>
             </a:pPr>
             <a:r>
               <a:rPr lang="it-IT" sz="2300" dirty="0" smtClean="0"/>
@@ -6649,8 +7244,8 @@
           </a:p>
           <a:p>
             <a:pPr marL="342900" indent="-342900">
-              <a:buFont typeface="Arial" pitchFamily="34" charset="0"/>
-              <a:buChar char="•"/>
+              <a:buFont typeface="Wingdings" pitchFamily="2" charset="2"/>
+              <a:buChar char="v"/>
             </a:pPr>
             <a:r>
               <a:rPr lang="it-IT" sz="2300" dirty="0" smtClean="0"/>
@@ -6673,7 +7268,83 @@
   <p:timing>
     <p:tnLst>
       <p:par>
-        <p:cTn id="1" dur="indefinite" restart="never" nodeType="tmRoot"/>
+        <p:cTn id="1" dur="indefinite" restart="never" nodeType="tmRoot">
+          <p:childTnLst>
+            <p:seq concurrent="1" nextAc="seek">
+              <p:cTn id="2" dur="indefinite" nodeType="mainSeq">
+                <p:childTnLst>
+                  <p:par>
+                    <p:cTn id="3" fill="hold">
+                      <p:stCondLst>
+                        <p:cond delay="indefinite"/>
+                      </p:stCondLst>
+                      <p:childTnLst>
+                        <p:par>
+                          <p:cTn id="4" fill="hold">
+                            <p:stCondLst>
+                              <p:cond delay="0"/>
+                            </p:stCondLst>
+                            <p:childTnLst>
+                              <p:par>
+                                <p:cTn id="5" presetID="21" presetClass="entr" presetSubtype="1" fill="hold" nodeType="clickEffect">
+                                  <p:stCondLst>
+                                    <p:cond delay="0"/>
+                                  </p:stCondLst>
+                                  <p:childTnLst>
+                                    <p:set>
+                                      <p:cBhvr>
+                                        <p:cTn id="6" dur="1" fill="hold">
+                                          <p:stCondLst>
+                                            <p:cond delay="0"/>
+                                          </p:stCondLst>
+                                        </p:cTn>
+                                        <p:tgtEl>
+                                          <p:spTgt spid="5"/>
+                                        </p:tgtEl>
+                                        <p:attrNameLst>
+                                          <p:attrName>style.visibility</p:attrName>
+                                        </p:attrNameLst>
+                                      </p:cBhvr>
+                                      <p:to>
+                                        <p:strVal val="visible"/>
+                                      </p:to>
+                                    </p:set>
+                                    <p:animEffect transition="in" filter="wheel(1)">
+                                      <p:cBhvr>
+                                        <p:cTn id="7" dur="2000"/>
+                                        <p:tgtEl>
+                                          <p:spTgt spid="5"/>
+                                        </p:tgtEl>
+                                      </p:cBhvr>
+                                    </p:animEffect>
+                                  </p:childTnLst>
+                                </p:cTn>
+                              </p:par>
+                            </p:childTnLst>
+                          </p:cTn>
+                        </p:par>
+                      </p:childTnLst>
+                    </p:cTn>
+                  </p:par>
+                </p:childTnLst>
+              </p:cTn>
+              <p:prevCondLst>
+                <p:cond evt="onPrev" delay="0">
+                  <p:tgtEl>
+                    <p:sldTgt/>
+                  </p:tgtEl>
+                </p:cond>
+              </p:prevCondLst>
+              <p:nextCondLst>
+                <p:cond evt="onNext" delay="0">
+                  <p:tgtEl>
+                    <p:sldTgt/>
+                  </p:tgtEl>
+                </p:cond>
+              </p:nextCondLst>
+            </p:seq>
+          </p:childTnLst>
+        </p:cTn>
       </p:par>
     </p:tnLst>
   </p:timing>

--- a/trunk/Presentazione/Atsilo2/Luigi/Luigi_PresentazioneFinale.pptx
+++ b/trunk/Presentazione/Atsilo2/Luigi/Luigi_PresentazioneFinale.pptx
@@ -123,57 +123,6 @@
 <p:cmAuthorLst xmlns:a="http://schemas.openxmlformats.org/drawingml/2006/main" xmlns:r="http://schemas.openxmlformats.org/officeDocument/2006/relationships" xmlns:p="http://schemas.openxmlformats.org/presentationml/2006/main">
   <p:cmAuthor id="0" name="Giulio" initials="GF" lastIdx="7" clrIdx="0"/>
 </p:cmAuthorLst>
-</file>
-
-<file path=ppt/comments/comment1.xml><?xml version="1.0" encoding="utf-8"?>
-<p:cmLst xmlns:a="http://schemas.openxmlformats.org/drawingml/2006/main" xmlns:r="http://schemas.openxmlformats.org/officeDocument/2006/relationships" xmlns:p="http://schemas.openxmlformats.org/presentationml/2006/main">
-  <p:cm authorId="0" dt="2012-12-30T14:51:20.928" idx="1">
-    <p:pos x="1963" y="1355"/>
-    <p:text>engineering con 2 e</p:text>
-  </p:cm>
-  <p:cm authorId="0" dt="2012-12-30T14:52:12.551" idx="2">
-    <p:pos x="5127" y="1582"/>
-    <p:text>Il db lo avete iniziato a fare dal SDD</p:text>
-  </p:cm>
-</p:cmLst>
-</file>
-
-<file path=ppt/comments/comment2.xml><?xml version="1.0" encoding="utf-8"?>
-<p:cmLst xmlns:a="http://schemas.openxmlformats.org/drawingml/2006/main" xmlns:r="http://schemas.openxmlformats.org/officeDocument/2006/relationships" xmlns:p="http://schemas.openxmlformats.org/presentationml/2006/main">
-  <p:cm authorId="0" dt="2012-12-30T14:53:02.823" idx="3">
-    <p:pos x="10" y="10"/>
-    <p:text>E' interessante, ma non so se altri lo dicono già. Controlla le bozze degli altri.</p:text>
-  </p:cm>
-</p:cmLst>
-</file>
-
-<file path=ppt/comments/comment3.xml><?xml version="1.0" encoding="utf-8"?>
-<p:cmLst xmlns:a="http://schemas.openxmlformats.org/drawingml/2006/main" xmlns:r="http://schemas.openxmlformats.org/officeDocument/2006/relationships" xmlns:p="http://schemas.openxmlformats.org/presentationml/2006/main">
-  <p:cm authorId="0" dt="2012-12-30T14:55:09.304" idx="4">
-    <p:pos x="1" y="10"/>
-    <p:text>Cerca di essere più schematico. Se vuoi dire qualcosa, ma non lo vuoi mettere sulla slide, lo puoi scrivere sotto, nell'area delle note, che compaiono solo a te in fase di presentazione.
-Devi trattare anche le associazioni 1-n
-Per tutti i tipi di mapping, fai anche qualche esempio, con ER astratto, ER di basso livello, e UML dell'implementazione.</p:text>
-  </p:cm>
-</p:cmLst>
-</file>
-
-<file path=ppt/comments/comment4.xml><?xml version="1.0" encoding="utf-8"?>
-<p:cmLst xmlns:a="http://schemas.openxmlformats.org/drawingml/2006/main" xmlns:r="http://schemas.openxmlformats.org/officeDocument/2006/relationships" xmlns:p="http://schemas.openxmlformats.org/presentationml/2006/main">
-  <p:cm authorId="0" dt="2012-12-30T14:56:19.819" idx="5">
-    <p:pos x="10" y="10"/>
-    <p:text>Anche qui, per l'esempio, basati su diagrammi a vari livelli (qui puoi partire addirittura dalla gerarchia iniziale degli attori, e far vedere tutta l'evoluzione).</p:text>
-  </p:cm>
-</p:cmLst>
-</file>
-
-<file path=ppt/comments/comment5.xml><?xml version="1.0" encoding="utf-8"?>
-<p:cmLst xmlns:a="http://schemas.openxmlformats.org/drawingml/2006/main" xmlns:r="http://schemas.openxmlformats.org/officeDocument/2006/relationships" xmlns:p="http://schemas.openxmlformats.org/presentationml/2006/main">
-  <p:cm authorId="0" dt="2012-12-30T15:07:25.502" idx="7">
-    <p:pos x="1" y="10"/>
-    <p:text>Ti conviene mettere meno classi, ma più zoomate. Eventualmente, se i primi di Gennaio venite all'università, potrei portare il proiettore, così iniziamo a provare se è leggibile.</p:text>
-  </p:cm>
-</p:cmLst>
 </file>
 
 <file path=ppt/notesMasters/notesMaster1.xml><?xml version="1.0" encoding="utf-8"?>
@@ -5103,13 +5052,8 @@
             </a:pPr>
             <a:r>
               <a:rPr lang="it-IT" sz="2400" dirty="0" smtClean="0"/>
-              <a:t>Implementate le funzionalità ad alta </a:t>
-            </a:r>
-            <a:r>
-              <a:rPr lang="it-IT" sz="2400" dirty="0" smtClean="0"/>
-              <a:t>priorità nonostante i problemi incontrati.</a:t>
-            </a:r>
-            <a:endParaRPr lang="it-IT" sz="2400" dirty="0" smtClean="0"/>
+              <a:t>Implementate le funzionalità ad alta priorità nonostante i problemi incontrati.</a:t>
+            </a:r>
           </a:p>
           <a:p>
             <a:pPr marL="342900" indent="-342900">
@@ -5127,7 +5071,6 @@
               <a:rPr lang="it-IT" sz="2400" dirty="0" smtClean="0"/>
               <a:t>Ottenuta una buona manutenibilità grazie alla specializzazione delle classi.</a:t>
             </a:r>
-            <a:endParaRPr lang="it-IT" sz="2400" dirty="0" smtClean="0"/>
           </a:p>
           <a:p>
             <a:pPr marL="342900" indent="-342900">
@@ -5198,83 +5141,7 @@
   <p:timing>
     <p:tnLst>
       <p:par>
-        <p:cTn id="1" dur="indefinite" restart="never" nodeType="tmRoot">
-          <p:childTnLst>
-            <p:seq concurrent="1" nextAc="seek">
-              <p:cTn id="2" dur="indefinite" nodeType="mainSeq">
-                <p:childTnLst>
-                  <p:par>
-                    <p:cTn id="3" fill="hold">
-                      <p:stCondLst>
-                        <p:cond delay="indefinite"/>
-                      </p:stCondLst>
-                      <p:childTnLst>
-                        <p:par>
-                          <p:cTn id="4" fill="hold">
-                            <p:stCondLst>
-                              <p:cond delay="0"/>
-                            </p:stCondLst>
-                            <p:childTnLst>
-                              <p:par>
-                                <p:cTn id="5" presetID="14" presetClass="entr" presetSubtype="10" fill="hold" nodeType="clickEffect">
-                                  <p:stCondLst>
-                                    <p:cond delay="0"/>
-                                  </p:stCondLst>
-                                  <p:childTnLst>
-                                    <p:set>
-                                      <p:cBhvr>
-                                        <p:cTn id="6" dur="1" fill="hold">
-                                          <p:stCondLst>
-                                            <p:cond delay="0"/>
-                                          </p:stCondLst>
-                                        </p:cTn>
-                                        <p:tgtEl>
-                                          <p:spTgt spid="4"/>
-                                        </p:tgtEl>
-                                        <p:attrNameLst>
-                                          <p:attrName>style.visibility</p:attrName>
-                                        </p:attrNameLst>
-                                      </p:cBhvr>
-                                      <p:to>
-                                        <p:strVal val="visible"/>
-                                      </p:to>
-                                    </p:set>
-                                    <p:animEffect transition="in" filter="randombar(horizontal)">
-                                      <p:cBhvr>
-                                        <p:cTn id="7" dur="500"/>
-                                        <p:tgtEl>
-                                          <p:spTgt spid="4"/>
-                                        </p:tgtEl>
-                                      </p:cBhvr>
-                                    </p:animEffect>
-                                  </p:childTnLst>
-                                </p:cTn>
-                              </p:par>
-                            </p:childTnLst>
-                          </p:cTn>
-                        </p:par>
-                      </p:childTnLst>
-                    </p:cTn>
-                  </p:par>
-                </p:childTnLst>
-              </p:cTn>
-              <p:prevCondLst>
-                <p:cond evt="onPrev" delay="0">
-                  <p:tgtEl>
-                    <p:sldTgt/>
-                  </p:tgtEl>
-                </p:cond>
-              </p:prevCondLst>
-              <p:nextCondLst>
-                <p:cond evt="onNext" delay="0">
-                  <p:tgtEl>
-                    <p:sldTgt/>
-                  </p:tgtEl>
-                </p:cond>
-              </p:nextCondLst>
-            </p:seq>
-          </p:childTnLst>
-        </p:cTn>
+        <p:cTn id="1" dur="indefinite" restart="never" nodeType="tmRoot"/>
       </p:par>
     </p:tnLst>
   </p:timing>
@@ -5749,129 +5616,7 @@
   <p:timing>
     <p:tnLst>
       <p:par>
-        <p:cTn id="1" dur="indefinite" restart="never" nodeType="tmRoot">
-          <p:childTnLst>
-            <p:seq concurrent="1" nextAc="seek">
-              <p:cTn id="2" dur="indefinite" nodeType="mainSeq">
-                <p:childTnLst>
-                  <p:par>
-                    <p:cTn id="3" fill="hold">
-                      <p:stCondLst>
-                        <p:cond delay="indefinite"/>
-                      </p:stCondLst>
-                      <p:childTnLst>
-                        <p:par>
-                          <p:cTn id="4" fill="hold">
-                            <p:stCondLst>
-                              <p:cond delay="0"/>
-                            </p:stCondLst>
-                            <p:childTnLst>
-                              <p:par>
-                                <p:cTn id="5" presetID="42" presetClass="entr" presetSubtype="0" fill="hold" nodeType="clickEffect">
-                                  <p:stCondLst>
-                                    <p:cond delay="0"/>
-                                  </p:stCondLst>
-                                  <p:childTnLst>
-                                    <p:set>
-                                      <p:cBhvr>
-                                        <p:cTn id="6" dur="1" fill="hold">
-                                          <p:stCondLst>
-                                            <p:cond delay="0"/>
-                                          </p:stCondLst>
-                                        </p:cTn>
-                                        <p:tgtEl>
-                                          <p:spTgt spid="3"/>
-                                        </p:tgtEl>
-                                        <p:attrNameLst>
-                                          <p:attrName>style.visibility</p:attrName>
-                                        </p:attrNameLst>
-                                      </p:cBhvr>
-                                      <p:to>
-                                        <p:strVal val="visible"/>
-                                      </p:to>
-                                    </p:set>
-                                    <p:animEffect transition="in" filter="fade">
-                                      <p:cBhvr>
-                                        <p:cTn id="7" dur="1000"/>
-                                        <p:tgtEl>
-                                          <p:spTgt spid="3"/>
-                                        </p:tgtEl>
-                                      </p:cBhvr>
-                                    </p:animEffect>
-                                    <p:anim calcmode="lin" valueType="num">
-                                      <p:cBhvr>
-                                        <p:cTn id="8" dur="1000" fill="hold"/>
-                                        <p:tgtEl>
-                                          <p:spTgt spid="3"/>
-                                        </p:tgtEl>
-                                        <p:attrNameLst>
-                                          <p:attrName>ppt_x</p:attrName>
-                                        </p:attrNameLst>
-                                      </p:cBhvr>
-                                      <p:tavLst>
-                                        <p:tav tm="0">
-                                          <p:val>
-                                            <p:strVal val="#ppt_x"/>
-                                          </p:val>
-                                        </p:tav>
-                                        <p:tav tm="100000">
-                                          <p:val>
-                                            <p:strVal val="#ppt_x"/>
-                                          </p:val>
-                                        </p:tav>
-                                      </p:tavLst>
-                                    </p:anim>
-                                    <p:anim calcmode="lin" valueType="num">
-                                      <p:cBhvr>
-                                        <p:cTn id="9" dur="1000" fill="hold"/>
-                                        <p:tgtEl>
-                                          <p:spTgt spid="3"/>
-                                        </p:tgtEl>
-                                        <p:attrNameLst>
-                                          <p:attrName>ppt_y</p:attrName>
-                                        </p:attrNameLst>
-                                      </p:cBhvr>
-                                      <p:tavLst>
-                                        <p:tav tm="0">
-                                          <p:val>
-                                            <p:strVal val="#ppt_y+.1"/>
-                                          </p:val>
-                                        </p:tav>
-                                        <p:tav tm="100000">
-                                          <p:val>
-                                            <p:strVal val="#ppt_y"/>
-                                          </p:val>
-                                        </p:tav>
-                                      </p:tavLst>
-                                    </p:anim>
-                                  </p:childTnLst>
-                                </p:cTn>
-                              </p:par>
-                            </p:childTnLst>
-                          </p:cTn>
-                        </p:par>
-                      </p:childTnLst>
-                    </p:cTn>
-                  </p:par>
-                </p:childTnLst>
-              </p:cTn>
-              <p:prevCondLst>
-                <p:cond evt="onPrev" delay="0">
-                  <p:tgtEl>
-                    <p:sldTgt/>
-                  </p:tgtEl>
-                </p:cond>
-              </p:prevCondLst>
-              <p:nextCondLst>
-                <p:cond evt="onNext" delay="0">
-                  <p:tgtEl>
-                    <p:sldTgt/>
-                  </p:tgtEl>
-                </p:cond>
-              </p:nextCondLst>
-            </p:seq>
-          </p:childTnLst>
-        </p:cTn>
+        <p:cTn id="1" dur="indefinite" restart="never" nodeType="tmRoot"/>
       </p:par>
     </p:tnLst>
   </p:timing>
@@ -6055,88 +5800,9 @@
   <p:timing>
     <p:tnLst>
       <p:par>
-        <p:cTn id="1" dur="indefinite" restart="never" nodeType="tmRoot">
-          <p:childTnLst>
-            <p:seq concurrent="1" nextAc="seek">
-              <p:cTn id="2" dur="indefinite" nodeType="mainSeq">
-                <p:childTnLst>
-                  <p:par>
-                    <p:cTn id="3" fill="hold">
-                      <p:stCondLst>
-                        <p:cond delay="indefinite"/>
-                      </p:stCondLst>
-                      <p:childTnLst>
-                        <p:par>
-                          <p:cTn id="4" fill="hold">
-                            <p:stCondLst>
-                              <p:cond delay="0"/>
-                            </p:stCondLst>
-                            <p:childTnLst>
-                              <p:par>
-                                <p:cTn id="5" presetID="6" presetClass="entr" presetSubtype="16" fill="hold" grpId="0" nodeType="clickEffect">
-                                  <p:stCondLst>
-                                    <p:cond delay="0"/>
-                                  </p:stCondLst>
-                                  <p:childTnLst>
-                                    <p:set>
-                                      <p:cBhvr>
-                                        <p:cTn id="6" dur="1" fill="hold">
-                                          <p:stCondLst>
-                                            <p:cond delay="0"/>
-                                          </p:stCondLst>
-                                        </p:cTn>
-                                        <p:tgtEl>
-                                          <p:spTgt spid="4"/>
-                                        </p:tgtEl>
-                                        <p:attrNameLst>
-                                          <p:attrName>style.visibility</p:attrName>
-                                        </p:attrNameLst>
-                                      </p:cBhvr>
-                                      <p:to>
-                                        <p:strVal val="visible"/>
-                                      </p:to>
-                                    </p:set>
-                                    <p:animEffect transition="in" filter="circle(in)">
-                                      <p:cBhvr>
-                                        <p:cTn id="7" dur="2000"/>
-                                        <p:tgtEl>
-                                          <p:spTgt spid="4"/>
-                                        </p:tgtEl>
-                                      </p:cBhvr>
-                                    </p:animEffect>
-                                  </p:childTnLst>
-                                </p:cTn>
-                              </p:par>
-                            </p:childTnLst>
-                          </p:cTn>
-                        </p:par>
-                      </p:childTnLst>
-                    </p:cTn>
-                  </p:par>
-                </p:childTnLst>
-              </p:cTn>
-              <p:prevCondLst>
-                <p:cond evt="onPrev" delay="0">
-                  <p:tgtEl>
-                    <p:sldTgt/>
-                  </p:tgtEl>
-                </p:cond>
-              </p:prevCondLst>
-              <p:nextCondLst>
-                <p:cond evt="onNext" delay="0">
-                  <p:tgtEl>
-                    <p:sldTgt/>
-                  </p:tgtEl>
-                </p:cond>
-              </p:nextCondLst>
-            </p:seq>
-          </p:childTnLst>
-        </p:cTn>
+        <p:cTn id="1" dur="indefinite" restart="never" nodeType="tmRoot"/>
       </p:par>
     </p:tnLst>
-    <p:bldLst>
-      <p:bldP spid="4" grpId="0"/>
-    </p:bldLst>
   </p:timing>
 </p:sld>
 </file>
@@ -6273,129 +5939,7 @@
   <p:timing>
     <p:tnLst>
       <p:par>
-        <p:cTn id="1" dur="indefinite" restart="never" nodeType="tmRoot">
-          <p:childTnLst>
-            <p:seq concurrent="1" nextAc="seek">
-              <p:cTn id="2" dur="indefinite" nodeType="mainSeq">
-                <p:childTnLst>
-                  <p:par>
-                    <p:cTn id="3" fill="hold">
-                      <p:stCondLst>
-                        <p:cond delay="indefinite"/>
-                      </p:stCondLst>
-                      <p:childTnLst>
-                        <p:par>
-                          <p:cTn id="4" fill="hold">
-                            <p:stCondLst>
-                              <p:cond delay="0"/>
-                            </p:stCondLst>
-                            <p:childTnLst>
-                              <p:par>
-                                <p:cTn id="5" presetID="45" presetClass="entr" presetSubtype="0" fill="hold" nodeType="clickEffect">
-                                  <p:stCondLst>
-                                    <p:cond delay="0"/>
-                                  </p:stCondLst>
-                                  <p:childTnLst>
-                                    <p:set>
-                                      <p:cBhvr>
-                                        <p:cTn id="6" dur="1" fill="hold">
-                                          <p:stCondLst>
-                                            <p:cond delay="0"/>
-                                          </p:stCondLst>
-                                        </p:cTn>
-                                        <p:tgtEl>
-                                          <p:spTgt spid="3"/>
-                                        </p:tgtEl>
-                                        <p:attrNameLst>
-                                          <p:attrName>style.visibility</p:attrName>
-                                        </p:attrNameLst>
-                                      </p:cBhvr>
-                                      <p:to>
-                                        <p:strVal val="visible"/>
-                                      </p:to>
-                                    </p:set>
-                                    <p:animEffect transition="in" filter="fade">
-                                      <p:cBhvr>
-                                        <p:cTn id="7" dur="2000"/>
-                                        <p:tgtEl>
-                                          <p:spTgt spid="3"/>
-                                        </p:tgtEl>
-                                      </p:cBhvr>
-                                    </p:animEffect>
-                                    <p:anim calcmode="lin" valueType="num">
-                                      <p:cBhvr>
-                                        <p:cTn id="8" dur="2000" fill="hold"/>
-                                        <p:tgtEl>
-                                          <p:spTgt spid="3"/>
-                                        </p:tgtEl>
-                                        <p:attrNameLst>
-                                          <p:attrName>ppt_w</p:attrName>
-                                        </p:attrNameLst>
-                                      </p:cBhvr>
-                                      <p:tavLst>
-                                        <p:tav tm="0" fmla="#ppt_w*sin(2.5*pi*$)">
-                                          <p:val>
-                                            <p:fltVal val="0"/>
-                                          </p:val>
-                                        </p:tav>
-                                        <p:tav tm="100000">
-                                          <p:val>
-                                            <p:fltVal val="1"/>
-                                          </p:val>
-                                        </p:tav>
-                                      </p:tavLst>
-                                    </p:anim>
-                                    <p:anim calcmode="lin" valueType="num">
-                                      <p:cBhvr>
-                                        <p:cTn id="9" dur="2000" fill="hold"/>
-                                        <p:tgtEl>
-                                          <p:spTgt spid="3"/>
-                                        </p:tgtEl>
-                                        <p:attrNameLst>
-                                          <p:attrName>ppt_h</p:attrName>
-                                        </p:attrNameLst>
-                                      </p:cBhvr>
-                                      <p:tavLst>
-                                        <p:tav tm="0">
-                                          <p:val>
-                                            <p:strVal val="#ppt_h"/>
-                                          </p:val>
-                                        </p:tav>
-                                        <p:tav tm="100000">
-                                          <p:val>
-                                            <p:strVal val="#ppt_h"/>
-                                          </p:val>
-                                        </p:tav>
-                                      </p:tavLst>
-                                    </p:anim>
-                                  </p:childTnLst>
-                                </p:cTn>
-                              </p:par>
-                            </p:childTnLst>
-                          </p:cTn>
-                        </p:par>
-                      </p:childTnLst>
-                    </p:cTn>
-                  </p:par>
-                </p:childTnLst>
-              </p:cTn>
-              <p:prevCondLst>
-                <p:cond evt="onPrev" delay="0">
-                  <p:tgtEl>
-                    <p:sldTgt/>
-                  </p:tgtEl>
-                </p:cond>
-              </p:prevCondLst>
-              <p:nextCondLst>
-                <p:cond evt="onNext" delay="0">
-                  <p:tgtEl>
-                    <p:sldTgt/>
-                  </p:tgtEl>
-                </p:cond>
-              </p:nextCondLst>
-            </p:seq>
-          </p:childTnLst>
-        </p:cTn>
+        <p:cTn id="1" dur="indefinite" restart="never" nodeType="tmRoot"/>
       </p:par>
     </p:tnLst>
   </p:timing>
@@ -6538,121 +6082,7 @@
   <p:timing>
     <p:tnLst>
       <p:par>
-        <p:cTn id="1" dur="indefinite" restart="never" nodeType="tmRoot">
-          <p:childTnLst>
-            <p:seq concurrent="1" nextAc="seek">
-              <p:cTn id="2" dur="indefinite" nodeType="mainSeq">
-                <p:childTnLst>
-                  <p:par>
-                    <p:cTn id="3" fill="hold">
-                      <p:stCondLst>
-                        <p:cond delay="indefinite"/>
-                      </p:stCondLst>
-                      <p:childTnLst>
-                        <p:par>
-                          <p:cTn id="4" fill="hold">
-                            <p:stCondLst>
-                              <p:cond delay="0"/>
-                            </p:stCondLst>
-                            <p:childTnLst>
-                              <p:par>
-                                <p:cTn id="5" presetID="2" presetClass="entr" presetSubtype="4" fill="hold" nodeType="clickEffect">
-                                  <p:stCondLst>
-                                    <p:cond delay="0"/>
-                                  </p:stCondLst>
-                                  <p:childTnLst>
-                                    <p:set>
-                                      <p:cBhvr>
-                                        <p:cTn id="6" dur="1" fill="hold">
-                                          <p:stCondLst>
-                                            <p:cond delay="0"/>
-                                          </p:stCondLst>
-                                        </p:cTn>
-                                        <p:tgtEl>
-                                          <p:spTgt spid="5"/>
-                                        </p:tgtEl>
-                                        <p:attrNameLst>
-                                          <p:attrName>style.visibility</p:attrName>
-                                        </p:attrNameLst>
-                                      </p:cBhvr>
-                                      <p:to>
-                                        <p:strVal val="visible"/>
-                                      </p:to>
-                                    </p:set>
-                                    <p:anim calcmode="lin" valueType="num">
-                                      <p:cBhvr additive="base">
-                                        <p:cTn id="7" dur="500" fill="hold"/>
-                                        <p:tgtEl>
-                                          <p:spTgt spid="5"/>
-                                        </p:tgtEl>
-                                        <p:attrNameLst>
-                                          <p:attrName>ppt_x</p:attrName>
-                                        </p:attrNameLst>
-                                      </p:cBhvr>
-                                      <p:tavLst>
-                                        <p:tav tm="0">
-                                          <p:val>
-                                            <p:strVal val="#ppt_x"/>
-                                          </p:val>
-                                        </p:tav>
-                                        <p:tav tm="100000">
-                                          <p:val>
-                                            <p:strVal val="#ppt_x"/>
-                                          </p:val>
-                                        </p:tav>
-                                      </p:tavLst>
-                                    </p:anim>
-                                    <p:anim calcmode="lin" valueType="num">
-                                      <p:cBhvr additive="base">
-                                        <p:cTn id="8" dur="500" fill="hold"/>
-                                        <p:tgtEl>
-                                          <p:spTgt spid="5"/>
-                                        </p:tgtEl>
-                                        <p:attrNameLst>
-                                          <p:attrName>ppt_y</p:attrName>
-                                        </p:attrNameLst>
-                                      </p:cBhvr>
-                                      <p:tavLst>
-                                        <p:tav tm="0">
-                                          <p:val>
-                                            <p:strVal val="1+#ppt_h/2"/>
-                                          </p:val>
-                                        </p:tav>
-                                        <p:tav tm="100000">
-                                          <p:val>
-                                            <p:strVal val="#ppt_y"/>
-                                          </p:val>
-                                        </p:tav>
-                                      </p:tavLst>
-                                    </p:anim>
-                                  </p:childTnLst>
-                                </p:cTn>
-                              </p:par>
-                            </p:childTnLst>
-                          </p:cTn>
-                        </p:par>
-                      </p:childTnLst>
-                    </p:cTn>
-                  </p:par>
-                </p:childTnLst>
-              </p:cTn>
-              <p:prevCondLst>
-                <p:cond evt="onPrev" delay="0">
-                  <p:tgtEl>
-                    <p:sldTgt/>
-                  </p:tgtEl>
-                </p:cond>
-              </p:prevCondLst>
-              <p:nextCondLst>
-                <p:cond evt="onNext" delay="0">
-                  <p:tgtEl>
-                    <p:sldTgt/>
-                  </p:tgtEl>
-                </p:cond>
-              </p:nextCondLst>
-            </p:seq>
-          </p:childTnLst>
-        </p:cTn>
+        <p:cTn id="1" dur="indefinite" restart="never" nodeType="tmRoot"/>
       </p:par>
     </p:tnLst>
   </p:timing>
@@ -6952,7 +6382,6 @@
               <a:rPr lang="it-IT" sz="2400" dirty="0" smtClean="0"/>
               <a:t>……).</a:t>
             </a:r>
-            <a:endParaRPr lang="it-IT" sz="2400" dirty="0" smtClean="0"/>
           </a:p>
         </p:txBody>
       </p:sp>
@@ -7268,83 +6697,7 @@
   <p:timing>
     <p:tnLst>
       <p:par>
-        <p:cTn id="1" dur="indefinite" restart="never" nodeType="tmRoot">
-          <p:childTnLst>
-            <p:seq concurrent="1" nextAc="seek">
-              <p:cTn id="2" dur="indefinite" nodeType="mainSeq">
-                <p:childTnLst>
-                  <p:par>
-                    <p:cTn id="3" fill="hold">
-                      <p:stCondLst>
-                        <p:cond delay="indefinite"/>
-                      </p:stCondLst>
-                      <p:childTnLst>
-                        <p:par>
-                          <p:cTn id="4" fill="hold">
-                            <p:stCondLst>
-                              <p:cond delay="0"/>
-                            </p:stCondLst>
-                            <p:childTnLst>
-                              <p:par>
-                                <p:cTn id="5" presetID="21" presetClass="entr" presetSubtype="1" fill="hold" nodeType="clickEffect">
-                                  <p:stCondLst>
-                                    <p:cond delay="0"/>
-                                  </p:stCondLst>
-                                  <p:childTnLst>
-                                    <p:set>
-                                      <p:cBhvr>
-                                        <p:cTn id="6" dur="1" fill="hold">
-                                          <p:stCondLst>
-                                            <p:cond delay="0"/>
-                                          </p:stCondLst>
-                                        </p:cTn>
-                                        <p:tgtEl>
-                                          <p:spTgt spid="5"/>
-                                        </p:tgtEl>
-                                        <p:attrNameLst>
-                                          <p:attrName>style.visibility</p:attrName>
-                                        </p:attrNameLst>
-                                      </p:cBhvr>
-                                      <p:to>
-                                        <p:strVal val="visible"/>
-                                      </p:to>
-                                    </p:set>
-                                    <p:animEffect transition="in" filter="wheel(1)">
-                                      <p:cBhvr>
-                                        <p:cTn id="7" dur="2000"/>
-                                        <p:tgtEl>
-                                          <p:spTgt spid="5"/>
-                                        </p:tgtEl>
-                                      </p:cBhvr>
-                                    </p:animEffect>
-                                  </p:childTnLst>
-                                </p:cTn>
-                              </p:par>
-                            </p:childTnLst>
-                          </p:cTn>
-                        </p:par>
-                      </p:childTnLst>
-                    </p:cTn>
-                  </p:par>
-                </p:childTnLst>
-              </p:cTn>
-              <p:prevCondLst>
-                <p:cond evt="onPrev" delay="0">
-                  <p:tgtEl>
-                    <p:sldTgt/>
-                  </p:tgtEl>
-                </p:cond>
-              </p:prevCondLst>
-              <p:nextCondLst>
-                <p:cond evt="onNext" delay="0">
-                  <p:tgtEl>
-                    <p:sldTgt/>
-                  </p:tgtEl>
-                </p:cond>
-              </p:nextCondLst>
-            </p:seq>
-          </p:childTnLst>
-        </p:cTn>
+        <p:cTn id="1" dur="indefinite" restart="never" nodeType="tmRoot"/>
       </p:par>
     </p:tnLst>
   </p:timing>
